--- a/docs/Everest(intelligent_traffic_steering).pptx
+++ b/docs/Everest(intelligent_traffic_steering).pptx
@@ -15,6 +15,7 @@
     <p:sldId id="260" r:id="rId12"/>
     <p:sldId id="261" r:id="rId13"/>
     <p:sldId id="262" r:id="rId14"/>
+    <p:sldId id="263" r:id="rId15"/>
   </p:sldIdLst>
   <p:sldSz cx="12192000" cy="6858000"/>
   <p:notesSz cx="6858000" cy="9144000"/>
@@ -15615,7 +15616,7 @@
               <a:defRPr sz="1600"/>
             </a:pPr>
             <a:r>
-              <a:t>Cloud Native Resource and traffic Analytics/Policies (Demo): Disk/Memory Usage </a:t>
+              <a:t>Cloud Native Resource and traffic Analytics/Policies (Demo): Disk/Memory/Network Usage </a:t>
             </a:r>
             <a:r>
               <a:t>for video files servers </a:t>
@@ -20081,68 +20082,20 @@
           <a:p>
             <a:pPr/>
             <a:r>
-              <a:t>Cloud Native Resource and traffic Analytics/Policies (Demo): K8s File/Video Server Scenario</a:t>
-            </a:r>
-          </a:p>
-        </p:txBody>
-      </p:sp>
-      <p:sp>
-        <p:nvSpPr>
-          <p:cNvPr id="507" name="Google Shape;580;p42"/>
-          <p:cNvSpPr txBox="1"/>
-          <p:nvPr>
-            <p:ph type="body" sz="quarter" idx="4294967295"/>
-          </p:nvPr>
-        </p:nvSpPr>
-        <p:spPr>
-          <a:xfrm>
-            <a:off x="5032795" y="644584"/>
-            <a:ext cx="6767816" cy="1977666"/>
-          </a:xfrm>
-          <a:prstGeom prst="rect">
-            <a:avLst/>
-          </a:prstGeom>
-        </p:spPr>
-        <p:txBody>
-          <a:bodyPr/>
-          <a:lstStyle>
-            <a:lvl1pPr marL="315468" indent="-262890" defTabSz="630936">
-              <a:buSzPts val="1200"/>
-              <a:buChar char="-"/>
-              <a:defRPr sz="1200"/>
-            </a:lvl1pPr>
-            <a:lvl2pPr marL="703961" indent="-292100" defTabSz="630936">
-              <a:buSzPts val="1200"/>
-              <a:buChar char="-"/>
-              <a:defRPr sz="1200"/>
-            </a:lvl2pPr>
-          </a:lstStyle>
-          <a:p>
-            <a:pPr/>
-            <a:r>
-              <a:t>Scenario: </a:t>
-            </a:r>
-          </a:p>
-          <a:p>
-            <a:pPr lvl="1">
-              <a:defRPr sz="900"/>
-            </a:pPr>
-            <a:r>
-              <a:rPr sz="1200"/>
-              <a:t>TBD</a:t>
+              <a:t>Cloud Native Resource and traffic Analytics/Policies (Demo): Istio Service View</a:t>
             </a:r>
           </a:p>
         </p:txBody>
       </p:sp>
       <p:grpSp>
         <p:nvGrpSpPr>
-          <p:cNvPr id="510" name="Google Shape;592;p42"/>
+          <p:cNvPr id="509" name="Google Shape;592;p42"/>
           <p:cNvGrpSpPr/>
           <p:nvPr/>
         </p:nvGrpSpPr>
         <p:grpSpPr>
           <a:xfrm>
-            <a:off x="9159655" y="5055409"/>
+            <a:off x="9400955" y="5411009"/>
             <a:ext cx="894603" cy="1080904"/>
             <a:chOff x="0" y="0"/>
             <a:chExt cx="894601" cy="1080902"/>
@@ -20150,7 +20103,7 @@
         </p:grpSpPr>
         <p:sp>
           <p:nvSpPr>
-            <p:cNvPr id="508" name="Rounded Rectangle"/>
+            <p:cNvPr id="507" name="Rounded Rectangle"/>
             <p:cNvSpPr/>
             <p:nvPr/>
           </p:nvSpPr>
@@ -20198,14 +20151,14 @@
         </p:sp>
         <p:sp>
           <p:nvSpPr>
-            <p:cNvPr id="509" name="Data Ingestion point"/>
+            <p:cNvPr id="508" name="Data Ingestion point"/>
             <p:cNvSpPr txBox="1"/>
             <p:nvPr/>
           </p:nvSpPr>
           <p:spPr>
             <a:xfrm>
-              <a:off x="43671" y="260394"/>
-              <a:ext cx="807259" cy="560109"/>
+              <a:off x="43671" y="323895"/>
+              <a:ext cx="807259" cy="433110"/>
             </a:xfrm>
             <a:prstGeom prst="rect">
               <a:avLst/>
@@ -20226,8 +20179,9 @@
             <a:bodyPr wrap="square" lIns="91423" tIns="91423" rIns="91423" bIns="91423" numCol="1" anchor="ctr">
               <a:spAutoFit/>
             </a:bodyPr>
-            <a:lstStyle>
-              <a:lvl1pPr algn="ctr">
+            <a:lstStyle/>
+            <a:p>
+              <a:pPr algn="ctr">
                 <a:defRPr sz="900">
                   <a:solidFill>
                     <a:srgbClr val="FF0000"/>
@@ -20237,12 +20191,25 @@
                   <a:cs typeface="+mj-cs"/>
                   <a:sym typeface="Arial"/>
                 </a:defRPr>
-              </a:lvl1pPr>
-            </a:lstStyle>
-            <a:p>
-              <a:pPr/>
+              </a:pPr>
               <a:r>
-                <a:t>Data Ingestion point</a:t>
+                <a:t>Kafka</a:t>
+              </a:r>
+            </a:p>
+            <a:p>
+              <a:pPr algn="ctr">
+                <a:defRPr sz="900">
+                  <a:solidFill>
+                    <a:srgbClr val="FF0000"/>
+                  </a:solidFill>
+                  <a:latin typeface="+mj-lt"/>
+                  <a:ea typeface="+mj-ea"/>
+                  <a:cs typeface="+mj-cs"/>
+                  <a:sym typeface="Arial"/>
+                </a:defRPr>
+              </a:pPr>
+              <a:r>
+                <a:t>Service</a:t>
               </a:r>
             </a:p>
           </p:txBody>
@@ -20250,14 +20217,14 @@
       </p:grpSp>
       <p:sp>
         <p:nvSpPr>
-          <p:cNvPr id="511" name="Google Shape;598;p42"/>
+          <p:cNvPr id="510" name="Google Shape;598;p42"/>
           <p:cNvSpPr/>
           <p:nvPr/>
         </p:nvSpPr>
         <p:spPr>
           <a:xfrm flipV="1">
-            <a:off x="7257521" y="5663858"/>
-            <a:ext cx="1902135" cy="224291"/>
+            <a:off x="8386988" y="5983960"/>
+            <a:ext cx="993996" cy="179478"/>
           </a:xfrm>
           <a:prstGeom prst="line">
             <a:avLst/>
@@ -20279,14 +20246,14 @@
       </p:sp>
       <p:sp>
         <p:nvSpPr>
-          <p:cNvPr id="512" name="Google Shape;599;p42"/>
+          <p:cNvPr id="511" name="Google Shape;599;p42"/>
           <p:cNvSpPr/>
           <p:nvPr/>
         </p:nvSpPr>
         <p:spPr>
           <a:xfrm>
-            <a:off x="894045" y="1628219"/>
-            <a:ext cx="6590001" cy="5115040"/>
+            <a:off x="1224245" y="1628219"/>
+            <a:ext cx="7135325" cy="5115040"/>
           </a:xfrm>
           <a:prstGeom prst="rect">
             <a:avLst/>
@@ -20317,13 +20284,13 @@
       </p:sp>
       <p:sp>
         <p:nvSpPr>
-          <p:cNvPr id="513" name="Google Shape;616;p42"/>
+          <p:cNvPr id="512" name="Google Shape;616;p42"/>
           <p:cNvSpPr txBox="1"/>
           <p:nvPr/>
         </p:nvSpPr>
         <p:spPr>
           <a:xfrm>
-            <a:off x="7661624" y="5992558"/>
+            <a:off x="8338668" y="6116160"/>
             <a:ext cx="1091702" cy="597794"/>
           </a:xfrm>
           <a:prstGeom prst="rect">
@@ -20365,14 +20332,14 @@
       </p:sp>
       <p:sp>
         <p:nvSpPr>
-          <p:cNvPr id="514" name="vMEC (on k8s)"/>
+          <p:cNvPr id="513" name="vMEC (on k8s)"/>
           <p:cNvSpPr txBox="1"/>
           <p:nvPr/>
         </p:nvSpPr>
         <p:spPr>
           <a:xfrm>
-            <a:off x="1722904" y="6472984"/>
-            <a:ext cx="1279806" cy="288822"/>
+            <a:off x="3831104" y="6398304"/>
+            <a:ext cx="2110466" cy="288822"/>
           </a:xfrm>
           <a:prstGeom prst="rect">
             <a:avLst/>
@@ -20403,149 +20370,35 @@
           <a:p>
             <a:pPr/>
             <a:r>
-              <a:t>vMEC (on k8s)</a:t>
+              <a:t>namespace: everest-app </a:t>
             </a:r>
           </a:p>
         </p:txBody>
       </p:sp>
       <p:grpSp>
         <p:nvGrpSpPr>
-          <p:cNvPr id="517" name="Google Shape;592;p42"/>
+          <p:cNvPr id="516" name="Google Shape;592;p42"/>
           <p:cNvGrpSpPr/>
           <p:nvPr/>
         </p:nvGrpSpPr>
         <p:grpSpPr>
           <a:xfrm>
-            <a:off x="6036177" y="5457340"/>
-            <a:ext cx="1091704" cy="1319049"/>
+            <a:off x="7002619" y="1653124"/>
+            <a:ext cx="1358536" cy="839435"/>
             <a:chOff x="0" y="0"/>
-            <a:chExt cx="1091702" cy="1319047"/>
+            <a:chExt cx="1358535" cy="839434"/>
           </a:xfrm>
         </p:grpSpPr>
         <p:sp>
           <p:nvSpPr>
-            <p:cNvPr id="515" name="Rounded Rectangle"/>
-            <p:cNvSpPr/>
-            <p:nvPr/>
-          </p:nvSpPr>
-          <p:spPr>
-            <a:xfrm>
-              <a:off x="0" y="0"/>
-              <a:ext cx="1091703" cy="1319048"/>
-            </a:xfrm>
-            <a:prstGeom prst="roundRect">
-              <a:avLst>
-                <a:gd name="adj" fmla="val 16667"/>
-              </a:avLst>
-            </a:prstGeom>
-            <a:solidFill>
-              <a:srgbClr val="4A86E8"/>
-            </a:solidFill>
-            <a:ln w="9525" cap="flat">
-              <a:solidFill>
-                <a:srgbClr val="FF0000"/>
-              </a:solidFill>
-              <a:prstDash val="solid"/>
-              <a:round/>
-            </a:ln>
-            <a:effectLst/>
-          </p:spPr>
-          <p:txBody>
-            <a:bodyPr wrap="square" lIns="45718" tIns="45718" rIns="45718" bIns="45718" numCol="1" anchor="ctr">
-              <a:noAutofit/>
-            </a:bodyPr>
-            <a:lstStyle/>
-            <a:p>
-              <a:pPr>
-                <a:defRPr sz="900">
-                  <a:solidFill>
-                    <a:srgbClr val="FF0000"/>
-                  </a:solidFill>
-                  <a:latin typeface="+mj-lt"/>
-                  <a:ea typeface="+mj-ea"/>
-                  <a:cs typeface="+mj-cs"/>
-                  <a:sym typeface="Arial"/>
-                </a:defRPr>
-              </a:pPr>
-            </a:p>
-          </p:txBody>
-        </p:sp>
-        <p:sp>
-          <p:nvSpPr>
-            <p:cNvPr id="516" name="Collectors"/>
-            <p:cNvSpPr txBox="1"/>
-            <p:nvPr/>
-          </p:nvSpPr>
-          <p:spPr>
-            <a:xfrm>
-              <a:off x="53292" y="469407"/>
-              <a:ext cx="985118" cy="380232"/>
-            </a:xfrm>
-            <a:prstGeom prst="rect">
-              <a:avLst/>
-            </a:prstGeom>
-            <a:noFill/>
-            <a:ln w="12700" cap="flat">
-              <a:noFill/>
-              <a:miter lim="400000"/>
-            </a:ln>
-            <a:effectLst/>
-            <a:extLst>
-              <a:ext uri="{C572A759-6A51-4108-AA02-DFA0A04FC94B}">
-                <ma14:wrappingTextBoxFlag xmlns:ma14="http://schemas.microsoft.com/office/mac/drawingml/2011/main" val="1"/>
-              </a:ext>
-            </a:extLst>
-          </p:spPr>
-          <p:txBody>
-            <a:bodyPr wrap="square" lIns="91423" tIns="91423" rIns="91423" bIns="91423" numCol="1" anchor="ctr">
-              <a:spAutoFit/>
-            </a:bodyPr>
-            <a:lstStyle>
-              <a:lvl1pPr>
-                <a:defRPr>
-                  <a:solidFill>
-                    <a:srgbClr val="FF0000"/>
-                  </a:solidFill>
-                  <a:latin typeface="+mj-lt"/>
-                  <a:ea typeface="+mj-ea"/>
-                  <a:cs typeface="+mj-cs"/>
-                  <a:sym typeface="Arial"/>
-                </a:defRPr>
-              </a:lvl1pPr>
-            </a:lstStyle>
-            <a:p>
-              <a:pPr/>
-              <a:r>
-                <a:t>Collectors</a:t>
-              </a:r>
-            </a:p>
-          </p:txBody>
-        </p:sp>
-      </p:grpSp>
-      <p:grpSp>
-        <p:nvGrpSpPr>
-          <p:cNvPr id="520" name="Google Shape;592;p42"/>
-          <p:cNvGrpSpPr/>
-          <p:nvPr/>
-        </p:nvGrpSpPr>
-        <p:grpSpPr>
-          <a:xfrm>
-            <a:off x="5768862" y="1746695"/>
-            <a:ext cx="2134741" cy="1319049"/>
-            <a:chOff x="0" y="0"/>
-            <a:chExt cx="2134739" cy="1319047"/>
-          </a:xfrm>
-        </p:grpSpPr>
-        <p:sp>
-          <p:nvSpPr>
-            <p:cNvPr id="518" name="Rounded Rectangle"/>
+            <p:cNvPr id="514" name="Rounded Rectangle"/>
             <p:cNvSpPr/>
             <p:nvPr/>
           </p:nvSpPr>
           <p:spPr>
             <a:xfrm>
               <a:off x="-1" y="0"/>
-              <a:ext cx="2134740" cy="1319048"/>
+              <a:ext cx="1358536" cy="839435"/>
             </a:xfrm>
             <a:prstGeom prst="roundRect">
               <a:avLst>
@@ -20586,14 +20439,14 @@
         </p:sp>
         <p:sp>
           <p:nvSpPr>
-            <p:cNvPr id="519" name="Istio Pilot + Mixer"/>
+            <p:cNvPr id="515" name="Istio Pilot + Mixer"/>
             <p:cNvSpPr txBox="1"/>
             <p:nvPr/>
           </p:nvSpPr>
           <p:spPr>
             <a:xfrm>
-              <a:off x="702629" y="367807"/>
-              <a:ext cx="985117" cy="583432"/>
+              <a:off x="447149" y="234070"/>
+              <a:ext cx="626922" cy="371293"/>
             </a:xfrm>
             <a:prstGeom prst="rect">
               <a:avLst/>
@@ -20638,13 +20491,13 @@
       </p:grpSp>
       <p:grpSp>
         <p:nvGrpSpPr>
-          <p:cNvPr id="523" name="Google Shape;592;p42"/>
+          <p:cNvPr id="519" name="Google Shape;592;p42"/>
           <p:cNvGrpSpPr/>
           <p:nvPr/>
         </p:nvGrpSpPr>
         <p:grpSpPr>
           <a:xfrm>
-            <a:off x="9159655" y="2668192"/>
+            <a:off x="9159655" y="2810320"/>
             <a:ext cx="894603" cy="1080903"/>
             <a:chOff x="0" y="0"/>
             <a:chExt cx="894601" cy="1080902"/>
@@ -20652,7 +20505,7 @@
         </p:grpSpPr>
         <p:sp>
           <p:nvSpPr>
-            <p:cNvPr id="521" name="Rounded Rectangle"/>
+            <p:cNvPr id="517" name="Rounded Rectangle"/>
             <p:cNvSpPr/>
             <p:nvPr/>
           </p:nvSpPr>
@@ -20700,7 +20553,7 @@
         </p:sp>
         <p:sp>
           <p:nvSpPr>
-            <p:cNvPr id="522" name="Command &amp; Control"/>
+            <p:cNvPr id="518" name="Command &amp; Control"/>
             <p:cNvSpPr txBox="1"/>
             <p:nvPr/>
           </p:nvSpPr>
@@ -20752,7 +20605,7 @@
       </p:grpSp>
       <p:sp>
         <p:nvSpPr>
-          <p:cNvPr id="524" name="Line"/>
+          <p:cNvPr id="520" name="Line"/>
           <p:cNvSpPr/>
           <p:nvPr/>
         </p:nvSpPr>
@@ -20788,13 +20641,13 @@
       </p:sp>
       <p:sp>
         <p:nvSpPr>
-          <p:cNvPr id="525" name="Google Shape;619;p42"/>
+          <p:cNvPr id="521" name="Google Shape;619;p42"/>
           <p:cNvSpPr txBox="1"/>
           <p:nvPr/>
         </p:nvSpPr>
         <p:spPr>
           <a:xfrm>
-            <a:off x="7384822" y="3429000"/>
+            <a:off x="8438922" y="2268811"/>
             <a:ext cx="1556402" cy="318394"/>
           </a:xfrm>
           <a:prstGeom prst="rect">
@@ -20836,7 +20689,7 @@
       </p:sp>
       <p:grpSp>
         <p:nvGrpSpPr>
-          <p:cNvPr id="528" name="Google Shape;592;p42"/>
+          <p:cNvPr id="524" name="Google Shape;592;p42"/>
           <p:cNvGrpSpPr/>
           <p:nvPr/>
         </p:nvGrpSpPr>
@@ -20850,7 +20703,7 @@
         </p:grpSpPr>
         <p:sp>
           <p:nvSpPr>
-            <p:cNvPr id="526" name="Rounded Rectangle"/>
+            <p:cNvPr id="522" name="Rounded Rectangle"/>
             <p:cNvSpPr/>
             <p:nvPr/>
           </p:nvSpPr>
@@ -20898,14 +20751,14 @@
         </p:sp>
         <p:sp>
           <p:nvSpPr>
-            <p:cNvPr id="527" name="Data Analytics"/>
+            <p:cNvPr id="523" name="Data Analytics"/>
             <p:cNvSpPr txBox="1"/>
             <p:nvPr/>
           </p:nvSpPr>
           <p:spPr>
             <a:xfrm>
-              <a:off x="43671" y="323894"/>
-              <a:ext cx="807259" cy="433109"/>
+              <a:off x="43671" y="260395"/>
+              <a:ext cx="807259" cy="560110"/>
             </a:xfrm>
             <a:prstGeom prst="rect">
               <a:avLst/>
@@ -20926,8 +20779,9 @@
             <a:bodyPr wrap="square" lIns="91423" tIns="91423" rIns="91423" bIns="91423" numCol="1" anchor="ctr">
               <a:spAutoFit/>
             </a:bodyPr>
-            <a:lstStyle>
-              <a:lvl1pPr algn="ctr">
+            <a:lstStyle/>
+            <a:p>
+              <a:pPr algn="ctr">
                 <a:defRPr sz="900">
                   <a:solidFill>
                     <a:srgbClr val="FF0000"/>
@@ -20937,12 +20791,25 @@
                   <a:cs typeface="+mj-cs"/>
                   <a:sym typeface="Arial"/>
                 </a:defRPr>
-              </a:lvl1pPr>
-            </a:lstStyle>
-            <a:p>
-              <a:pPr/>
+              </a:pPr>
               <a:r>
                 <a:t>Data Analytics</a:t>
+              </a:r>
+            </a:p>
+            <a:p>
+              <a:pPr algn="ctr">
+                <a:defRPr sz="900">
+                  <a:solidFill>
+                    <a:srgbClr val="FF0000"/>
+                  </a:solidFill>
+                  <a:latin typeface="+mj-lt"/>
+                  <a:ea typeface="+mj-ea"/>
+                  <a:cs typeface="+mj-cs"/>
+                  <a:sym typeface="Arial"/>
+                </a:defRPr>
+              </a:pPr>
+              <a:r>
+                <a:t>(Flink??)</a:t>
               </a:r>
             </a:p>
           </p:txBody>
@@ -20950,7 +20817,7 @@
       </p:grpSp>
       <p:sp>
         <p:nvSpPr>
-          <p:cNvPr id="529" name="Connection Line"/>
+          <p:cNvPr id="525" name="Connection Line"/>
           <p:cNvSpPr/>
           <p:nvPr/>
         </p:nvSpPr>
@@ -21023,14 +20890,14 @@
       </p:sp>
       <p:sp>
         <p:nvSpPr>
-          <p:cNvPr id="530" name="Connection Line"/>
+          <p:cNvPr id="526" name="Connection Line"/>
           <p:cNvSpPr/>
           <p:nvPr/>
         </p:nvSpPr>
         <p:spPr>
           <a:xfrm>
-            <a:off x="10058975" y="4746013"/>
-            <a:ext cx="1446973" cy="1008520"/>
+            <a:off x="10321183" y="4746013"/>
+            <a:ext cx="1184765" cy="1305772"/>
           </a:xfrm>
           <a:custGeom>
             <a:avLst/>
@@ -21094,9 +20961,1822 @@
           </a:p>
         </p:txBody>
       </p:sp>
+      <p:sp>
+        <p:nvSpPr>
+          <p:cNvPr id="527" name="Google Shape;580;p42"/>
+          <p:cNvSpPr txBox="1"/>
+          <p:nvPr/>
+        </p:nvSpPr>
+        <p:spPr>
+          <a:xfrm>
+            <a:off x="567998" y="450945"/>
+            <a:ext cx="4940614" cy="1021224"/>
+          </a:xfrm>
+          <a:prstGeom prst="rect">
+            <a:avLst/>
+          </a:prstGeom>
+          <a:ln w="12700">
+            <a:miter lim="400000"/>
+          </a:ln>
+          <a:extLst>
+            <a:ext uri="{C572A759-6A51-4108-AA02-DFA0A04FC94B}">
+              <ma14:wrappingTextBoxFlag xmlns:ma14="http://schemas.microsoft.com/office/mac/drawingml/2011/main" val="1"/>
+            </a:ext>
+          </a:extLst>
+        </p:spPr>
+        <p:txBody>
+          <a:bodyPr lIns="121899" tIns="121899" rIns="121899" bIns="121899">
+            <a:normAutofit fontScale="100000" lnSpcReduction="0"/>
+          </a:bodyPr>
+          <a:lstStyle/>
+          <a:p>
+            <a:pPr marL="315468" indent="-262890" defTabSz="630936">
+              <a:lnSpc>
+                <a:spcPct val="103500"/>
+              </a:lnSpc>
+              <a:buClr>
+                <a:srgbClr val="434343"/>
+              </a:buClr>
+              <a:buSzPts val="1200"/>
+              <a:buFont typeface="Helvetica"/>
+              <a:buChar char="-"/>
+              <a:defRPr sz="1200">
+                <a:solidFill>
+                  <a:srgbClr val="434343"/>
+                </a:solidFill>
+                <a:latin typeface="Roboto"/>
+                <a:ea typeface="Roboto"/>
+                <a:cs typeface="Roboto"/>
+                <a:sym typeface="Roboto"/>
+              </a:defRPr>
+            </a:pPr>
+            <a:r>
+              <a:t>Clients: </a:t>
+            </a:r>
+          </a:p>
+          <a:p>
+            <a:pPr lvl="1" marL="703961" indent="-292100" defTabSz="630936">
+              <a:lnSpc>
+                <a:spcPct val="103500"/>
+              </a:lnSpc>
+              <a:buClr>
+                <a:srgbClr val="434343"/>
+              </a:buClr>
+              <a:buSzPts val="1200"/>
+              <a:buFont typeface="Helvetica"/>
+              <a:buChar char="-"/>
+              <a:defRPr sz="900">
+                <a:solidFill>
+                  <a:srgbClr val="434343"/>
+                </a:solidFill>
+                <a:latin typeface="Roboto"/>
+                <a:ea typeface="Roboto"/>
+                <a:cs typeface="Roboto"/>
+                <a:sym typeface="Roboto"/>
+              </a:defRPr>
+            </a:pPr>
+            <a:r>
+              <a:rPr sz="1200"/>
+              <a:t>REST Client</a:t>
+            </a:r>
+            <a:endParaRPr sz="1200"/>
+          </a:p>
+          <a:p>
+            <a:pPr lvl="1" marL="703961" indent="-292100" defTabSz="630936">
+              <a:lnSpc>
+                <a:spcPct val="103500"/>
+              </a:lnSpc>
+              <a:buClr>
+                <a:srgbClr val="434343"/>
+              </a:buClr>
+              <a:buSzPts val="1200"/>
+              <a:buFont typeface="Helvetica"/>
+              <a:buChar char="-"/>
+              <a:defRPr sz="900">
+                <a:solidFill>
+                  <a:srgbClr val="434343"/>
+                </a:solidFill>
+                <a:latin typeface="Roboto"/>
+                <a:ea typeface="Roboto"/>
+                <a:cs typeface="Roboto"/>
+                <a:sym typeface="Roboto"/>
+              </a:defRPr>
+            </a:pPr>
+            <a:r>
+              <a:rPr sz="1200"/>
+              <a:t>GRPC Client</a:t>
+            </a:r>
+          </a:p>
+        </p:txBody>
+      </p:sp>
       <p:grpSp>
         <p:nvGrpSpPr>
-          <p:cNvPr id="533" name="K8s…"/>
+          <p:cNvPr id="530" name="Istio Policy"/>
+          <p:cNvGrpSpPr/>
+          <p:nvPr/>
+        </p:nvGrpSpPr>
+        <p:grpSpPr>
+          <a:xfrm>
+            <a:off x="20464" y="2792462"/>
+            <a:ext cx="1724754" cy="1273076"/>
+            <a:chOff x="0" y="0"/>
+            <a:chExt cx="1724753" cy="1273075"/>
+          </a:xfrm>
+        </p:grpSpPr>
+        <p:sp>
+          <p:nvSpPr>
+            <p:cNvPr id="528" name="Double Arrow"/>
+            <p:cNvSpPr/>
+            <p:nvPr/>
+          </p:nvSpPr>
+          <p:spPr>
+            <a:xfrm>
+              <a:off x="0" y="0"/>
+              <a:ext cx="1724754" cy="1273076"/>
+            </a:xfrm>
+            <a:prstGeom prst="leftRightArrow">
+              <a:avLst>
+                <a:gd name="adj1" fmla="val 32000"/>
+                <a:gd name="adj2" fmla="val 52944"/>
+              </a:avLst>
+            </a:prstGeom>
+            <a:solidFill>
+              <a:srgbClr val="FFFFFF"/>
+            </a:solidFill>
+            <a:ln w="25400" cap="flat">
+              <a:solidFill>
+                <a:schemeClr val="accent1"/>
+              </a:solidFill>
+              <a:prstDash val="solid"/>
+              <a:round/>
+            </a:ln>
+            <a:effectLst>
+              <a:outerShdw sx="100000" sy="100000" kx="0" ky="0" algn="b" rotWithShape="0" blurRad="38100" dist="23000" dir="5400000">
+                <a:srgbClr val="000000">
+                  <a:alpha val="35000"/>
+                </a:srgbClr>
+              </a:outerShdw>
+            </a:effectLst>
+          </p:spPr>
+          <p:txBody>
+            <a:bodyPr wrap="square" lIns="45718" tIns="45718" rIns="45718" bIns="45718" numCol="1" anchor="ctr">
+              <a:noAutofit/>
+            </a:bodyPr>
+            <a:lstStyle/>
+            <a:p>
+              <a:pPr algn="ctr">
+                <a:defRPr>
+                  <a:latin typeface="+mj-lt"/>
+                  <a:ea typeface="+mj-ea"/>
+                  <a:cs typeface="+mj-cs"/>
+                  <a:sym typeface="Arial"/>
+                </a:defRPr>
+              </a:pPr>
+            </a:p>
+          </p:txBody>
+        </p:sp>
+        <p:sp>
+          <p:nvSpPr>
+            <p:cNvPr id="529" name="REST…"/>
+            <p:cNvSpPr txBox="1"/>
+            <p:nvPr/>
+          </p:nvSpPr>
+          <p:spPr>
+            <a:xfrm>
+              <a:off x="215684" y="280542"/>
+              <a:ext cx="1293385" cy="711991"/>
+            </a:xfrm>
+            <a:prstGeom prst="rect">
+              <a:avLst/>
+            </a:prstGeom>
+            <a:noFill/>
+            <a:ln w="12700" cap="flat">
+              <a:noFill/>
+              <a:miter lim="400000"/>
+            </a:ln>
+            <a:effectLst/>
+            <a:extLst>
+              <a:ext uri="{C572A759-6A51-4108-AA02-DFA0A04FC94B}">
+                <ma14:wrappingTextBoxFlag xmlns:ma14="http://schemas.microsoft.com/office/mac/drawingml/2011/main" val="1"/>
+              </a:ext>
+            </a:extLst>
+          </p:spPr>
+          <p:txBody>
+            <a:bodyPr wrap="square" lIns="45718" tIns="45718" rIns="45718" bIns="45718" numCol="1" anchor="ctr">
+              <a:noAutofit/>
+            </a:bodyPr>
+            <a:lstStyle/>
+            <a:p>
+              <a:pPr algn="ctr">
+                <a:defRPr>
+                  <a:latin typeface="+mj-lt"/>
+                  <a:ea typeface="+mj-ea"/>
+                  <a:cs typeface="+mj-cs"/>
+                  <a:sym typeface="Arial"/>
+                </a:defRPr>
+              </a:pPr>
+              <a:r>
+                <a:t>REST</a:t>
+              </a:r>
+            </a:p>
+            <a:p>
+              <a:pPr algn="ctr">
+                <a:defRPr>
+                  <a:latin typeface="+mj-lt"/>
+                  <a:ea typeface="+mj-ea"/>
+                  <a:cs typeface="+mj-cs"/>
+                  <a:sym typeface="Arial"/>
+                </a:defRPr>
+              </a:pPr>
+              <a:r>
+                <a:t>Client</a:t>
+              </a:r>
+            </a:p>
+          </p:txBody>
+        </p:sp>
+      </p:grpSp>
+      <p:sp>
+        <p:nvSpPr>
+          <p:cNvPr id="531" name="Istio Ingress Gateway"/>
+          <p:cNvSpPr/>
+          <p:nvPr/>
+        </p:nvSpPr>
+        <p:spPr>
+          <a:xfrm rot="16200000">
+            <a:off x="170092" y="3974858"/>
+            <a:ext cx="4683560" cy="421761"/>
+          </a:xfrm>
+          <a:prstGeom prst="rect">
+            <a:avLst/>
+          </a:prstGeom>
+          <a:solidFill>
+            <a:srgbClr val="2A3990"/>
+          </a:solidFill>
+          <a:ln w="25400">
+            <a:solidFill>
+              <a:schemeClr val="accent1"/>
+            </a:solidFill>
+          </a:ln>
+          <a:effectLst>
+            <a:outerShdw sx="100000" sy="100000" kx="0" ky="0" algn="b" rotWithShape="0" blurRad="38100" dist="23000" dir="5400000">
+              <a:srgbClr val="000000">
+                <a:alpha val="35000"/>
+              </a:srgbClr>
+            </a:outerShdw>
+          </a:effectLst>
+          <a:extLst>
+            <a:ext uri="{C572A759-6A51-4108-AA02-DFA0A04FC94B}">
+              <ma14:wrappingTextBoxFlag xmlns:ma14="http://schemas.microsoft.com/office/mac/drawingml/2011/main" val="1"/>
+            </a:ext>
+          </a:extLst>
+        </p:spPr>
+        <p:txBody>
+          <a:bodyPr lIns="45718" tIns="45718" rIns="45718" bIns="45718" anchor="ctr"/>
+          <a:lstStyle>
+            <a:lvl1pPr algn="ctr">
+              <a:defRPr>
+                <a:solidFill>
+                  <a:srgbClr val="ECECEC"/>
+                </a:solidFill>
+              </a:defRPr>
+            </a:lvl1pPr>
+          </a:lstStyle>
+          <a:p>
+            <a:pPr/>
+            <a:r>
+              <a:t>Istio Ingress Gateway</a:t>
+            </a:r>
+          </a:p>
+        </p:txBody>
+      </p:sp>
+      <p:sp>
+        <p:nvSpPr>
+          <p:cNvPr id="532" name="FS…"/>
+          <p:cNvSpPr/>
+          <p:nvPr/>
+        </p:nvSpPr>
+        <p:spPr>
+          <a:xfrm>
+            <a:off x="3291226" y="2474715"/>
+            <a:ext cx="1185796" cy="1752113"/>
+          </a:xfrm>
+          <a:prstGeom prst="roundRect">
+            <a:avLst>
+              <a:gd name="adj" fmla="val 11977"/>
+            </a:avLst>
+          </a:prstGeom>
+          <a:gradFill>
+            <a:gsLst>
+              <a:gs pos="0">
+                <a:srgbClr val="6B8ADA"/>
+              </a:gs>
+              <a:gs pos="100000">
+                <a:schemeClr val="accent6">
+                  <a:hueOff val="172405"/>
+                  <a:satOff val="54054"/>
+                  <a:lumOff val="21186"/>
+                </a:schemeClr>
+              </a:gs>
+            </a:gsLst>
+            <a:lin ang="16200000"/>
+          </a:gradFill>
+          <a:ln w="25400">
+            <a:solidFill>
+              <a:schemeClr val="accent1"/>
+            </a:solidFill>
+          </a:ln>
+          <a:effectLst>
+            <a:outerShdw sx="100000" sy="100000" kx="0" ky="0" algn="b" rotWithShape="0" blurRad="38100" dist="20000" dir="5400000">
+              <a:srgbClr val="000000">
+                <a:alpha val="38000"/>
+              </a:srgbClr>
+            </a:outerShdw>
+          </a:effectLst>
+          <a:extLst>
+            <a:ext uri="{C572A759-6A51-4108-AA02-DFA0A04FC94B}">
+              <ma14:wrappingTextBoxFlag xmlns:ma14="http://schemas.microsoft.com/office/mac/drawingml/2011/main" val="1"/>
+            </a:ext>
+          </a:extLst>
+        </p:spPr>
+        <p:txBody>
+          <a:bodyPr lIns="45718" tIns="45718" rIns="45718" bIns="45718" anchor="b"/>
+          <a:lstStyle/>
+          <a:p>
+            <a:pPr algn="ctr">
+              <a:defRPr i="1" sz="1000"/>
+            </a:pPr>
+            <a:r>
+              <a:t>FS</a:t>
+            </a:r>
+          </a:p>
+          <a:p>
+            <a:pPr algn="ctr">
+              <a:defRPr i="1" sz="1000"/>
+            </a:pPr>
+            <a:r>
+              <a:t>(REST Service)</a:t>
+            </a:r>
+          </a:p>
+        </p:txBody>
+      </p:sp>
+      <p:sp>
+        <p:nvSpPr>
+          <p:cNvPr id="533" name="Fibo…"/>
+          <p:cNvSpPr/>
+          <p:nvPr/>
+        </p:nvSpPr>
+        <p:spPr>
+          <a:xfrm>
+            <a:off x="5107460" y="2190389"/>
+            <a:ext cx="1277770" cy="1293191"/>
+          </a:xfrm>
+          <a:prstGeom prst="roundRect">
+            <a:avLst>
+              <a:gd name="adj" fmla="val 8614"/>
+            </a:avLst>
+          </a:prstGeom>
+          <a:gradFill>
+            <a:gsLst>
+              <a:gs pos="0">
+                <a:srgbClr val="6B8ADA"/>
+              </a:gs>
+              <a:gs pos="100000">
+                <a:schemeClr val="accent6">
+                  <a:hueOff val="172405"/>
+                  <a:satOff val="54054"/>
+                  <a:lumOff val="21186"/>
+                </a:schemeClr>
+              </a:gs>
+            </a:gsLst>
+            <a:lin ang="16200000"/>
+          </a:gradFill>
+          <a:ln w="25400">
+            <a:solidFill>
+              <a:schemeClr val="accent1"/>
+            </a:solidFill>
+          </a:ln>
+          <a:effectLst>
+            <a:outerShdw sx="100000" sy="100000" kx="0" ky="0" algn="b" rotWithShape="0" blurRad="38100" dist="20000" dir="5400000">
+              <a:srgbClr val="000000">
+                <a:alpha val="38000"/>
+              </a:srgbClr>
+            </a:outerShdw>
+          </a:effectLst>
+          <a:extLst>
+            <a:ext uri="{C572A759-6A51-4108-AA02-DFA0A04FC94B}">
+              <ma14:wrappingTextBoxFlag xmlns:ma14="http://schemas.microsoft.com/office/mac/drawingml/2011/main" val="1"/>
+            </a:ext>
+          </a:extLst>
+        </p:spPr>
+        <p:txBody>
+          <a:bodyPr lIns="45718" tIns="45718" rIns="45718" bIns="45718" anchor="b"/>
+          <a:lstStyle/>
+          <a:p>
+            <a:pPr algn="ctr">
+              <a:defRPr i="1" sz="1000"/>
+            </a:pPr>
+            <a:r>
+              <a:t>Fibo</a:t>
+            </a:r>
+          </a:p>
+          <a:p>
+            <a:pPr algn="ctr">
+              <a:defRPr i="1" sz="1000"/>
+            </a:pPr>
+            <a:r>
+              <a:t>(REST Service)</a:t>
+            </a:r>
+          </a:p>
+        </p:txBody>
+      </p:sp>
+      <p:sp>
+        <p:nvSpPr>
+          <p:cNvPr id="534" name="Guide…"/>
+          <p:cNvSpPr/>
+          <p:nvPr/>
+        </p:nvSpPr>
+        <p:spPr>
+          <a:xfrm>
+            <a:off x="4864513" y="4748801"/>
+            <a:ext cx="1606007" cy="814035"/>
+          </a:xfrm>
+          <a:prstGeom prst="roundRect">
+            <a:avLst>
+              <a:gd name="adj" fmla="val 13522"/>
+            </a:avLst>
+          </a:prstGeom>
+          <a:gradFill>
+            <a:gsLst>
+              <a:gs pos="0">
+                <a:srgbClr val="6B8ADA"/>
+              </a:gs>
+              <a:gs pos="100000">
+                <a:schemeClr val="accent6">
+                  <a:hueOff val="172405"/>
+                  <a:satOff val="54054"/>
+                  <a:lumOff val="21186"/>
+                </a:schemeClr>
+              </a:gs>
+            </a:gsLst>
+            <a:lin ang="16200000"/>
+          </a:gradFill>
+          <a:ln w="25400">
+            <a:solidFill>
+              <a:schemeClr val="accent1"/>
+            </a:solidFill>
+          </a:ln>
+          <a:effectLst>
+            <a:outerShdw sx="100000" sy="100000" kx="0" ky="0" algn="b" rotWithShape="0" blurRad="38100" dist="20000" dir="5400000">
+              <a:srgbClr val="000000">
+                <a:alpha val="38000"/>
+              </a:srgbClr>
+            </a:outerShdw>
+          </a:effectLst>
+          <a:extLst>
+            <a:ext uri="{C572A759-6A51-4108-AA02-DFA0A04FC94B}">
+              <ma14:wrappingTextBoxFlag xmlns:ma14="http://schemas.microsoft.com/office/mac/drawingml/2011/main" val="1"/>
+            </a:ext>
+          </a:extLst>
+        </p:spPr>
+        <p:txBody>
+          <a:bodyPr lIns="45718" tIns="45718" rIns="45718" bIns="45718" anchor="b"/>
+          <a:lstStyle/>
+          <a:p>
+            <a:pPr algn="ctr">
+              <a:defRPr i="1" sz="1000"/>
+            </a:pPr>
+            <a:r>
+              <a:t>Guide</a:t>
+            </a:r>
+          </a:p>
+          <a:p>
+            <a:pPr algn="ctr">
+              <a:defRPr i="1" sz="1000"/>
+            </a:pPr>
+            <a:r>
+              <a:t>(GRPC Service)</a:t>
+            </a:r>
+          </a:p>
+        </p:txBody>
+      </p:sp>
+      <p:sp>
+        <p:nvSpPr>
+          <p:cNvPr id="535" name="Google Shape;598;p42"/>
+          <p:cNvSpPr/>
+          <p:nvPr/>
+        </p:nvSpPr>
+        <p:spPr>
+          <a:xfrm>
+            <a:off x="1725682" y="3474067"/>
+            <a:ext cx="567847" cy="1"/>
+          </a:xfrm>
+          <a:prstGeom prst="line">
+            <a:avLst/>
+          </a:prstGeom>
+          <a:ln w="25400">
+            <a:solidFill>
+              <a:schemeClr val="accent4"/>
+            </a:solidFill>
+            <a:tailEnd type="stealth"/>
+          </a:ln>
+          <a:effectLst>
+            <a:outerShdw sx="100000" sy="100000" kx="0" ky="0" algn="b" rotWithShape="0" blurRad="38100" dist="23000" dir="5400000">
+              <a:srgbClr val="000000">
+                <a:alpha val="35000"/>
+              </a:srgbClr>
+            </a:outerShdw>
+          </a:effectLst>
+        </p:spPr>
+        <p:txBody>
+          <a:bodyPr lIns="45718" tIns="45718" rIns="45718" bIns="45718"/>
+          <a:lstStyle/>
+          <a:p>
+            <a:pPr/>
+          </a:p>
+        </p:txBody>
+      </p:sp>
+      <p:grpSp>
+        <p:nvGrpSpPr>
+          <p:cNvPr id="538" name="Istio Policy"/>
+          <p:cNvGrpSpPr/>
+          <p:nvPr/>
+        </p:nvGrpSpPr>
+        <p:grpSpPr>
+          <a:xfrm>
+            <a:off x="20464" y="4620086"/>
+            <a:ext cx="1724754" cy="1273076"/>
+            <a:chOff x="0" y="0"/>
+            <a:chExt cx="1724753" cy="1273075"/>
+          </a:xfrm>
+        </p:grpSpPr>
+        <p:sp>
+          <p:nvSpPr>
+            <p:cNvPr id="536" name="Double Arrow"/>
+            <p:cNvSpPr/>
+            <p:nvPr/>
+          </p:nvSpPr>
+          <p:spPr>
+            <a:xfrm>
+              <a:off x="0" y="0"/>
+              <a:ext cx="1724754" cy="1273076"/>
+            </a:xfrm>
+            <a:prstGeom prst="leftRightArrow">
+              <a:avLst>
+                <a:gd name="adj1" fmla="val 32000"/>
+                <a:gd name="adj2" fmla="val 52944"/>
+              </a:avLst>
+            </a:prstGeom>
+            <a:solidFill>
+              <a:srgbClr val="FFFFFF"/>
+            </a:solidFill>
+            <a:ln w="25400" cap="flat">
+              <a:solidFill>
+                <a:schemeClr val="accent1"/>
+              </a:solidFill>
+              <a:prstDash val="solid"/>
+              <a:round/>
+            </a:ln>
+            <a:effectLst>
+              <a:outerShdw sx="100000" sy="100000" kx="0" ky="0" algn="b" rotWithShape="0" blurRad="38100" dist="23000" dir="5400000">
+                <a:srgbClr val="000000">
+                  <a:alpha val="35000"/>
+                </a:srgbClr>
+              </a:outerShdw>
+            </a:effectLst>
+          </p:spPr>
+          <p:txBody>
+            <a:bodyPr wrap="square" lIns="45718" tIns="45718" rIns="45718" bIns="45718" numCol="1" anchor="ctr">
+              <a:noAutofit/>
+            </a:bodyPr>
+            <a:lstStyle/>
+            <a:p>
+              <a:pPr algn="ctr">
+                <a:defRPr>
+                  <a:latin typeface="+mj-lt"/>
+                  <a:ea typeface="+mj-ea"/>
+                  <a:cs typeface="+mj-cs"/>
+                  <a:sym typeface="Arial"/>
+                </a:defRPr>
+              </a:pPr>
+            </a:p>
+          </p:txBody>
+        </p:sp>
+        <p:sp>
+          <p:nvSpPr>
+            <p:cNvPr id="537" name="GRPC…"/>
+            <p:cNvSpPr txBox="1"/>
+            <p:nvPr/>
+          </p:nvSpPr>
+          <p:spPr>
+            <a:xfrm>
+              <a:off x="215684" y="280542"/>
+              <a:ext cx="1293385" cy="711991"/>
+            </a:xfrm>
+            <a:prstGeom prst="rect">
+              <a:avLst/>
+            </a:prstGeom>
+            <a:noFill/>
+            <a:ln w="12700" cap="flat">
+              <a:noFill/>
+              <a:miter lim="400000"/>
+            </a:ln>
+            <a:effectLst/>
+            <a:extLst>
+              <a:ext uri="{C572A759-6A51-4108-AA02-DFA0A04FC94B}">
+                <ma14:wrappingTextBoxFlag xmlns:ma14="http://schemas.microsoft.com/office/mac/drawingml/2011/main" val="1"/>
+              </a:ext>
+            </a:extLst>
+          </p:spPr>
+          <p:txBody>
+            <a:bodyPr wrap="square" lIns="45718" tIns="45718" rIns="45718" bIns="45718" numCol="1" anchor="ctr">
+              <a:noAutofit/>
+            </a:bodyPr>
+            <a:lstStyle/>
+            <a:p>
+              <a:pPr algn="ctr">
+                <a:defRPr>
+                  <a:latin typeface="+mj-lt"/>
+                  <a:ea typeface="+mj-ea"/>
+                  <a:cs typeface="+mj-cs"/>
+                  <a:sym typeface="Arial"/>
+                </a:defRPr>
+              </a:pPr>
+              <a:r>
+                <a:t>GRPC</a:t>
+              </a:r>
+            </a:p>
+            <a:p>
+              <a:pPr algn="ctr">
+                <a:defRPr>
+                  <a:latin typeface="+mj-lt"/>
+                  <a:ea typeface="+mj-ea"/>
+                  <a:cs typeface="+mj-cs"/>
+                  <a:sym typeface="Arial"/>
+                </a:defRPr>
+              </a:pPr>
+              <a:r>
+                <a:t>Client</a:t>
+              </a:r>
+            </a:p>
+          </p:txBody>
+        </p:sp>
+      </p:grpSp>
+      <p:sp>
+        <p:nvSpPr>
+          <p:cNvPr id="539" name="Google Shape;598;p42"/>
+          <p:cNvSpPr/>
+          <p:nvPr/>
+        </p:nvSpPr>
+        <p:spPr>
+          <a:xfrm>
+            <a:off x="1725682" y="5256624"/>
+            <a:ext cx="567847" cy="1"/>
+          </a:xfrm>
+          <a:prstGeom prst="line">
+            <a:avLst/>
+          </a:prstGeom>
+          <a:ln w="25400">
+            <a:solidFill>
+              <a:srgbClr val="24C14F"/>
+            </a:solidFill>
+            <a:tailEnd type="stealth"/>
+          </a:ln>
+          <a:effectLst>
+            <a:outerShdw sx="100000" sy="100000" kx="0" ky="0" algn="b" rotWithShape="0" blurRad="38100" dist="23000" dir="5400000">
+              <a:srgbClr val="000000">
+                <a:alpha val="35000"/>
+              </a:srgbClr>
+            </a:outerShdw>
+          </a:effectLst>
+        </p:spPr>
+        <p:txBody>
+          <a:bodyPr lIns="45718" tIns="45718" rIns="45718" bIns="45718"/>
+          <a:lstStyle/>
+          <a:p>
+            <a:pPr/>
+          </a:p>
+        </p:txBody>
+      </p:sp>
+      <p:sp>
+        <p:nvSpPr>
+          <p:cNvPr id="540" name="Google Shape;598;p42"/>
+          <p:cNvSpPr/>
+          <p:nvPr/>
+        </p:nvSpPr>
+        <p:spPr>
+          <a:xfrm>
+            <a:off x="2741682" y="5290334"/>
+            <a:ext cx="2103901" cy="1"/>
+          </a:xfrm>
+          <a:prstGeom prst="line">
+            <a:avLst/>
+          </a:prstGeom>
+          <a:ln w="25400">
+            <a:solidFill>
+              <a:srgbClr val="24C14F"/>
+            </a:solidFill>
+            <a:tailEnd type="stealth"/>
+          </a:ln>
+          <a:effectLst>
+            <a:outerShdw sx="100000" sy="100000" kx="0" ky="0" algn="b" rotWithShape="0" blurRad="38100" dist="23000" dir="5400000">
+              <a:srgbClr val="000000">
+                <a:alpha val="35000"/>
+              </a:srgbClr>
+            </a:outerShdw>
+          </a:effectLst>
+        </p:spPr>
+        <p:txBody>
+          <a:bodyPr lIns="45718" tIns="45718" rIns="45718" bIns="45718"/>
+          <a:lstStyle/>
+          <a:p>
+            <a:pPr/>
+          </a:p>
+        </p:txBody>
+      </p:sp>
+      <p:sp>
+        <p:nvSpPr>
+          <p:cNvPr id="541" name="Google Shape;598;p42"/>
+          <p:cNvSpPr/>
+          <p:nvPr/>
+        </p:nvSpPr>
+        <p:spPr>
+          <a:xfrm>
+            <a:off x="2754382" y="3474067"/>
+            <a:ext cx="567847" cy="1"/>
+          </a:xfrm>
+          <a:prstGeom prst="line">
+            <a:avLst/>
+          </a:prstGeom>
+          <a:ln w="25400">
+            <a:solidFill>
+              <a:schemeClr val="accent4"/>
+            </a:solidFill>
+            <a:tailEnd type="stealth"/>
+          </a:ln>
+          <a:effectLst>
+            <a:outerShdw sx="100000" sy="100000" kx="0" ky="0" algn="b" rotWithShape="0" blurRad="38100" dist="23000" dir="5400000">
+              <a:srgbClr val="000000">
+                <a:alpha val="35000"/>
+              </a:srgbClr>
+            </a:outerShdw>
+          </a:effectLst>
+        </p:spPr>
+        <p:txBody>
+          <a:bodyPr lIns="45718" tIns="45718" rIns="45718" bIns="45718"/>
+          <a:lstStyle/>
+          <a:p>
+            <a:pPr/>
+          </a:p>
+        </p:txBody>
+      </p:sp>
+      <p:sp>
+        <p:nvSpPr>
+          <p:cNvPr id="542" name="Google Shape;598;p42"/>
+          <p:cNvSpPr/>
+          <p:nvPr/>
+        </p:nvSpPr>
+        <p:spPr>
+          <a:xfrm>
+            <a:off x="5815584" y="3499487"/>
+            <a:ext cx="1" cy="1233407"/>
+          </a:xfrm>
+          <a:prstGeom prst="line">
+            <a:avLst/>
+          </a:prstGeom>
+          <a:ln w="25400">
+            <a:solidFill>
+              <a:srgbClr val="24C14F"/>
+            </a:solidFill>
+            <a:tailEnd type="stealth"/>
+          </a:ln>
+          <a:effectLst>
+            <a:outerShdw sx="100000" sy="100000" kx="0" ky="0" algn="b" rotWithShape="0" blurRad="38100" dist="23000" dir="5400000">
+              <a:srgbClr val="000000">
+                <a:alpha val="35000"/>
+              </a:srgbClr>
+            </a:outerShdw>
+          </a:effectLst>
+        </p:spPr>
+        <p:txBody>
+          <a:bodyPr lIns="45718" tIns="45718" rIns="45718" bIns="45718"/>
+          <a:lstStyle/>
+          <a:p>
+            <a:pPr/>
+          </a:p>
+        </p:txBody>
+      </p:sp>
+      <p:sp>
+        <p:nvSpPr>
+          <p:cNvPr id="543" name="Google Shape;598;p42"/>
+          <p:cNvSpPr/>
+          <p:nvPr/>
+        </p:nvSpPr>
+        <p:spPr>
+          <a:xfrm>
+            <a:off x="3818840" y="4238899"/>
+            <a:ext cx="1059747" cy="583587"/>
+          </a:xfrm>
+          <a:prstGeom prst="line">
+            <a:avLst/>
+          </a:prstGeom>
+          <a:ln w="25400">
+            <a:solidFill>
+              <a:srgbClr val="24C14F"/>
+            </a:solidFill>
+            <a:tailEnd type="stealth"/>
+          </a:ln>
+          <a:effectLst>
+            <a:outerShdw sx="100000" sy="100000" kx="0" ky="0" algn="b" rotWithShape="0" blurRad="38100" dist="23000" dir="5400000">
+              <a:srgbClr val="000000">
+                <a:alpha val="35000"/>
+              </a:srgbClr>
+            </a:outerShdw>
+          </a:effectLst>
+        </p:spPr>
+        <p:txBody>
+          <a:bodyPr lIns="45718" tIns="45718" rIns="45718" bIns="45718"/>
+          <a:lstStyle/>
+          <a:p>
+            <a:pPr/>
+          </a:p>
+        </p:txBody>
+      </p:sp>
+      <p:sp>
+        <p:nvSpPr>
+          <p:cNvPr id="544" name="Google Shape;598;p42"/>
+          <p:cNvSpPr/>
+          <p:nvPr/>
+        </p:nvSpPr>
+        <p:spPr>
+          <a:xfrm flipV="1">
+            <a:off x="4507984" y="2861154"/>
+            <a:ext cx="567847" cy="567846"/>
+          </a:xfrm>
+          <a:prstGeom prst="line">
+            <a:avLst/>
+          </a:prstGeom>
+          <a:ln w="25400">
+            <a:solidFill>
+              <a:schemeClr val="accent4"/>
+            </a:solidFill>
+            <a:tailEnd type="stealth"/>
+          </a:ln>
+          <a:effectLst>
+            <a:outerShdw sx="100000" sy="100000" kx="0" ky="0" algn="b" rotWithShape="0" blurRad="38100" dist="23000" dir="5400000">
+              <a:srgbClr val="000000">
+                <a:alpha val="35000"/>
+              </a:srgbClr>
+            </a:outerShdw>
+          </a:effectLst>
+        </p:spPr>
+        <p:txBody>
+          <a:bodyPr lIns="45718" tIns="45718" rIns="45718" bIns="45718"/>
+          <a:lstStyle/>
+          <a:p>
+            <a:pPr/>
+          </a:p>
+        </p:txBody>
+      </p:sp>
+      <p:pic>
+        <p:nvPicPr>
+          <p:cNvPr id="545" name="1*d2zLEjERsrs1Rzk_95QU9A.png" descr="1*d2zLEjERsrs1Rzk_95QU9A.png"/>
+          <p:cNvPicPr>
+            <a:picLocks noChangeAspect="1"/>
+          </p:cNvPicPr>
+          <p:nvPr/>
+        </p:nvPicPr>
+        <p:blipFill>
+          <a:blip r:embed="rId2">
+            <a:extLst/>
+          </a:blip>
+          <a:stretch>
+            <a:fillRect/>
+          </a:stretch>
+        </p:blipFill>
+        <p:spPr>
+          <a:xfrm>
+            <a:off x="3354251" y="2670962"/>
+            <a:ext cx="1059746" cy="583588"/>
+          </a:xfrm>
+          <a:prstGeom prst="rect">
+            <a:avLst/>
+          </a:prstGeom>
+          <a:ln w="12700">
+            <a:miter lim="400000"/>
+          </a:ln>
+        </p:spPr>
+      </p:pic>
+      <p:pic>
+        <p:nvPicPr>
+          <p:cNvPr id="546" name="1*d2zLEjERsrs1Rzk_95QU9A.png" descr="1*d2zLEjERsrs1Rzk_95QU9A.png"/>
+          <p:cNvPicPr>
+            <a:picLocks noChangeAspect="1"/>
+          </p:cNvPicPr>
+          <p:nvPr/>
+        </p:nvPicPr>
+        <p:blipFill>
+          <a:blip r:embed="rId2">
+            <a:extLst/>
+          </a:blip>
+          <a:stretch>
+            <a:fillRect/>
+          </a:stretch>
+        </p:blipFill>
+        <p:spPr>
+          <a:xfrm>
+            <a:off x="5216472" y="2268075"/>
+            <a:ext cx="1059747" cy="583587"/>
+          </a:xfrm>
+          <a:prstGeom prst="rect">
+            <a:avLst/>
+          </a:prstGeom>
+          <a:ln w="12700">
+            <a:miter lim="400000"/>
+          </a:ln>
+        </p:spPr>
+      </p:pic>
+      <p:pic>
+        <p:nvPicPr>
+          <p:cNvPr id="547" name="1*yqgSQu9GTNAZDyXqcYlL1Q.png" descr="1*yqgSQu9GTNAZDyXqcYlL1Q.png"/>
+          <p:cNvPicPr>
+            <a:picLocks noChangeAspect="1"/>
+          </p:cNvPicPr>
+          <p:nvPr/>
+        </p:nvPicPr>
+        <p:blipFill>
+          <a:blip r:embed="rId3">
+            <a:extLst/>
+          </a:blip>
+          <a:stretch>
+            <a:fillRect/>
+          </a:stretch>
+        </p:blipFill>
+        <p:spPr>
+          <a:xfrm>
+            <a:off x="4929418" y="4827222"/>
+            <a:ext cx="1476196" cy="240875"/>
+          </a:xfrm>
+          <a:prstGeom prst="rect">
+            <a:avLst/>
+          </a:prstGeom>
+          <a:ln w="12700">
+            <a:miter lim="400000"/>
+          </a:ln>
+        </p:spPr>
+      </p:pic>
+      <p:sp>
+        <p:nvSpPr>
+          <p:cNvPr id="548" name="REST"/>
+          <p:cNvSpPr txBox="1"/>
+          <p:nvPr/>
+        </p:nvSpPr>
+        <p:spPr>
+          <a:xfrm>
+            <a:off x="1765189" y="3228852"/>
+            <a:ext cx="567847" cy="243839"/>
+          </a:xfrm>
+          <a:prstGeom prst="rect">
+            <a:avLst/>
+          </a:prstGeom>
+          <a:ln w="12700">
+            <a:miter lim="400000"/>
+          </a:ln>
+          <a:extLst>
+            <a:ext uri="{C572A759-6A51-4108-AA02-DFA0A04FC94B}">
+              <ma14:wrappingTextBoxFlag xmlns:ma14="http://schemas.microsoft.com/office/mac/drawingml/2011/main" val="1"/>
+            </a:ext>
+          </a:extLst>
+        </p:spPr>
+        <p:txBody>
+          <a:bodyPr lIns="45718" tIns="45718" rIns="45718" bIns="45718">
+            <a:spAutoFit/>
+          </a:bodyPr>
+          <a:lstStyle>
+            <a:lvl1pPr algn="ctr">
+              <a:defRPr i="1" sz="1000"/>
+            </a:lvl1pPr>
+          </a:lstStyle>
+          <a:p>
+            <a:pPr/>
+            <a:r>
+              <a:t>REST</a:t>
+            </a:r>
+          </a:p>
+        </p:txBody>
+      </p:sp>
+      <p:sp>
+        <p:nvSpPr>
+          <p:cNvPr id="549" name="REST"/>
+          <p:cNvSpPr txBox="1"/>
+          <p:nvPr/>
+        </p:nvSpPr>
+        <p:spPr>
+          <a:xfrm>
+            <a:off x="2754382" y="3228852"/>
+            <a:ext cx="567847" cy="243839"/>
+          </a:xfrm>
+          <a:prstGeom prst="rect">
+            <a:avLst/>
+          </a:prstGeom>
+          <a:ln w="12700">
+            <a:miter lim="400000"/>
+          </a:ln>
+          <a:extLst>
+            <a:ext uri="{C572A759-6A51-4108-AA02-DFA0A04FC94B}">
+              <ma14:wrappingTextBoxFlag xmlns:ma14="http://schemas.microsoft.com/office/mac/drawingml/2011/main" val="1"/>
+            </a:ext>
+          </a:extLst>
+        </p:spPr>
+        <p:txBody>
+          <a:bodyPr lIns="45718" tIns="45718" rIns="45718" bIns="45718">
+            <a:spAutoFit/>
+          </a:bodyPr>
+          <a:lstStyle>
+            <a:lvl1pPr algn="ctr">
+              <a:defRPr i="1" sz="1000"/>
+            </a:lvl1pPr>
+          </a:lstStyle>
+          <a:p>
+            <a:pPr/>
+            <a:r>
+              <a:t>REST</a:t>
+            </a:r>
+          </a:p>
+        </p:txBody>
+      </p:sp>
+      <p:sp>
+        <p:nvSpPr>
+          <p:cNvPr id="550" name="REST"/>
+          <p:cNvSpPr txBox="1"/>
+          <p:nvPr/>
+        </p:nvSpPr>
+        <p:spPr>
+          <a:xfrm>
+            <a:off x="4507984" y="2840837"/>
+            <a:ext cx="567846" cy="243839"/>
+          </a:xfrm>
+          <a:prstGeom prst="rect">
+            <a:avLst/>
+          </a:prstGeom>
+          <a:ln w="12700">
+            <a:miter lim="400000"/>
+          </a:ln>
+          <a:extLst>
+            <a:ext uri="{C572A759-6A51-4108-AA02-DFA0A04FC94B}">
+              <ma14:wrappingTextBoxFlag xmlns:ma14="http://schemas.microsoft.com/office/mac/drawingml/2011/main" val="1"/>
+            </a:ext>
+          </a:extLst>
+        </p:spPr>
+        <p:txBody>
+          <a:bodyPr lIns="45718" tIns="45718" rIns="45718" bIns="45718">
+            <a:spAutoFit/>
+          </a:bodyPr>
+          <a:lstStyle>
+            <a:lvl1pPr algn="ctr">
+              <a:defRPr i="1" sz="1000"/>
+            </a:lvl1pPr>
+          </a:lstStyle>
+          <a:p>
+            <a:pPr/>
+            <a:r>
+              <a:t>REST</a:t>
+            </a:r>
+          </a:p>
+        </p:txBody>
+      </p:sp>
+      <p:sp>
+        <p:nvSpPr>
+          <p:cNvPr id="551" name="GRPC"/>
+          <p:cNvSpPr txBox="1"/>
+          <p:nvPr/>
+        </p:nvSpPr>
+        <p:spPr>
+          <a:xfrm>
+            <a:off x="1765189" y="5033899"/>
+            <a:ext cx="567847" cy="243839"/>
+          </a:xfrm>
+          <a:prstGeom prst="rect">
+            <a:avLst/>
+          </a:prstGeom>
+          <a:ln w="12700">
+            <a:miter lim="400000"/>
+          </a:ln>
+          <a:extLst>
+            <a:ext uri="{C572A759-6A51-4108-AA02-DFA0A04FC94B}">
+              <ma14:wrappingTextBoxFlag xmlns:ma14="http://schemas.microsoft.com/office/mac/drawingml/2011/main" val="1"/>
+            </a:ext>
+          </a:extLst>
+        </p:spPr>
+        <p:txBody>
+          <a:bodyPr lIns="45718" tIns="45718" rIns="45718" bIns="45718">
+            <a:spAutoFit/>
+          </a:bodyPr>
+          <a:lstStyle>
+            <a:lvl1pPr algn="ctr">
+              <a:defRPr i="1" sz="1000"/>
+            </a:lvl1pPr>
+          </a:lstStyle>
+          <a:p>
+            <a:pPr/>
+            <a:r>
+              <a:t>GRPC</a:t>
+            </a:r>
+          </a:p>
+        </p:txBody>
+      </p:sp>
+      <p:sp>
+        <p:nvSpPr>
+          <p:cNvPr id="552" name="GRPC"/>
+          <p:cNvSpPr txBox="1"/>
+          <p:nvPr/>
+        </p:nvSpPr>
+        <p:spPr>
+          <a:xfrm>
+            <a:off x="4381389" y="4408773"/>
+            <a:ext cx="567847" cy="243839"/>
+          </a:xfrm>
+          <a:prstGeom prst="rect">
+            <a:avLst/>
+          </a:prstGeom>
+          <a:ln w="12700">
+            <a:miter lim="400000"/>
+          </a:ln>
+          <a:extLst>
+            <a:ext uri="{C572A759-6A51-4108-AA02-DFA0A04FC94B}">
+              <ma14:wrappingTextBoxFlag xmlns:ma14="http://schemas.microsoft.com/office/mac/drawingml/2011/main" val="1"/>
+            </a:ext>
+          </a:extLst>
+        </p:spPr>
+        <p:txBody>
+          <a:bodyPr lIns="45718" tIns="45718" rIns="45718" bIns="45718">
+            <a:spAutoFit/>
+          </a:bodyPr>
+          <a:lstStyle>
+            <a:lvl1pPr algn="ctr">
+              <a:defRPr i="1" sz="1000"/>
+            </a:lvl1pPr>
+          </a:lstStyle>
+          <a:p>
+            <a:pPr/>
+            <a:r>
+              <a:t>GRPC</a:t>
+            </a:r>
+          </a:p>
+        </p:txBody>
+      </p:sp>
+      <p:sp>
+        <p:nvSpPr>
+          <p:cNvPr id="553" name="GRPC"/>
+          <p:cNvSpPr txBox="1"/>
+          <p:nvPr/>
+        </p:nvSpPr>
+        <p:spPr>
+          <a:xfrm>
+            <a:off x="5812077" y="3994271"/>
+            <a:ext cx="567846" cy="243839"/>
+          </a:xfrm>
+          <a:prstGeom prst="rect">
+            <a:avLst/>
+          </a:prstGeom>
+          <a:ln w="12700">
+            <a:miter lim="400000"/>
+          </a:ln>
+          <a:extLst>
+            <a:ext uri="{C572A759-6A51-4108-AA02-DFA0A04FC94B}">
+              <ma14:wrappingTextBoxFlag xmlns:ma14="http://schemas.microsoft.com/office/mac/drawingml/2011/main" val="1"/>
+            </a:ext>
+          </a:extLst>
+        </p:spPr>
+        <p:txBody>
+          <a:bodyPr lIns="45718" tIns="45718" rIns="45718" bIns="45718">
+            <a:spAutoFit/>
+          </a:bodyPr>
+          <a:lstStyle>
+            <a:lvl1pPr algn="ctr">
+              <a:defRPr i="1" sz="1000"/>
+            </a:lvl1pPr>
+          </a:lstStyle>
+          <a:p>
+            <a:pPr/>
+            <a:r>
+              <a:t>GRPC</a:t>
+            </a:r>
+          </a:p>
+        </p:txBody>
+      </p:sp>
+      <p:pic>
+        <p:nvPicPr>
+          <p:cNvPr id="554" name="cacti_graph_5_rra8_load.png" descr="cacti_graph_5_rra8_load.png"/>
+          <p:cNvPicPr>
+            <a:picLocks noChangeAspect="1"/>
+          </p:cNvPicPr>
+          <p:nvPr/>
+        </p:nvPicPr>
+        <p:blipFill>
+          <a:blip r:embed="rId4">
+            <a:extLst/>
+          </a:blip>
+          <a:stretch>
+            <a:fillRect/>
+          </a:stretch>
+        </p:blipFill>
+        <p:spPr>
+          <a:xfrm>
+            <a:off x="6416860" y="2641895"/>
+            <a:ext cx="1358537" cy="641722"/>
+          </a:xfrm>
+          <a:prstGeom prst="rect">
+            <a:avLst/>
+          </a:prstGeom>
+          <a:ln w="12700">
+            <a:miter lim="400000"/>
+          </a:ln>
+        </p:spPr>
+      </p:pic>
+      <p:pic>
+        <p:nvPicPr>
+          <p:cNvPr id="555" name="ram-usage-monitor.png" descr="ram-usage-monitor.png"/>
+          <p:cNvPicPr>
+            <a:picLocks noChangeAspect="1"/>
+          </p:cNvPicPr>
+          <p:nvPr/>
+        </p:nvPicPr>
+        <p:blipFill>
+          <a:blip r:embed="rId5">
+            <a:extLst/>
+          </a:blip>
+          <a:stretch>
+            <a:fillRect/>
+          </a:stretch>
+        </p:blipFill>
+        <p:spPr>
+          <a:xfrm>
+            <a:off x="6468173" y="4121248"/>
+            <a:ext cx="1846553" cy="766192"/>
+          </a:xfrm>
+          <a:prstGeom prst="rect">
+            <a:avLst/>
+          </a:prstGeom>
+          <a:ln w="12700">
+            <a:miter lim="400000"/>
+          </a:ln>
+        </p:spPr>
+      </p:pic>
+      <p:grpSp>
+        <p:nvGrpSpPr>
+          <p:cNvPr id="558" name="Google Shape;592;p42"/>
+          <p:cNvGrpSpPr/>
+          <p:nvPr/>
+        </p:nvGrpSpPr>
+        <p:grpSpPr>
+          <a:xfrm>
+            <a:off x="7479365" y="5733200"/>
+            <a:ext cx="894603" cy="1080903"/>
+            <a:chOff x="0" y="0"/>
+            <a:chExt cx="894601" cy="1080902"/>
+          </a:xfrm>
+        </p:grpSpPr>
+        <p:sp>
+          <p:nvSpPr>
+            <p:cNvPr id="556" name="Rounded Rectangle"/>
+            <p:cNvSpPr/>
+            <p:nvPr/>
+          </p:nvSpPr>
+          <p:spPr>
+            <a:xfrm>
+              <a:off x="0" y="-1"/>
+              <a:ext cx="894602" cy="1080904"/>
+            </a:xfrm>
+            <a:prstGeom prst="roundRect">
+              <a:avLst>
+                <a:gd name="adj" fmla="val 16667"/>
+              </a:avLst>
+            </a:prstGeom>
+            <a:solidFill>
+              <a:srgbClr val="4A86E8"/>
+            </a:solidFill>
+            <a:ln w="9525" cap="flat">
+              <a:solidFill>
+                <a:srgbClr val="FF0000"/>
+              </a:solidFill>
+              <a:prstDash val="solid"/>
+              <a:round/>
+            </a:ln>
+            <a:effectLst/>
+          </p:spPr>
+          <p:txBody>
+            <a:bodyPr wrap="square" lIns="45718" tIns="45718" rIns="45718" bIns="45718" numCol="1" anchor="ctr">
+              <a:noAutofit/>
+            </a:bodyPr>
+            <a:lstStyle/>
+            <a:p>
+              <a:pPr>
+                <a:defRPr sz="900">
+                  <a:solidFill>
+                    <a:srgbClr val="FF0000"/>
+                  </a:solidFill>
+                  <a:latin typeface="+mj-lt"/>
+                  <a:ea typeface="+mj-ea"/>
+                  <a:cs typeface="+mj-cs"/>
+                  <a:sym typeface="Arial"/>
+                </a:defRPr>
+              </a:pPr>
+            </a:p>
+          </p:txBody>
+        </p:sp>
+        <p:sp>
+          <p:nvSpPr>
+            <p:cNvPr id="557" name="Data Ingestion point"/>
+            <p:cNvSpPr txBox="1"/>
+            <p:nvPr/>
+          </p:nvSpPr>
+          <p:spPr>
+            <a:xfrm>
+              <a:off x="43671" y="387395"/>
+              <a:ext cx="807259" cy="306110"/>
+            </a:xfrm>
+            <a:prstGeom prst="rect">
+              <a:avLst/>
+            </a:prstGeom>
+            <a:noFill/>
+            <a:ln w="12700" cap="flat">
+              <a:noFill/>
+              <a:miter lim="400000"/>
+            </a:ln>
+            <a:effectLst/>
+            <a:extLst>
+              <a:ext uri="{C572A759-6A51-4108-AA02-DFA0A04FC94B}">
+                <ma14:wrappingTextBoxFlag xmlns:ma14="http://schemas.microsoft.com/office/mac/drawingml/2011/main" val="1"/>
+              </a:ext>
+            </a:extLst>
+          </p:spPr>
+          <p:txBody>
+            <a:bodyPr wrap="square" lIns="91423" tIns="91423" rIns="91423" bIns="91423" numCol="1" anchor="ctr">
+              <a:noAutofit/>
+            </a:bodyPr>
+            <a:lstStyle>
+              <a:lvl1pPr algn="ctr">
+                <a:defRPr sz="900">
+                  <a:solidFill>
+                    <a:srgbClr val="FF0000"/>
+                  </a:solidFill>
+                  <a:latin typeface="+mj-lt"/>
+                  <a:ea typeface="+mj-ea"/>
+                  <a:cs typeface="+mj-cs"/>
+                  <a:sym typeface="Arial"/>
+                </a:defRPr>
+              </a:lvl1pPr>
+            </a:lstStyle>
+            <a:p>
+              <a:pPr/>
+              <a:r>
+                <a:t>Collectors</a:t>
+              </a:r>
+            </a:p>
+          </p:txBody>
+        </p:sp>
+      </p:grpSp>
+      <p:pic>
+        <p:nvPicPr>
+          <p:cNvPr id="559" name="bandwidth-expanded-2.png" descr="bandwidth-expanded-2.png"/>
+          <p:cNvPicPr>
+            <a:picLocks noChangeAspect="1"/>
+          </p:cNvPicPr>
+          <p:nvPr/>
+        </p:nvPicPr>
+        <p:blipFill>
+          <a:blip r:embed="rId6">
+            <a:extLst/>
+          </a:blip>
+          <a:stretch>
+            <a:fillRect/>
+          </a:stretch>
+        </p:blipFill>
+        <p:spPr>
+          <a:xfrm>
+            <a:off x="6464322" y="4939835"/>
+            <a:ext cx="1854254" cy="795609"/>
+          </a:xfrm>
+          <a:prstGeom prst="rect">
+            <a:avLst/>
+          </a:prstGeom>
+          <a:ln w="12700">
+            <a:miter lim="400000"/>
+          </a:ln>
+        </p:spPr>
+      </p:pic>
+      <p:sp>
+        <p:nvSpPr>
+          <p:cNvPr id="560" name="Google Shape;580;p42"/>
+          <p:cNvSpPr txBox="1"/>
+          <p:nvPr/>
+        </p:nvSpPr>
+        <p:spPr>
+          <a:xfrm>
+            <a:off x="6182628" y="482563"/>
+            <a:ext cx="4940613" cy="1021224"/>
+          </a:xfrm>
+          <a:prstGeom prst="rect">
+            <a:avLst/>
+          </a:prstGeom>
+          <a:ln w="12700">
+            <a:miter lim="400000"/>
+          </a:ln>
+          <a:extLst>
+            <a:ext uri="{C572A759-6A51-4108-AA02-DFA0A04FC94B}">
+              <ma14:wrappingTextBoxFlag xmlns:ma14="http://schemas.microsoft.com/office/mac/drawingml/2011/main" val="1"/>
+            </a:ext>
+          </a:extLst>
+        </p:spPr>
+        <p:txBody>
+          <a:bodyPr lIns="121899" tIns="121899" rIns="121899" bIns="121899">
+            <a:normAutofit fontScale="100000" lnSpcReduction="0"/>
+          </a:bodyPr>
+          <a:lstStyle/>
+          <a:p>
+            <a:pPr marL="255529" indent="-212940" defTabSz="511058">
+              <a:lnSpc>
+                <a:spcPct val="103500"/>
+              </a:lnSpc>
+              <a:buClr>
+                <a:srgbClr val="434343"/>
+              </a:buClr>
+              <a:buSzPts val="900"/>
+              <a:buFont typeface="Helvetica"/>
+              <a:buChar char="-"/>
+              <a:defRPr sz="972">
+                <a:solidFill>
+                  <a:srgbClr val="434343"/>
+                </a:solidFill>
+                <a:latin typeface="Roboto"/>
+                <a:ea typeface="Roboto"/>
+                <a:cs typeface="Roboto"/>
+                <a:sym typeface="Roboto"/>
+              </a:defRPr>
+            </a:pPr>
+            <a:r>
+              <a:t>Backend Components: </a:t>
+            </a:r>
+          </a:p>
+          <a:p>
+            <a:pPr lvl="1" marL="570208" indent="-236600" defTabSz="511058">
+              <a:lnSpc>
+                <a:spcPct val="103500"/>
+              </a:lnSpc>
+              <a:buClr>
+                <a:srgbClr val="434343"/>
+              </a:buClr>
+              <a:buSzPts val="900"/>
+              <a:buFont typeface="Helvetica"/>
+              <a:buChar char="-"/>
+              <a:defRPr sz="729">
+                <a:solidFill>
+                  <a:srgbClr val="434343"/>
+                </a:solidFill>
+                <a:latin typeface="Roboto"/>
+                <a:ea typeface="Roboto"/>
+                <a:cs typeface="Roboto"/>
+                <a:sym typeface="Roboto"/>
+              </a:defRPr>
+            </a:pPr>
+            <a:r>
+              <a:rPr sz="972"/>
+              <a:t>Services on everest-app namespace:</a:t>
+            </a:r>
+            <a:endParaRPr sz="972"/>
+          </a:p>
+          <a:p>
+            <a:pPr lvl="2" marL="807992" indent="-236600" defTabSz="511058">
+              <a:lnSpc>
+                <a:spcPct val="103500"/>
+              </a:lnSpc>
+              <a:buClr>
+                <a:srgbClr val="434343"/>
+              </a:buClr>
+              <a:buSzPts val="900"/>
+              <a:buFont typeface="Helvetica"/>
+              <a:buChar char="-"/>
+              <a:defRPr sz="729">
+                <a:solidFill>
+                  <a:srgbClr val="434343"/>
+                </a:solidFill>
+                <a:latin typeface="Roboto"/>
+                <a:ea typeface="Roboto"/>
+                <a:cs typeface="Roboto"/>
+                <a:sym typeface="Roboto"/>
+              </a:defRPr>
+            </a:pPr>
+            <a:r>
+              <a:rPr sz="972"/>
+              <a:t>FS</a:t>
+            </a:r>
+            <a:endParaRPr sz="972"/>
+          </a:p>
+          <a:p>
+            <a:pPr lvl="2" marL="807992" indent="-236600" defTabSz="511058">
+              <a:lnSpc>
+                <a:spcPct val="103500"/>
+              </a:lnSpc>
+              <a:buClr>
+                <a:srgbClr val="434343"/>
+              </a:buClr>
+              <a:buSzPts val="900"/>
+              <a:buFont typeface="Helvetica"/>
+              <a:buChar char="-"/>
+              <a:defRPr sz="729">
+                <a:solidFill>
+                  <a:srgbClr val="434343"/>
+                </a:solidFill>
+                <a:latin typeface="Roboto"/>
+                <a:ea typeface="Roboto"/>
+                <a:cs typeface="Roboto"/>
+                <a:sym typeface="Roboto"/>
+              </a:defRPr>
+            </a:pPr>
+            <a:r>
+              <a:rPr sz="972"/>
+              <a:t>Fibo: Can generate high CPU usage</a:t>
+            </a:r>
+            <a:endParaRPr sz="972"/>
+          </a:p>
+          <a:p>
+            <a:pPr lvl="2" marL="807992" indent="-236600" defTabSz="511058">
+              <a:lnSpc>
+                <a:spcPct val="103500"/>
+              </a:lnSpc>
+              <a:buClr>
+                <a:srgbClr val="434343"/>
+              </a:buClr>
+              <a:buSzPts val="900"/>
+              <a:buFont typeface="Helvetica"/>
+              <a:buChar char="-"/>
+              <a:defRPr sz="729">
+                <a:solidFill>
+                  <a:srgbClr val="434343"/>
+                </a:solidFill>
+                <a:latin typeface="Roboto"/>
+                <a:ea typeface="Roboto"/>
+                <a:cs typeface="Roboto"/>
+                <a:sym typeface="Roboto"/>
+              </a:defRPr>
+            </a:pPr>
+            <a:r>
+              <a:rPr sz="972"/>
+              <a:t>Guide: Can generate high network trafic and/or memory usage</a:t>
+            </a:r>
+          </a:p>
+        </p:txBody>
+      </p:sp>
+    </p:spTree>
+  </p:cSld>
+  <p:clrMapOvr>
+    <a:masterClrMapping/>
+  </p:clrMapOvr>
+  <p:transition xmlns:p14="http://schemas.microsoft.com/office/powerpoint/2010/main" spd="med" advClick="1"/>
+</p:sld>
+</file>
+
+<file path=ppt/slides/slide8.xml><?xml version="1.0" encoding="utf-8"?>
+<p:sld xmlns:a="http://schemas.openxmlformats.org/drawingml/2006/main" xmlns:r="http://schemas.openxmlformats.org/officeDocument/2006/relationships" xmlns:p="http://schemas.openxmlformats.org/presentationml/2006/main" showMasterSp="1" showMasterPhAnim="1">
+  <p:cSld>
+    <p:spTree>
+      <p:nvGrpSpPr>
+        <p:cNvPr id="1" name=""/>
+        <p:cNvGrpSpPr/>
+        <p:nvPr/>
+      </p:nvGrpSpPr>
+      <p:grpSpPr>
+        <a:xfrm>
+          <a:off x="0" y="0"/>
+          <a:ext cx="0" cy="0"/>
+          <a:chOff x="0" y="0"/>
+          <a:chExt cx="0" cy="0"/>
+        </a:xfrm>
+      </p:grpSpPr>
+      <p:sp>
+        <p:nvSpPr>
+          <p:cNvPr id="562" name="Google Shape;579;p42"/>
+          <p:cNvSpPr txBox="1"/>
+          <p:nvPr>
+            <p:ph type="title"/>
+          </p:nvPr>
+        </p:nvSpPr>
+        <p:spPr>
+          <a:xfrm>
+            <a:off x="415599" y="127566"/>
+            <a:ext cx="11360702" cy="810303"/>
+          </a:xfrm>
+          <a:prstGeom prst="rect">
+            <a:avLst/>
+          </a:prstGeom>
+        </p:spPr>
+        <p:txBody>
+          <a:bodyPr/>
+          <a:lstStyle>
+            <a:lvl1pPr defTabSz="429768">
+              <a:defRPr sz="1600"/>
+            </a:lvl1pPr>
+          </a:lstStyle>
+          <a:p>
+            <a:pPr/>
+            <a:r>
+              <a:t>Cloud Native Resource and traffic Analytics/Policies (Demo): Version &amp; Pod’s view</a:t>
+            </a:r>
+          </a:p>
+        </p:txBody>
+      </p:sp>
+      <p:sp>
+        <p:nvSpPr>
+          <p:cNvPr id="563" name="Google Shape;580;p42"/>
+          <p:cNvSpPr txBox="1"/>
+          <p:nvPr>
+            <p:ph type="body" sz="quarter" idx="4294967295"/>
+          </p:nvPr>
+        </p:nvSpPr>
+        <p:spPr>
+          <a:xfrm>
+            <a:off x="5032795" y="644584"/>
+            <a:ext cx="6767816" cy="1127286"/>
+          </a:xfrm>
+          <a:prstGeom prst="rect">
+            <a:avLst/>
+          </a:prstGeom>
+        </p:spPr>
+        <p:txBody>
+          <a:bodyPr/>
+          <a:lstStyle/>
+          <a:p>
+            <a:pPr marL="126187" indent="-105156" defTabSz="252374">
+              <a:buSzPts val="400"/>
+              <a:buChar char="-"/>
+              <a:defRPr sz="480"/>
+            </a:pPr>
+            <a:r>
+              <a:t>Scenario: </a:t>
+            </a:r>
+          </a:p>
+          <a:p>
+            <a:pPr lvl="1" marL="281584" indent="-116839" defTabSz="252374">
+              <a:buSzPts val="400"/>
+              <a:buChar char="-"/>
+              <a:defRPr sz="360"/>
+            </a:pPr>
+            <a:r>
+              <a:rPr sz="480"/>
+              <a:t>4 types of clients: regular, cpu-, memory-, network traffic-intensive clients</a:t>
+            </a:r>
+            <a:endParaRPr sz="480"/>
+          </a:p>
+          <a:p>
+            <a:pPr lvl="1" marL="281584" indent="-116839" defTabSz="252374">
+              <a:buSzPts val="400"/>
+              <a:buChar char="-"/>
+              <a:defRPr sz="360"/>
+            </a:pPr>
+            <a:r>
+              <a:rPr sz="480"/>
+              <a:t>Collector send streams of performance data, metric and tracing to analytics</a:t>
+            </a:r>
+            <a:endParaRPr sz="480"/>
+          </a:p>
+          <a:p>
+            <a:pPr lvl="1" marL="281584" indent="-116839" defTabSz="252374">
+              <a:buSzPts val="400"/>
+              <a:buChar char="-"/>
+              <a:defRPr sz="360"/>
+            </a:pPr>
+            <a:r>
+              <a:rPr sz="480"/>
+              <a:t>Registry contains rules:</a:t>
+            </a:r>
+            <a:endParaRPr sz="480"/>
+          </a:p>
+          <a:p>
+            <a:pPr lvl="2" marL="330200" indent="-116839" defTabSz="252374">
+              <a:buSzPts val="400"/>
+              <a:buChar char="-"/>
+              <a:defRPr sz="360"/>
+            </a:pPr>
+            <a:r>
+              <a:rPr sz="480"/>
+              <a:t>Category</a:t>
+            </a:r>
+            <a:endParaRPr sz="480"/>
+          </a:p>
+          <a:p>
+            <a:pPr lvl="2" marL="330200" indent="-116839" defTabSz="252374">
+              <a:buSzPts val="400"/>
+              <a:buChar char="-"/>
+              <a:defRPr sz="360"/>
+            </a:pPr>
+            <a:r>
+              <a:rPr sz="480"/>
+              <a:t>Actions</a:t>
+            </a:r>
+            <a:endParaRPr sz="480"/>
+          </a:p>
+          <a:p>
+            <a:pPr lvl="1" marL="281584" indent="-116839" defTabSz="252374">
+              <a:buSzPts val="400"/>
+              <a:buChar char="-"/>
+              <a:defRPr sz="360"/>
+            </a:pPr>
+            <a:r>
+              <a:rPr sz="480"/>
+              <a:t>Analytics process the stream and yield:</a:t>
+            </a:r>
+            <a:endParaRPr sz="480"/>
+          </a:p>
+          <a:p>
+            <a:pPr lvl="2" marL="330200" indent="-116839" defTabSz="252374">
+              <a:buSzPts val="400"/>
+              <a:buChar char="-"/>
+              <a:defRPr sz="360"/>
+            </a:pPr>
+            <a:r>
+              <a:rPr sz="480"/>
+              <a:t>Critical: cpu, memory, network ???</a:t>
+            </a:r>
+            <a:endParaRPr sz="480"/>
+          </a:p>
+          <a:p>
+            <a:pPr lvl="2" marL="330200" indent="-116839" defTabSz="252374">
+              <a:buSzPts val="400"/>
+              <a:buChar char="-"/>
+              <a:defRPr sz="360"/>
+            </a:pPr>
+            <a:r>
+              <a:rPr sz="480"/>
+              <a:t>High: </a:t>
+            </a:r>
+            <a:endParaRPr sz="480"/>
+          </a:p>
+          <a:p>
+            <a:pPr lvl="2" marL="330200" indent="-116839" defTabSz="252374">
+              <a:buSzPts val="400"/>
+              <a:buChar char="-"/>
+              <a:defRPr sz="360"/>
+            </a:pPr>
+            <a:r>
+              <a:rPr sz="480"/>
+              <a:t>Normal:</a:t>
+            </a:r>
+            <a:endParaRPr sz="480"/>
+          </a:p>
+          <a:p>
+            <a:pPr lvl="2" marL="330200" indent="-116839" defTabSz="252374">
+              <a:buSzPts val="400"/>
+              <a:buChar char="-"/>
+              <a:defRPr sz="360"/>
+            </a:pPr>
+            <a:r>
+              <a:rPr sz="480"/>
+              <a:t>Low:</a:t>
+            </a:r>
+          </a:p>
+        </p:txBody>
+      </p:sp>
+      <p:sp>
+        <p:nvSpPr>
+          <p:cNvPr id="564" name="Google Shape;599;p42"/>
+          <p:cNvSpPr/>
+          <p:nvPr/>
+        </p:nvSpPr>
+        <p:spPr>
+          <a:xfrm>
+            <a:off x="894045" y="1628219"/>
+            <a:ext cx="8068126" cy="5115040"/>
+          </a:xfrm>
+          <a:prstGeom prst="rect">
+            <a:avLst/>
+          </a:prstGeom>
+          <a:ln>
+            <a:solidFill>
+              <a:srgbClr val="434343"/>
+            </a:solidFill>
+          </a:ln>
+        </p:spPr>
+        <p:txBody>
+          <a:bodyPr lIns="45718" tIns="45718" rIns="45718" bIns="45718" anchor="ctr"/>
+          <a:lstStyle/>
+          <a:p>
+            <a:pPr>
+              <a:defRPr>
+                <a:solidFill>
+                  <a:srgbClr val="000000"/>
+                </a:solidFill>
+                <a:latin typeface="+mj-lt"/>
+                <a:ea typeface="+mj-ea"/>
+                <a:cs typeface="+mj-cs"/>
+                <a:sym typeface="Arial"/>
+              </a:defRPr>
+            </a:pPr>
+          </a:p>
+        </p:txBody>
+      </p:sp>
+      <p:grpSp>
+        <p:nvGrpSpPr>
+          <p:cNvPr id="567" name="K8s…"/>
           <p:cNvGrpSpPr/>
           <p:nvPr/>
         </p:nvGrpSpPr>
@@ -21110,7 +22790,7 @@
         </p:grpSpPr>
         <p:sp>
           <p:nvSpPr>
-            <p:cNvPr id="531" name="Oval"/>
+            <p:cNvPr id="565" name="Oval"/>
             <p:cNvSpPr/>
             <p:nvPr/>
           </p:nvSpPr>
@@ -21159,7 +22839,7 @@
         </p:sp>
         <p:sp>
           <p:nvSpPr>
-            <p:cNvPr id="532" name="FS-v1"/>
+            <p:cNvPr id="566" name="FS-v1"/>
             <p:cNvSpPr txBox="1"/>
             <p:nvPr/>
           </p:nvSpPr>
@@ -21208,7 +22888,7 @@
       </p:grpSp>
       <p:sp>
         <p:nvSpPr>
-          <p:cNvPr id="534" name="Google Shape;580;p42"/>
+          <p:cNvPr id="568" name="Google Shape;580;p42"/>
           <p:cNvSpPr txBox="1"/>
           <p:nvPr/>
         </p:nvSpPr>
@@ -21281,7 +22961,7 @@
               </a:defRPr>
             </a:pPr>
             <a:r>
-              <a:t>1 vMEC with Multiple Services (Video, File, Compute)</a:t>
+              <a:t>Everest App (everest-app namespace)</a:t>
             </a:r>
           </a:p>
           <a:p>
@@ -21306,14 +22986,14 @@
               </a:defRPr>
             </a:pPr>
             <a:r>
-              <a:t>Multiple Clients with different stress and load scenarios</a:t>
+              <a:t>Everest: Kafka, registry, command and analytics (everest namespace)</a:t>
             </a:r>
           </a:p>
         </p:txBody>
       </p:sp>
       <p:grpSp>
         <p:nvGrpSpPr>
-          <p:cNvPr id="538" name="Can 1"/>
+          <p:cNvPr id="572" name="Can 1"/>
           <p:cNvGrpSpPr/>
           <p:nvPr/>
         </p:nvGrpSpPr>
@@ -21327,7 +23007,7 @@
         </p:grpSpPr>
         <p:sp>
           <p:nvSpPr>
-            <p:cNvPr id="535" name="Shape"/>
+            <p:cNvPr id="569" name="Shape"/>
             <p:cNvSpPr/>
             <p:nvPr/>
           </p:nvSpPr>
@@ -21421,7 +23101,7 @@
         </p:sp>
         <p:sp>
           <p:nvSpPr>
-            <p:cNvPr id="536" name="Oval"/>
+            <p:cNvPr id="570" name="Oval"/>
             <p:cNvSpPr/>
             <p:nvPr/>
           </p:nvSpPr>
@@ -21463,7 +23143,7 @@
         </p:sp>
         <p:sp>
           <p:nvSpPr>
-            <p:cNvPr id="537" name="Line"/>
+            <p:cNvPr id="571" name="Line"/>
             <p:cNvSpPr/>
             <p:nvPr/>
           </p:nvSpPr>
@@ -21565,7 +23245,7 @@
       </p:grpSp>
       <p:grpSp>
         <p:nvGrpSpPr>
-          <p:cNvPr id="541" name="Istio Policy"/>
+          <p:cNvPr id="575" name="Istio Policy"/>
           <p:cNvGrpSpPr/>
           <p:nvPr/>
         </p:nvGrpSpPr>
@@ -21579,7 +23259,7 @@
         </p:grpSpPr>
         <p:sp>
           <p:nvSpPr>
-            <p:cNvPr id="539" name="Double Arrow"/>
+            <p:cNvPr id="573" name="Double Arrow"/>
             <p:cNvSpPr/>
             <p:nvPr/>
           </p:nvSpPr>
@@ -21631,7 +23311,7 @@
         </p:sp>
         <p:sp>
           <p:nvSpPr>
-            <p:cNvPr id="540" name="Client"/>
+            <p:cNvPr id="574" name="Client"/>
             <p:cNvSpPr txBox="1"/>
             <p:nvPr/>
           </p:nvSpPr>
@@ -21680,7 +23360,7 @@
       </p:grpSp>
       <p:grpSp>
         <p:nvGrpSpPr>
-          <p:cNvPr id="545" name="Can 59"/>
+          <p:cNvPr id="579" name="Can 59"/>
           <p:cNvGrpSpPr/>
           <p:nvPr/>
         </p:nvGrpSpPr>
@@ -21694,7 +23374,7 @@
         </p:grpSpPr>
         <p:sp>
           <p:nvSpPr>
-            <p:cNvPr id="542" name="Shape"/>
+            <p:cNvPr id="576" name="Shape"/>
             <p:cNvSpPr/>
             <p:nvPr/>
           </p:nvSpPr>
@@ -21788,7 +23468,7 @@
         </p:sp>
         <p:sp>
           <p:nvSpPr>
-            <p:cNvPr id="543" name="Oval"/>
+            <p:cNvPr id="577" name="Oval"/>
             <p:cNvSpPr/>
             <p:nvPr/>
           </p:nvSpPr>
@@ -21830,7 +23510,7 @@
         </p:sp>
         <p:sp>
           <p:nvSpPr>
-            <p:cNvPr id="544" name="Line"/>
+            <p:cNvPr id="578" name="Line"/>
             <p:cNvSpPr/>
             <p:nvPr/>
           </p:nvSpPr>
@@ -21932,7 +23612,7 @@
       </p:grpSp>
       <p:sp>
         <p:nvSpPr>
-          <p:cNvPr id="627" name="Straight Arrow Connector 6"/>
+          <p:cNvPr id="705" name="Straight Arrow Connector 6"/>
           <p:cNvSpPr/>
           <p:nvPr/>
         </p:nvSpPr>
@@ -21995,7 +23675,7 @@
       </p:sp>
       <p:grpSp>
         <p:nvGrpSpPr>
-          <p:cNvPr id="549" name="Istio Policy"/>
+          <p:cNvPr id="583" name="Istio Policy"/>
           <p:cNvGrpSpPr/>
           <p:nvPr/>
         </p:nvGrpSpPr>
@@ -22009,7 +23689,7 @@
         </p:grpSpPr>
         <p:sp>
           <p:nvSpPr>
-            <p:cNvPr id="547" name="Double Arrow"/>
+            <p:cNvPr id="581" name="Double Arrow"/>
             <p:cNvSpPr/>
             <p:nvPr/>
           </p:nvSpPr>
@@ -22061,7 +23741,7 @@
         </p:sp>
         <p:sp>
           <p:nvSpPr>
-            <p:cNvPr id="548" name="Client"/>
+            <p:cNvPr id="582" name="Client"/>
             <p:cNvSpPr txBox="1"/>
             <p:nvPr/>
           </p:nvSpPr>
@@ -22110,7 +23790,7 @@
       </p:grpSp>
       <p:grpSp>
         <p:nvGrpSpPr>
-          <p:cNvPr id="552" name="Istio Policy"/>
+          <p:cNvPr id="586" name="Istio Policy"/>
           <p:cNvGrpSpPr/>
           <p:nvPr/>
         </p:nvGrpSpPr>
@@ -22124,7 +23804,7 @@
         </p:grpSpPr>
         <p:sp>
           <p:nvSpPr>
-            <p:cNvPr id="550" name="Double Arrow"/>
+            <p:cNvPr id="584" name="Double Arrow"/>
             <p:cNvSpPr/>
             <p:nvPr/>
           </p:nvSpPr>
@@ -22176,7 +23856,7 @@
         </p:sp>
         <p:sp>
           <p:nvSpPr>
-            <p:cNvPr id="551" name="Client"/>
+            <p:cNvPr id="585" name="Client"/>
             <p:cNvSpPr txBox="1"/>
             <p:nvPr/>
           </p:nvSpPr>
@@ -22225,7 +23905,7 @@
       </p:grpSp>
       <p:grpSp>
         <p:nvGrpSpPr>
-          <p:cNvPr id="555" name="Istio Policy"/>
+          <p:cNvPr id="589" name="Istio Policy"/>
           <p:cNvGrpSpPr/>
           <p:nvPr/>
         </p:nvGrpSpPr>
@@ -22239,7 +23919,7 @@
         </p:grpSpPr>
         <p:sp>
           <p:nvSpPr>
-            <p:cNvPr id="553" name="Double Arrow"/>
+            <p:cNvPr id="587" name="Double Arrow"/>
             <p:cNvSpPr/>
             <p:nvPr/>
           </p:nvSpPr>
@@ -22291,7 +23971,7 @@
         </p:sp>
         <p:sp>
           <p:nvSpPr>
-            <p:cNvPr id="554" name="Client"/>
+            <p:cNvPr id="588" name="Client"/>
             <p:cNvSpPr txBox="1"/>
             <p:nvPr/>
           </p:nvSpPr>
@@ -22340,7 +24020,7 @@
       </p:grpSp>
       <p:sp>
         <p:nvSpPr>
-          <p:cNvPr id="556" name="Istio Ingress Gateway"/>
+          <p:cNvPr id="590" name="Istio Ingress Gateway"/>
           <p:cNvSpPr/>
           <p:nvPr/>
         </p:nvSpPr>
@@ -22394,7 +24074,7 @@
       </p:sp>
       <p:sp>
         <p:nvSpPr>
-          <p:cNvPr id="557" name="FS…"/>
+          <p:cNvPr id="591" name="FS…"/>
           <p:cNvSpPr/>
           <p:nvPr/>
         </p:nvSpPr>
@@ -22464,7 +24144,7 @@
       </p:sp>
       <p:grpSp>
         <p:nvGrpSpPr>
-          <p:cNvPr id="560" name="K8s…"/>
+          <p:cNvPr id="594" name="K8s…"/>
           <p:cNvGrpSpPr/>
           <p:nvPr/>
         </p:nvGrpSpPr>
@@ -22478,7 +24158,7 @@
         </p:grpSpPr>
         <p:sp>
           <p:nvSpPr>
-            <p:cNvPr id="558" name="Oval"/>
+            <p:cNvPr id="592" name="Oval"/>
             <p:cNvSpPr/>
             <p:nvPr/>
           </p:nvSpPr>
@@ -22527,7 +24207,7 @@
         </p:sp>
         <p:sp>
           <p:nvSpPr>
-            <p:cNvPr id="559" name="FS-v2"/>
+            <p:cNvPr id="593" name="FS-v2"/>
             <p:cNvSpPr txBox="1"/>
             <p:nvPr/>
           </p:nvSpPr>
@@ -22576,7 +24256,7 @@
       </p:grpSp>
       <p:grpSp>
         <p:nvGrpSpPr>
-          <p:cNvPr id="564" name="Can 1"/>
+          <p:cNvPr id="598" name="Can 1"/>
           <p:cNvGrpSpPr/>
           <p:nvPr/>
         </p:nvGrpSpPr>
@@ -22590,7 +24270,7 @@
         </p:grpSpPr>
         <p:sp>
           <p:nvSpPr>
-            <p:cNvPr id="561" name="Shape"/>
+            <p:cNvPr id="595" name="Shape"/>
             <p:cNvSpPr/>
             <p:nvPr/>
           </p:nvSpPr>
@@ -22684,7 +24364,7 @@
         </p:sp>
         <p:sp>
           <p:nvSpPr>
-            <p:cNvPr id="562" name="Oval"/>
+            <p:cNvPr id="596" name="Oval"/>
             <p:cNvSpPr/>
             <p:nvPr/>
           </p:nvSpPr>
@@ -22726,7 +24406,7 @@
         </p:sp>
         <p:sp>
           <p:nvSpPr>
-            <p:cNvPr id="563" name="Line"/>
+            <p:cNvPr id="597" name="Line"/>
             <p:cNvSpPr/>
             <p:nvPr/>
           </p:nvSpPr>
@@ -22828,7 +24508,7 @@
       </p:grpSp>
       <p:grpSp>
         <p:nvGrpSpPr>
-          <p:cNvPr id="568" name="Can 59"/>
+          <p:cNvPr id="602" name="Can 59"/>
           <p:cNvGrpSpPr/>
           <p:nvPr/>
         </p:nvGrpSpPr>
@@ -22842,7 +24522,7 @@
         </p:grpSpPr>
         <p:sp>
           <p:nvSpPr>
-            <p:cNvPr id="565" name="Shape"/>
+            <p:cNvPr id="599" name="Shape"/>
             <p:cNvSpPr/>
             <p:nvPr/>
           </p:nvSpPr>
@@ -22936,7 +24616,7 @@
         </p:sp>
         <p:sp>
           <p:nvSpPr>
-            <p:cNvPr id="566" name="Oval"/>
+            <p:cNvPr id="600" name="Oval"/>
             <p:cNvSpPr/>
             <p:nvPr/>
           </p:nvSpPr>
@@ -22978,7 +24658,7 @@
         </p:sp>
         <p:sp>
           <p:nvSpPr>
-            <p:cNvPr id="567" name="Line"/>
+            <p:cNvPr id="601" name="Line"/>
             <p:cNvSpPr/>
             <p:nvPr/>
           </p:nvSpPr>
@@ -23080,7 +24760,7 @@
       </p:grpSp>
       <p:sp>
         <p:nvSpPr>
-          <p:cNvPr id="628" name="Straight Arrow Connector 6"/>
+          <p:cNvPr id="706" name="Straight Arrow Connector 6"/>
           <p:cNvSpPr/>
           <p:nvPr/>
         </p:nvSpPr>
@@ -23143,7 +24823,7 @@
       </p:sp>
       <p:grpSp>
         <p:nvGrpSpPr>
-          <p:cNvPr id="572" name="K8s…"/>
+          <p:cNvPr id="606" name="K8s…"/>
           <p:cNvGrpSpPr/>
           <p:nvPr/>
         </p:nvGrpSpPr>
@@ -23157,7 +24837,7 @@
         </p:grpSpPr>
         <p:sp>
           <p:nvSpPr>
-            <p:cNvPr id="570" name="Oval"/>
+            <p:cNvPr id="604" name="Oval"/>
             <p:cNvSpPr/>
             <p:nvPr/>
           </p:nvSpPr>
@@ -23206,7 +24886,7 @@
         </p:sp>
         <p:sp>
           <p:nvSpPr>
-            <p:cNvPr id="571" name="FS-v3"/>
+            <p:cNvPr id="605" name="FS-v3"/>
             <p:cNvSpPr txBox="1"/>
             <p:nvPr/>
           </p:nvSpPr>
@@ -23255,7 +24935,7 @@
       </p:grpSp>
       <p:grpSp>
         <p:nvGrpSpPr>
-          <p:cNvPr id="576" name="Can 1"/>
+          <p:cNvPr id="610" name="Can 1"/>
           <p:cNvGrpSpPr/>
           <p:nvPr/>
         </p:nvGrpSpPr>
@@ -23269,7 +24949,7 @@
         </p:grpSpPr>
         <p:sp>
           <p:nvSpPr>
-            <p:cNvPr id="573" name="Shape"/>
+            <p:cNvPr id="607" name="Shape"/>
             <p:cNvSpPr/>
             <p:nvPr/>
           </p:nvSpPr>
@@ -23363,7 +25043,7 @@
         </p:sp>
         <p:sp>
           <p:nvSpPr>
-            <p:cNvPr id="574" name="Oval"/>
+            <p:cNvPr id="608" name="Oval"/>
             <p:cNvSpPr/>
             <p:nvPr/>
           </p:nvSpPr>
@@ -23405,7 +25085,7 @@
         </p:sp>
         <p:sp>
           <p:nvSpPr>
-            <p:cNvPr id="575" name="Line"/>
+            <p:cNvPr id="609" name="Line"/>
             <p:cNvSpPr/>
             <p:nvPr/>
           </p:nvSpPr>
@@ -23507,7 +25187,7 @@
       </p:grpSp>
       <p:grpSp>
         <p:nvGrpSpPr>
-          <p:cNvPr id="580" name="Can 59"/>
+          <p:cNvPr id="614" name="Can 59"/>
           <p:cNvGrpSpPr/>
           <p:nvPr/>
         </p:nvGrpSpPr>
@@ -23521,7 +25201,7 @@
         </p:grpSpPr>
         <p:sp>
           <p:nvSpPr>
-            <p:cNvPr id="577" name="Shape"/>
+            <p:cNvPr id="611" name="Shape"/>
             <p:cNvSpPr/>
             <p:nvPr/>
           </p:nvSpPr>
@@ -23615,7 +25295,7 @@
         </p:sp>
         <p:sp>
           <p:nvSpPr>
-            <p:cNvPr id="578" name="Oval"/>
+            <p:cNvPr id="612" name="Oval"/>
             <p:cNvSpPr/>
             <p:nvPr/>
           </p:nvSpPr>
@@ -23657,7 +25337,7 @@
         </p:sp>
         <p:sp>
           <p:nvSpPr>
-            <p:cNvPr id="579" name="Line"/>
+            <p:cNvPr id="613" name="Line"/>
             <p:cNvSpPr/>
             <p:nvPr/>
           </p:nvSpPr>
@@ -23759,7 +25439,7 @@
       </p:grpSp>
       <p:sp>
         <p:nvSpPr>
-          <p:cNvPr id="629" name="Straight Arrow Connector 6"/>
+          <p:cNvPr id="707" name="Straight Arrow Connector 6"/>
           <p:cNvSpPr/>
           <p:nvPr/>
         </p:nvSpPr>
@@ -23822,7 +25502,7 @@
       </p:sp>
       <p:grpSp>
         <p:nvGrpSpPr>
-          <p:cNvPr id="584" name="K8s…"/>
+          <p:cNvPr id="618" name="K8s…"/>
           <p:cNvGrpSpPr/>
           <p:nvPr/>
         </p:nvGrpSpPr>
@@ -23836,7 +25516,7 @@
         </p:grpSpPr>
         <p:sp>
           <p:nvSpPr>
-            <p:cNvPr id="582" name="Oval"/>
+            <p:cNvPr id="616" name="Oval"/>
             <p:cNvSpPr/>
             <p:nvPr/>
           </p:nvSpPr>
@@ -23885,7 +25565,7 @@
         </p:sp>
         <p:sp>
           <p:nvSpPr>
-            <p:cNvPr id="583" name="FS-standalone-v2"/>
+            <p:cNvPr id="617" name="FS-standalone-v2"/>
             <p:cNvSpPr txBox="1"/>
             <p:nvPr/>
           </p:nvSpPr>
@@ -23934,7 +25614,7 @@
       </p:grpSp>
       <p:grpSp>
         <p:nvGrpSpPr>
-          <p:cNvPr id="588" name="Can 1"/>
+          <p:cNvPr id="622" name="Can 1"/>
           <p:cNvGrpSpPr/>
           <p:nvPr/>
         </p:nvGrpSpPr>
@@ -23948,7 +25628,7 @@
         </p:grpSpPr>
         <p:sp>
           <p:nvSpPr>
-            <p:cNvPr id="585" name="Shape"/>
+            <p:cNvPr id="619" name="Shape"/>
             <p:cNvSpPr/>
             <p:nvPr/>
           </p:nvSpPr>
@@ -24042,7 +25722,7 @@
         </p:sp>
         <p:sp>
           <p:nvSpPr>
-            <p:cNvPr id="586" name="Oval"/>
+            <p:cNvPr id="620" name="Oval"/>
             <p:cNvSpPr/>
             <p:nvPr/>
           </p:nvSpPr>
@@ -24084,7 +25764,7 @@
         </p:sp>
         <p:sp>
           <p:nvSpPr>
-            <p:cNvPr id="587" name="Line"/>
+            <p:cNvPr id="621" name="Line"/>
             <p:cNvSpPr/>
             <p:nvPr/>
           </p:nvSpPr>
@@ -24186,7 +25866,7 @@
       </p:grpSp>
       <p:grpSp>
         <p:nvGrpSpPr>
-          <p:cNvPr id="592" name="Can 59"/>
+          <p:cNvPr id="626" name="Can 59"/>
           <p:cNvGrpSpPr/>
           <p:nvPr/>
         </p:nvGrpSpPr>
@@ -24200,7 +25880,7 @@
         </p:grpSpPr>
         <p:sp>
           <p:nvSpPr>
-            <p:cNvPr id="589" name="Shape"/>
+            <p:cNvPr id="623" name="Shape"/>
             <p:cNvSpPr/>
             <p:nvPr/>
           </p:nvSpPr>
@@ -24294,7 +25974,7 @@
         </p:sp>
         <p:sp>
           <p:nvSpPr>
-            <p:cNvPr id="590" name="Oval"/>
+            <p:cNvPr id="624" name="Oval"/>
             <p:cNvSpPr/>
             <p:nvPr/>
           </p:nvSpPr>
@@ -24336,7 +26016,7 @@
         </p:sp>
         <p:sp>
           <p:nvSpPr>
-            <p:cNvPr id="591" name="Line"/>
+            <p:cNvPr id="625" name="Line"/>
             <p:cNvSpPr/>
             <p:nvPr/>
           </p:nvSpPr>
@@ -24438,7 +26118,7 @@
       </p:grpSp>
       <p:sp>
         <p:nvSpPr>
-          <p:cNvPr id="630" name="Straight Arrow Connector 6"/>
+          <p:cNvPr id="708" name="Straight Arrow Connector 6"/>
           <p:cNvSpPr/>
           <p:nvPr/>
         </p:nvSpPr>
@@ -24501,7 +26181,7 @@
       </p:sp>
       <p:grpSp>
         <p:nvGrpSpPr>
-          <p:cNvPr id="596" name="K8s…"/>
+          <p:cNvPr id="630" name="K8s…"/>
           <p:cNvGrpSpPr/>
           <p:nvPr/>
         </p:nvGrpSpPr>
@@ -24515,7 +26195,7 @@
         </p:grpSpPr>
         <p:sp>
           <p:nvSpPr>
-            <p:cNvPr id="594" name="Oval"/>
+            <p:cNvPr id="628" name="Oval"/>
             <p:cNvSpPr/>
             <p:nvPr/>
           </p:nvSpPr>
@@ -24564,7 +26244,7 @@
         </p:sp>
         <p:sp>
           <p:nvSpPr>
-            <p:cNvPr id="595" name="FS-standalone-v1"/>
+            <p:cNvPr id="629" name="FS-standalone-v1"/>
             <p:cNvSpPr txBox="1"/>
             <p:nvPr/>
           </p:nvSpPr>
@@ -24613,7 +26293,7 @@
       </p:grpSp>
       <p:grpSp>
         <p:nvGrpSpPr>
-          <p:cNvPr id="600" name="Can 1"/>
+          <p:cNvPr id="634" name="Can 1"/>
           <p:cNvGrpSpPr/>
           <p:nvPr/>
         </p:nvGrpSpPr>
@@ -24627,7 +26307,7 @@
         </p:grpSpPr>
         <p:sp>
           <p:nvSpPr>
-            <p:cNvPr id="597" name="Shape"/>
+            <p:cNvPr id="631" name="Shape"/>
             <p:cNvSpPr/>
             <p:nvPr/>
           </p:nvSpPr>
@@ -24721,7 +26401,7 @@
         </p:sp>
         <p:sp>
           <p:nvSpPr>
-            <p:cNvPr id="598" name="Oval"/>
+            <p:cNvPr id="632" name="Oval"/>
             <p:cNvSpPr/>
             <p:nvPr/>
           </p:nvSpPr>
@@ -24763,7 +26443,7 @@
         </p:sp>
         <p:sp>
           <p:nvSpPr>
-            <p:cNvPr id="599" name="Line"/>
+            <p:cNvPr id="633" name="Line"/>
             <p:cNvSpPr/>
             <p:nvPr/>
           </p:nvSpPr>
@@ -24865,7 +26545,7 @@
       </p:grpSp>
       <p:grpSp>
         <p:nvGrpSpPr>
-          <p:cNvPr id="604" name="Can 59"/>
+          <p:cNvPr id="638" name="Can 59"/>
           <p:cNvGrpSpPr/>
           <p:nvPr/>
         </p:nvGrpSpPr>
@@ -24879,7 +26559,7 @@
         </p:grpSpPr>
         <p:sp>
           <p:nvSpPr>
-            <p:cNvPr id="601" name="Shape"/>
+            <p:cNvPr id="635" name="Shape"/>
             <p:cNvSpPr/>
             <p:nvPr/>
           </p:nvSpPr>
@@ -24973,7 +26653,7 @@
         </p:sp>
         <p:sp>
           <p:nvSpPr>
-            <p:cNvPr id="602" name="Oval"/>
+            <p:cNvPr id="636" name="Oval"/>
             <p:cNvSpPr/>
             <p:nvPr/>
           </p:nvSpPr>
@@ -25015,7 +26695,7 @@
         </p:sp>
         <p:sp>
           <p:nvSpPr>
-            <p:cNvPr id="603" name="Line"/>
+            <p:cNvPr id="637" name="Line"/>
             <p:cNvSpPr/>
             <p:nvPr/>
           </p:nvSpPr>
@@ -25117,7 +26797,7 @@
       </p:grpSp>
       <p:sp>
         <p:nvSpPr>
-          <p:cNvPr id="631" name="Straight Arrow Connector 6"/>
+          <p:cNvPr id="709" name="Straight Arrow Connector 6"/>
           <p:cNvSpPr/>
           <p:nvPr/>
         </p:nvSpPr>
@@ -25180,7 +26860,7 @@
       </p:sp>
       <p:sp>
         <p:nvSpPr>
-          <p:cNvPr id="606" name="Google Shape;598;p42"/>
+          <p:cNvPr id="640" name="Google Shape;598;p42"/>
           <p:cNvSpPr/>
           <p:nvPr/>
         </p:nvSpPr>
@@ -25217,7 +26897,7 @@
       </p:sp>
       <p:sp>
         <p:nvSpPr>
-          <p:cNvPr id="607" name="Google Shape;598;p42"/>
+          <p:cNvPr id="641" name="Google Shape;598;p42"/>
           <p:cNvSpPr/>
           <p:nvPr/>
         </p:nvSpPr>
@@ -25254,7 +26934,7 @@
       </p:sp>
       <p:sp>
         <p:nvSpPr>
-          <p:cNvPr id="608" name="Google Shape;598;p42"/>
+          <p:cNvPr id="642" name="Google Shape;598;p42"/>
           <p:cNvSpPr/>
           <p:nvPr/>
         </p:nvSpPr>
@@ -25291,7 +26971,7 @@
       </p:sp>
       <p:sp>
         <p:nvSpPr>
-          <p:cNvPr id="609" name="Google Shape;598;p42"/>
+          <p:cNvPr id="643" name="Google Shape;598;p42"/>
           <p:cNvSpPr/>
           <p:nvPr/>
         </p:nvSpPr>
@@ -25328,7 +27008,7 @@
       </p:sp>
       <p:sp>
         <p:nvSpPr>
-          <p:cNvPr id="610" name="Google Shape;598;p42"/>
+          <p:cNvPr id="644" name="Google Shape;598;p42"/>
           <p:cNvSpPr/>
           <p:nvPr/>
         </p:nvSpPr>
@@ -25365,7 +27045,7 @@
       </p:sp>
       <p:sp>
         <p:nvSpPr>
-          <p:cNvPr id="611" name="Fibo…"/>
+          <p:cNvPr id="645" name="Fibo…"/>
           <p:cNvSpPr/>
           <p:nvPr/>
         </p:nvSpPr>
@@ -25435,13 +27115,13 @@
       </p:sp>
       <p:grpSp>
         <p:nvGrpSpPr>
-          <p:cNvPr id="614" name="K8s…"/>
+          <p:cNvPr id="648" name="K8s…"/>
           <p:cNvGrpSpPr/>
           <p:nvPr/>
         </p:nvGrpSpPr>
         <p:grpSpPr>
           <a:xfrm>
-            <a:off x="6756171" y="3141037"/>
+            <a:off x="6756171" y="2518737"/>
             <a:ext cx="609199" cy="447161"/>
             <a:chOff x="0" y="0"/>
             <a:chExt cx="609197" cy="447160"/>
@@ -25449,7 +27129,7 @@
         </p:grpSpPr>
         <p:sp>
           <p:nvSpPr>
-            <p:cNvPr id="612" name="Oval"/>
+            <p:cNvPr id="646" name="Oval"/>
             <p:cNvSpPr/>
             <p:nvPr/>
           </p:nvSpPr>
@@ -25498,7 +27178,7 @@
         </p:sp>
         <p:sp>
           <p:nvSpPr>
-            <p:cNvPr id="613" name="Fibo-v1-0"/>
+            <p:cNvPr id="647" name="Fibo-v1-0"/>
             <p:cNvSpPr txBox="1"/>
             <p:nvPr/>
           </p:nvSpPr>
@@ -25547,13 +27227,13 @@
       </p:grpSp>
       <p:grpSp>
         <p:nvGrpSpPr>
-          <p:cNvPr id="617" name="K8s…"/>
+          <p:cNvPr id="651" name="K8s…"/>
           <p:cNvGrpSpPr/>
           <p:nvPr/>
         </p:nvGrpSpPr>
         <p:grpSpPr>
           <a:xfrm>
-            <a:off x="6749906" y="3625651"/>
+            <a:off x="7155205" y="3042130"/>
             <a:ext cx="609199" cy="447161"/>
             <a:chOff x="0" y="0"/>
             <a:chExt cx="609197" cy="447160"/>
@@ -25561,7 +27241,7 @@
         </p:grpSpPr>
         <p:sp>
           <p:nvSpPr>
-            <p:cNvPr id="615" name="Oval"/>
+            <p:cNvPr id="649" name="Oval"/>
             <p:cNvSpPr/>
             <p:nvPr/>
           </p:nvSpPr>
@@ -25610,7 +27290,7 @@
         </p:sp>
         <p:sp>
           <p:nvSpPr>
-            <p:cNvPr id="616" name="Fibo-v1-1"/>
+            <p:cNvPr id="650" name="Fibo-v1-1"/>
             <p:cNvSpPr txBox="1"/>
             <p:nvPr/>
           </p:nvSpPr>
@@ -25659,13 +27339,13 @@
       </p:grpSp>
       <p:grpSp>
         <p:nvGrpSpPr>
-          <p:cNvPr id="620" name="K8s…"/>
+          <p:cNvPr id="654" name="K8s…"/>
           <p:cNvGrpSpPr/>
           <p:nvPr/>
         </p:nvGrpSpPr>
         <p:grpSpPr>
           <a:xfrm>
-            <a:off x="6725977" y="4379653"/>
+            <a:off x="7737902" y="3588626"/>
             <a:ext cx="609199" cy="447161"/>
             <a:chOff x="0" y="0"/>
             <a:chExt cx="609197" cy="447160"/>
@@ -25673,7 +27353,7 @@
         </p:grpSpPr>
         <p:sp>
           <p:nvSpPr>
-            <p:cNvPr id="618" name="Oval"/>
+            <p:cNvPr id="652" name="Oval"/>
             <p:cNvSpPr/>
             <p:nvPr/>
           </p:nvSpPr>
@@ -25722,7 +27402,7 @@
         </p:sp>
         <p:sp>
           <p:nvSpPr>
-            <p:cNvPr id="619" name="Fibo-v2-0"/>
+            <p:cNvPr id="653" name="Fibo-v2-0"/>
             <p:cNvSpPr txBox="1"/>
             <p:nvPr/>
           </p:nvSpPr>
@@ -25771,13 +27451,13 @@
       </p:grpSp>
       <p:grpSp>
         <p:nvGrpSpPr>
-          <p:cNvPr id="623" name="K8s…"/>
+          <p:cNvPr id="657" name="K8s…"/>
           <p:cNvGrpSpPr/>
           <p:nvPr/>
         </p:nvGrpSpPr>
         <p:grpSpPr>
           <a:xfrm>
-            <a:off x="6756171" y="4849250"/>
+            <a:off x="8216671" y="4126762"/>
             <a:ext cx="609199" cy="447161"/>
             <a:chOff x="0" y="0"/>
             <a:chExt cx="609197" cy="447160"/>
@@ -25785,7 +27465,7 @@
         </p:grpSpPr>
         <p:sp>
           <p:nvSpPr>
-            <p:cNvPr id="621" name="Oval"/>
+            <p:cNvPr id="655" name="Oval"/>
             <p:cNvSpPr/>
             <p:nvPr/>
           </p:nvSpPr>
@@ -25834,7 +27514,7 @@
         </p:sp>
         <p:sp>
           <p:nvSpPr>
-            <p:cNvPr id="622" name="Fibo-v2-1"/>
+            <p:cNvPr id="656" name="Fibo-v2-1"/>
             <p:cNvSpPr txBox="1"/>
             <p:nvPr/>
           </p:nvSpPr>
@@ -25883,7 +27563,7 @@
       </p:grpSp>
       <p:sp>
         <p:nvSpPr>
-          <p:cNvPr id="624" name="Google Shape;598;p42"/>
+          <p:cNvPr id="658" name="Google Shape;598;p42"/>
           <p:cNvSpPr/>
           <p:nvPr/>
         </p:nvSpPr>
@@ -25920,7 +27600,7 @@
       </p:sp>
       <p:sp>
         <p:nvSpPr>
-          <p:cNvPr id="625" name="Google Shape;598;p42"/>
+          <p:cNvPr id="659" name="Google Shape;598;p42"/>
           <p:cNvSpPr/>
           <p:nvPr/>
         </p:nvSpPr>
@@ -25957,7 +27637,7 @@
       </p:sp>
       <p:sp>
         <p:nvSpPr>
-          <p:cNvPr id="626" name="Google Shape;598;p42"/>
+          <p:cNvPr id="660" name="Google Shape;598;p42"/>
           <p:cNvSpPr/>
           <p:nvPr/>
         </p:nvSpPr>
@@ -25992,6 +27672,1788 @@
           </a:p>
         </p:txBody>
       </p:sp>
+      <p:sp>
+        <p:nvSpPr>
+          <p:cNvPr id="661" name="Guide…"/>
+          <p:cNvSpPr/>
+          <p:nvPr/>
+        </p:nvSpPr>
+        <p:spPr>
+          <a:xfrm>
+            <a:off x="6340632" y="5594636"/>
+            <a:ext cx="729460" cy="1083068"/>
+          </a:xfrm>
+          <a:prstGeom prst="roundRect">
+            <a:avLst>
+              <a:gd name="adj" fmla="val 15089"/>
+            </a:avLst>
+          </a:prstGeom>
+          <a:gradFill>
+            <a:gsLst>
+              <a:gs pos="0">
+                <a:srgbClr val="6B8ADA"/>
+              </a:gs>
+              <a:gs pos="100000">
+                <a:schemeClr val="accent6">
+                  <a:hueOff val="172405"/>
+                  <a:satOff val="54054"/>
+                  <a:lumOff val="21186"/>
+                </a:schemeClr>
+              </a:gs>
+            </a:gsLst>
+            <a:lin ang="16200000"/>
+          </a:gradFill>
+          <a:ln w="25400">
+            <a:solidFill>
+              <a:schemeClr val="accent1"/>
+            </a:solidFill>
+          </a:ln>
+          <a:effectLst>
+            <a:outerShdw sx="100000" sy="100000" kx="0" ky="0" algn="b" rotWithShape="0" blurRad="38100" dist="20000" dir="5400000">
+              <a:srgbClr val="000000">
+                <a:alpha val="38000"/>
+              </a:srgbClr>
+            </a:outerShdw>
+          </a:effectLst>
+          <a:extLst>
+            <a:ext uri="{C572A759-6A51-4108-AA02-DFA0A04FC94B}">
+              <ma14:wrappingTextBoxFlag xmlns:ma14="http://schemas.microsoft.com/office/mac/drawingml/2011/main" val="1"/>
+            </a:ext>
+          </a:extLst>
+        </p:spPr>
+        <p:txBody>
+          <a:bodyPr lIns="45718" tIns="45718" rIns="45718" bIns="45718" anchor="ctr"/>
+          <a:lstStyle/>
+          <a:p>
+            <a:pPr algn="ctr">
+              <a:defRPr i="1" sz="1000"/>
+            </a:pPr>
+            <a:r>
+              <a:t>Guide</a:t>
+            </a:r>
+          </a:p>
+          <a:p>
+            <a:pPr algn="ctr">
+              <a:defRPr i="1" sz="1000"/>
+            </a:pPr>
+            <a:r>
+              <a:t>(Service)</a:t>
+            </a:r>
+          </a:p>
+        </p:txBody>
+      </p:sp>
+      <p:grpSp>
+        <p:nvGrpSpPr>
+          <p:cNvPr id="664" name="K8s…"/>
+          <p:cNvGrpSpPr/>
+          <p:nvPr/>
+        </p:nvGrpSpPr>
+        <p:grpSpPr>
+          <a:xfrm>
+            <a:off x="7586350" y="5403897"/>
+            <a:ext cx="609199" cy="447161"/>
+            <a:chOff x="0" y="0"/>
+            <a:chExt cx="609197" cy="447160"/>
+          </a:xfrm>
+        </p:grpSpPr>
+        <p:sp>
+          <p:nvSpPr>
+            <p:cNvPr id="662" name="Oval"/>
+            <p:cNvSpPr/>
+            <p:nvPr/>
+          </p:nvSpPr>
+          <p:spPr>
+            <a:xfrm>
+              <a:off x="0" y="-1"/>
+              <a:ext cx="609198" cy="447162"/>
+            </a:xfrm>
+            <a:prstGeom prst="ellipse">
+              <a:avLst/>
+            </a:prstGeom>
+            <a:solidFill>
+              <a:srgbClr val="FFFFFF"/>
+            </a:solidFill>
+            <a:ln w="25400" cap="flat">
+              <a:solidFill>
+                <a:schemeClr val="accent1"/>
+              </a:solidFill>
+              <a:prstDash val="solid"/>
+              <a:round/>
+            </a:ln>
+            <a:effectLst>
+              <a:outerShdw sx="100000" sy="100000" kx="0" ky="0" algn="b" rotWithShape="0" blurRad="38100" dist="23000" dir="5400000">
+                <a:srgbClr val="000000">
+                  <a:alpha val="35000"/>
+                </a:srgbClr>
+              </a:outerShdw>
+            </a:effectLst>
+          </p:spPr>
+          <p:txBody>
+            <a:bodyPr wrap="square" lIns="45718" tIns="45718" rIns="45718" bIns="45718" numCol="1" anchor="ctr">
+              <a:noAutofit/>
+            </a:bodyPr>
+            <a:lstStyle/>
+            <a:p>
+              <a:pPr algn="ctr">
+                <a:defRPr sz="900">
+                  <a:latin typeface="+mj-lt"/>
+                  <a:ea typeface="+mj-ea"/>
+                  <a:cs typeface="+mj-cs"/>
+                  <a:sym typeface="Arial"/>
+                </a:defRPr>
+              </a:pPr>
+            </a:p>
+          </p:txBody>
+        </p:sp>
+        <p:sp>
+          <p:nvSpPr>
+            <p:cNvPr id="663" name="Guide-v1-0"/>
+            <p:cNvSpPr txBox="1"/>
+            <p:nvPr/>
+          </p:nvSpPr>
+          <p:spPr>
+            <a:xfrm>
+              <a:off x="89215" y="90415"/>
+              <a:ext cx="430768" cy="266330"/>
+            </a:xfrm>
+            <a:prstGeom prst="rect">
+              <a:avLst/>
+            </a:prstGeom>
+            <a:noFill/>
+            <a:ln w="12700" cap="flat">
+              <a:noFill/>
+              <a:miter lim="400000"/>
+            </a:ln>
+            <a:effectLst/>
+            <a:extLst>
+              <a:ext uri="{C572A759-6A51-4108-AA02-DFA0A04FC94B}">
+                <ma14:wrappingTextBoxFlag xmlns:ma14="http://schemas.microsoft.com/office/mac/drawingml/2011/main" val="1"/>
+              </a:ext>
+            </a:extLst>
+          </p:spPr>
+          <p:txBody>
+            <a:bodyPr wrap="square" lIns="45718" tIns="45718" rIns="45718" bIns="45718" numCol="1" anchor="ctr">
+              <a:spAutoFit/>
+            </a:bodyPr>
+            <a:lstStyle>
+              <a:lvl1pPr algn="ctr">
+                <a:defRPr sz="700">
+                  <a:latin typeface="+mj-lt"/>
+                  <a:ea typeface="+mj-ea"/>
+                  <a:cs typeface="+mj-cs"/>
+                  <a:sym typeface="Arial"/>
+                </a:defRPr>
+              </a:lvl1pPr>
+            </a:lstStyle>
+            <a:p>
+              <a:pPr/>
+              <a:r>
+                <a:t>Guide-v1-0</a:t>
+              </a:r>
+            </a:p>
+          </p:txBody>
+        </p:sp>
+      </p:grpSp>
+      <p:grpSp>
+        <p:nvGrpSpPr>
+          <p:cNvPr id="667" name="K8s…"/>
+          <p:cNvGrpSpPr/>
+          <p:nvPr/>
+        </p:nvGrpSpPr>
+        <p:grpSpPr>
+          <a:xfrm>
+            <a:off x="8155048" y="5743905"/>
+            <a:ext cx="609199" cy="447161"/>
+            <a:chOff x="0" y="0"/>
+            <a:chExt cx="609197" cy="447160"/>
+          </a:xfrm>
+        </p:grpSpPr>
+        <p:sp>
+          <p:nvSpPr>
+            <p:cNvPr id="665" name="Oval"/>
+            <p:cNvSpPr/>
+            <p:nvPr/>
+          </p:nvSpPr>
+          <p:spPr>
+            <a:xfrm>
+              <a:off x="0" y="-1"/>
+              <a:ext cx="609198" cy="447162"/>
+            </a:xfrm>
+            <a:prstGeom prst="ellipse">
+              <a:avLst/>
+            </a:prstGeom>
+            <a:solidFill>
+              <a:srgbClr val="FFFFFF"/>
+            </a:solidFill>
+            <a:ln w="25400" cap="flat">
+              <a:solidFill>
+                <a:schemeClr val="accent1"/>
+              </a:solidFill>
+              <a:prstDash val="solid"/>
+              <a:round/>
+            </a:ln>
+            <a:effectLst>
+              <a:outerShdw sx="100000" sy="100000" kx="0" ky="0" algn="b" rotWithShape="0" blurRad="38100" dist="23000" dir="5400000">
+                <a:srgbClr val="000000">
+                  <a:alpha val="35000"/>
+                </a:srgbClr>
+              </a:outerShdw>
+            </a:effectLst>
+          </p:spPr>
+          <p:txBody>
+            <a:bodyPr wrap="square" lIns="45718" tIns="45718" rIns="45718" bIns="45718" numCol="1" anchor="ctr">
+              <a:noAutofit/>
+            </a:bodyPr>
+            <a:lstStyle/>
+            <a:p>
+              <a:pPr algn="ctr">
+                <a:defRPr sz="900">
+                  <a:latin typeface="+mj-lt"/>
+                  <a:ea typeface="+mj-ea"/>
+                  <a:cs typeface="+mj-cs"/>
+                  <a:sym typeface="Arial"/>
+                </a:defRPr>
+              </a:pPr>
+            </a:p>
+          </p:txBody>
+        </p:sp>
+        <p:sp>
+          <p:nvSpPr>
+            <p:cNvPr id="666" name="Guide-v1-1"/>
+            <p:cNvSpPr txBox="1"/>
+            <p:nvPr/>
+          </p:nvSpPr>
+          <p:spPr>
+            <a:xfrm>
+              <a:off x="89215" y="90415"/>
+              <a:ext cx="430768" cy="266330"/>
+            </a:xfrm>
+            <a:prstGeom prst="rect">
+              <a:avLst/>
+            </a:prstGeom>
+            <a:noFill/>
+            <a:ln w="12700" cap="flat">
+              <a:noFill/>
+              <a:miter lim="400000"/>
+            </a:ln>
+            <a:effectLst/>
+            <a:extLst>
+              <a:ext uri="{C572A759-6A51-4108-AA02-DFA0A04FC94B}">
+                <ma14:wrappingTextBoxFlag xmlns:ma14="http://schemas.microsoft.com/office/mac/drawingml/2011/main" val="1"/>
+              </a:ext>
+            </a:extLst>
+          </p:spPr>
+          <p:txBody>
+            <a:bodyPr wrap="square" lIns="45718" tIns="45718" rIns="45718" bIns="45718" numCol="1" anchor="ctr">
+              <a:spAutoFit/>
+            </a:bodyPr>
+            <a:lstStyle>
+              <a:lvl1pPr algn="ctr">
+                <a:defRPr sz="700">
+                  <a:latin typeface="+mj-lt"/>
+                  <a:ea typeface="+mj-ea"/>
+                  <a:cs typeface="+mj-cs"/>
+                  <a:sym typeface="Arial"/>
+                </a:defRPr>
+              </a:lvl1pPr>
+            </a:lstStyle>
+            <a:p>
+              <a:pPr/>
+              <a:r>
+                <a:t>Guide-v1-1</a:t>
+              </a:r>
+            </a:p>
+          </p:txBody>
+        </p:sp>
+      </p:grpSp>
+      <p:sp>
+        <p:nvSpPr>
+          <p:cNvPr id="668" name="Google Shape;598;p42"/>
+          <p:cNvSpPr/>
+          <p:nvPr/>
+        </p:nvSpPr>
+        <p:spPr>
+          <a:xfrm flipH="1">
+            <a:off x="6925371" y="4546767"/>
+            <a:ext cx="1326608" cy="1007215"/>
+          </a:xfrm>
+          <a:prstGeom prst="line">
+            <a:avLst/>
+          </a:prstGeom>
+          <a:ln w="25400">
+            <a:solidFill>
+              <a:schemeClr val="accent4"/>
+            </a:solidFill>
+            <a:headEnd type="stealth"/>
+            <a:tailEnd type="stealth"/>
+          </a:ln>
+          <a:effectLst>
+            <a:outerShdw sx="100000" sy="100000" kx="0" ky="0" algn="b" rotWithShape="0" blurRad="38100" dist="23000" dir="5400000">
+              <a:srgbClr val="000000">
+                <a:alpha val="35000"/>
+              </a:srgbClr>
+            </a:outerShdw>
+          </a:effectLst>
+        </p:spPr>
+        <p:txBody>
+          <a:bodyPr lIns="45718" tIns="45718" rIns="45718" bIns="45718"/>
+          <a:lstStyle/>
+          <a:p>
+            <a:pPr/>
+          </a:p>
+        </p:txBody>
+      </p:sp>
+      <p:sp>
+        <p:nvSpPr>
+          <p:cNvPr id="669" name="Google Shape;598;p42"/>
+          <p:cNvSpPr/>
+          <p:nvPr/>
+        </p:nvSpPr>
+        <p:spPr>
+          <a:xfrm flipH="1">
+            <a:off x="6865853" y="3976232"/>
+            <a:ext cx="966580" cy="1566926"/>
+          </a:xfrm>
+          <a:prstGeom prst="line">
+            <a:avLst/>
+          </a:prstGeom>
+          <a:ln w="25400">
+            <a:solidFill>
+              <a:schemeClr val="accent4"/>
+            </a:solidFill>
+            <a:headEnd type="stealth"/>
+            <a:tailEnd type="stealth"/>
+          </a:ln>
+          <a:effectLst>
+            <a:outerShdw sx="100000" sy="100000" kx="0" ky="0" algn="b" rotWithShape="0" blurRad="38100" dist="23000" dir="5400000">
+              <a:srgbClr val="000000">
+                <a:alpha val="35000"/>
+              </a:srgbClr>
+            </a:outerShdw>
+          </a:effectLst>
+        </p:spPr>
+        <p:txBody>
+          <a:bodyPr lIns="45718" tIns="45718" rIns="45718" bIns="45718"/>
+          <a:lstStyle/>
+          <a:p>
+            <a:pPr/>
+          </a:p>
+        </p:txBody>
+      </p:sp>
+      <p:sp>
+        <p:nvSpPr>
+          <p:cNvPr id="670" name="Google Shape;598;p42"/>
+          <p:cNvSpPr/>
+          <p:nvPr/>
+        </p:nvSpPr>
+        <p:spPr>
+          <a:xfrm flipH="1">
+            <a:off x="6878274" y="3565523"/>
+            <a:ext cx="482167" cy="1940182"/>
+          </a:xfrm>
+          <a:prstGeom prst="line">
+            <a:avLst/>
+          </a:prstGeom>
+          <a:ln w="25400">
+            <a:solidFill>
+              <a:schemeClr val="accent4"/>
+            </a:solidFill>
+            <a:headEnd type="stealth"/>
+            <a:tailEnd type="stealth"/>
+          </a:ln>
+          <a:effectLst>
+            <a:outerShdw sx="100000" sy="100000" kx="0" ky="0" algn="b" rotWithShape="0" blurRad="38100" dist="23000" dir="5400000">
+              <a:srgbClr val="000000">
+                <a:alpha val="35000"/>
+              </a:srgbClr>
+            </a:outerShdw>
+          </a:effectLst>
+        </p:spPr>
+        <p:txBody>
+          <a:bodyPr lIns="45718" tIns="45718" rIns="45718" bIns="45718"/>
+          <a:lstStyle/>
+          <a:p>
+            <a:pPr/>
+          </a:p>
+        </p:txBody>
+      </p:sp>
+      <p:sp>
+        <p:nvSpPr>
+          <p:cNvPr id="671" name="Google Shape;598;p42"/>
+          <p:cNvSpPr/>
+          <p:nvPr/>
+        </p:nvSpPr>
+        <p:spPr>
+          <a:xfrm flipH="1">
+            <a:off x="6808019" y="3029478"/>
+            <a:ext cx="197256" cy="2483232"/>
+          </a:xfrm>
+          <a:prstGeom prst="line">
+            <a:avLst/>
+          </a:prstGeom>
+          <a:ln w="25400">
+            <a:solidFill>
+              <a:schemeClr val="accent4"/>
+            </a:solidFill>
+            <a:headEnd type="stealth"/>
+            <a:tailEnd type="stealth"/>
+          </a:ln>
+          <a:effectLst>
+            <a:outerShdw sx="100000" sy="100000" kx="0" ky="0" algn="b" rotWithShape="0" blurRad="38100" dist="23000" dir="5400000">
+              <a:srgbClr val="000000">
+                <a:alpha val="35000"/>
+              </a:srgbClr>
+            </a:outerShdw>
+          </a:effectLst>
+        </p:spPr>
+        <p:txBody>
+          <a:bodyPr lIns="45718" tIns="45718" rIns="45718" bIns="45718"/>
+          <a:lstStyle/>
+          <a:p>
+            <a:pPr/>
+          </a:p>
+        </p:txBody>
+      </p:sp>
+      <p:grpSp>
+        <p:nvGrpSpPr>
+          <p:cNvPr id="674" name="K8s…"/>
+          <p:cNvGrpSpPr/>
+          <p:nvPr/>
+        </p:nvGrpSpPr>
+        <p:grpSpPr>
+          <a:xfrm>
+            <a:off x="7302000" y="6223812"/>
+            <a:ext cx="609199" cy="447161"/>
+            <a:chOff x="0" y="0"/>
+            <a:chExt cx="609197" cy="447160"/>
+          </a:xfrm>
+        </p:grpSpPr>
+        <p:sp>
+          <p:nvSpPr>
+            <p:cNvPr id="672" name="Oval"/>
+            <p:cNvSpPr/>
+            <p:nvPr/>
+          </p:nvSpPr>
+          <p:spPr>
+            <a:xfrm>
+              <a:off x="0" y="-1"/>
+              <a:ext cx="609198" cy="447162"/>
+            </a:xfrm>
+            <a:prstGeom prst="ellipse">
+              <a:avLst/>
+            </a:prstGeom>
+            <a:solidFill>
+              <a:srgbClr val="FFFFFF"/>
+            </a:solidFill>
+            <a:ln w="25400" cap="flat">
+              <a:solidFill>
+                <a:schemeClr val="accent1"/>
+              </a:solidFill>
+              <a:prstDash val="solid"/>
+              <a:round/>
+            </a:ln>
+            <a:effectLst>
+              <a:outerShdw sx="100000" sy="100000" kx="0" ky="0" algn="b" rotWithShape="0" blurRad="38100" dist="23000" dir="5400000">
+                <a:srgbClr val="000000">
+                  <a:alpha val="35000"/>
+                </a:srgbClr>
+              </a:outerShdw>
+            </a:effectLst>
+          </p:spPr>
+          <p:txBody>
+            <a:bodyPr wrap="square" lIns="45718" tIns="45718" rIns="45718" bIns="45718" numCol="1" anchor="ctr">
+              <a:noAutofit/>
+            </a:bodyPr>
+            <a:lstStyle/>
+            <a:p>
+              <a:pPr algn="ctr">
+                <a:defRPr sz="900">
+                  <a:latin typeface="+mj-lt"/>
+                  <a:ea typeface="+mj-ea"/>
+                  <a:cs typeface="+mj-cs"/>
+                  <a:sym typeface="Arial"/>
+                </a:defRPr>
+              </a:pPr>
+            </a:p>
+          </p:txBody>
+        </p:sp>
+        <p:sp>
+          <p:nvSpPr>
+            <p:cNvPr id="673" name="Guide-v2-0"/>
+            <p:cNvSpPr txBox="1"/>
+            <p:nvPr/>
+          </p:nvSpPr>
+          <p:spPr>
+            <a:xfrm>
+              <a:off x="89215" y="90415"/>
+              <a:ext cx="430768" cy="266330"/>
+            </a:xfrm>
+            <a:prstGeom prst="rect">
+              <a:avLst/>
+            </a:prstGeom>
+            <a:noFill/>
+            <a:ln w="12700" cap="flat">
+              <a:noFill/>
+              <a:miter lim="400000"/>
+            </a:ln>
+            <a:effectLst/>
+            <a:extLst>
+              <a:ext uri="{C572A759-6A51-4108-AA02-DFA0A04FC94B}">
+                <ma14:wrappingTextBoxFlag xmlns:ma14="http://schemas.microsoft.com/office/mac/drawingml/2011/main" val="1"/>
+              </a:ext>
+            </a:extLst>
+          </p:spPr>
+          <p:txBody>
+            <a:bodyPr wrap="square" lIns="45718" tIns="45718" rIns="45718" bIns="45718" numCol="1" anchor="ctr">
+              <a:spAutoFit/>
+            </a:bodyPr>
+            <a:lstStyle>
+              <a:lvl1pPr algn="ctr">
+                <a:defRPr sz="700">
+                  <a:latin typeface="+mj-lt"/>
+                  <a:ea typeface="+mj-ea"/>
+                  <a:cs typeface="+mj-cs"/>
+                  <a:sym typeface="Arial"/>
+                </a:defRPr>
+              </a:lvl1pPr>
+            </a:lstStyle>
+            <a:p>
+              <a:pPr/>
+              <a:r>
+                <a:t>Guide-v2-0</a:t>
+              </a:r>
+            </a:p>
+          </p:txBody>
+        </p:sp>
+      </p:grpSp>
+      <p:grpSp>
+        <p:nvGrpSpPr>
+          <p:cNvPr id="677" name="K8s…"/>
+          <p:cNvGrpSpPr/>
+          <p:nvPr/>
+        </p:nvGrpSpPr>
+        <p:grpSpPr>
+          <a:xfrm>
+            <a:off x="8058546" y="6223812"/>
+            <a:ext cx="609199" cy="447161"/>
+            <a:chOff x="0" y="0"/>
+            <a:chExt cx="609197" cy="447160"/>
+          </a:xfrm>
+        </p:grpSpPr>
+        <p:sp>
+          <p:nvSpPr>
+            <p:cNvPr id="675" name="Oval"/>
+            <p:cNvSpPr/>
+            <p:nvPr/>
+          </p:nvSpPr>
+          <p:spPr>
+            <a:xfrm>
+              <a:off x="0" y="-1"/>
+              <a:ext cx="609198" cy="447162"/>
+            </a:xfrm>
+            <a:prstGeom prst="ellipse">
+              <a:avLst/>
+            </a:prstGeom>
+            <a:solidFill>
+              <a:srgbClr val="FFFFFF"/>
+            </a:solidFill>
+            <a:ln w="25400" cap="flat">
+              <a:solidFill>
+                <a:schemeClr val="accent1"/>
+              </a:solidFill>
+              <a:prstDash val="solid"/>
+              <a:round/>
+            </a:ln>
+            <a:effectLst>
+              <a:outerShdw sx="100000" sy="100000" kx="0" ky="0" algn="b" rotWithShape="0" blurRad="38100" dist="23000" dir="5400000">
+                <a:srgbClr val="000000">
+                  <a:alpha val="35000"/>
+                </a:srgbClr>
+              </a:outerShdw>
+            </a:effectLst>
+          </p:spPr>
+          <p:txBody>
+            <a:bodyPr wrap="square" lIns="45718" tIns="45718" rIns="45718" bIns="45718" numCol="1" anchor="ctr">
+              <a:noAutofit/>
+            </a:bodyPr>
+            <a:lstStyle/>
+            <a:p>
+              <a:pPr algn="ctr">
+                <a:defRPr sz="900">
+                  <a:latin typeface="+mj-lt"/>
+                  <a:ea typeface="+mj-ea"/>
+                  <a:cs typeface="+mj-cs"/>
+                  <a:sym typeface="Arial"/>
+                </a:defRPr>
+              </a:pPr>
+            </a:p>
+          </p:txBody>
+        </p:sp>
+        <p:sp>
+          <p:nvSpPr>
+            <p:cNvPr id="676" name="Guide-v2-1"/>
+            <p:cNvSpPr txBox="1"/>
+            <p:nvPr/>
+          </p:nvSpPr>
+          <p:spPr>
+            <a:xfrm>
+              <a:off x="89215" y="90415"/>
+              <a:ext cx="430768" cy="266330"/>
+            </a:xfrm>
+            <a:prstGeom prst="rect">
+              <a:avLst/>
+            </a:prstGeom>
+            <a:noFill/>
+            <a:ln w="12700" cap="flat">
+              <a:noFill/>
+              <a:miter lim="400000"/>
+            </a:ln>
+            <a:effectLst/>
+            <a:extLst>
+              <a:ext uri="{C572A759-6A51-4108-AA02-DFA0A04FC94B}">
+                <ma14:wrappingTextBoxFlag xmlns:ma14="http://schemas.microsoft.com/office/mac/drawingml/2011/main" val="1"/>
+              </a:ext>
+            </a:extLst>
+          </p:spPr>
+          <p:txBody>
+            <a:bodyPr wrap="square" lIns="45718" tIns="45718" rIns="45718" bIns="45718" numCol="1" anchor="ctr">
+              <a:spAutoFit/>
+            </a:bodyPr>
+            <a:lstStyle>
+              <a:lvl1pPr algn="ctr">
+                <a:defRPr sz="700">
+                  <a:latin typeface="+mj-lt"/>
+                  <a:ea typeface="+mj-ea"/>
+                  <a:cs typeface="+mj-cs"/>
+                  <a:sym typeface="Arial"/>
+                </a:defRPr>
+              </a:lvl1pPr>
+            </a:lstStyle>
+            <a:p>
+              <a:pPr/>
+              <a:r>
+                <a:t>Guide-v2-1</a:t>
+              </a:r>
+            </a:p>
+          </p:txBody>
+        </p:sp>
+      </p:grpSp>
+      <p:sp>
+        <p:nvSpPr>
+          <p:cNvPr id="678" name="vMEC (on k8s)"/>
+          <p:cNvSpPr txBox="1"/>
+          <p:nvPr/>
+        </p:nvSpPr>
+        <p:spPr>
+          <a:xfrm>
+            <a:off x="1964204" y="6472362"/>
+            <a:ext cx="2110466" cy="288822"/>
+          </a:xfrm>
+          <a:prstGeom prst="rect">
+            <a:avLst/>
+          </a:prstGeom>
+          <a:ln w="12700">
+            <a:miter lim="400000"/>
+          </a:ln>
+          <a:extLst>
+            <a:ext uri="{C572A759-6A51-4108-AA02-DFA0A04FC94B}">
+              <ma14:wrappingTextBoxFlag xmlns:ma14="http://schemas.microsoft.com/office/mac/drawingml/2011/main" val="1"/>
+            </a:ext>
+          </a:extLst>
+        </p:spPr>
+        <p:txBody>
+          <a:bodyPr wrap="none" lIns="45718" tIns="45718" rIns="45718" bIns="45718">
+            <a:spAutoFit/>
+          </a:bodyPr>
+          <a:lstStyle>
+            <a:lvl1pPr>
+              <a:defRPr>
+                <a:latin typeface="+mj-lt"/>
+                <a:ea typeface="+mj-ea"/>
+                <a:cs typeface="+mj-cs"/>
+                <a:sym typeface="Arial"/>
+              </a:defRPr>
+            </a:lvl1pPr>
+          </a:lstStyle>
+          <a:p>
+            <a:pPr/>
+            <a:r>
+              <a:t>namespace: everest-app </a:t>
+            </a:r>
+          </a:p>
+        </p:txBody>
+      </p:sp>
+      <p:sp>
+        <p:nvSpPr>
+          <p:cNvPr id="679" name="Google Shape;599;p42"/>
+          <p:cNvSpPr/>
+          <p:nvPr/>
+        </p:nvSpPr>
+        <p:spPr>
+          <a:xfrm>
+            <a:off x="9164418" y="1628219"/>
+            <a:ext cx="2961287" cy="5115040"/>
+          </a:xfrm>
+          <a:prstGeom prst="rect">
+            <a:avLst/>
+          </a:prstGeom>
+          <a:ln>
+            <a:solidFill>
+              <a:srgbClr val="434343"/>
+            </a:solidFill>
+          </a:ln>
+        </p:spPr>
+        <p:txBody>
+          <a:bodyPr lIns="45718" tIns="45718" rIns="45718" bIns="45718" anchor="ctr"/>
+          <a:lstStyle/>
+          <a:p>
+            <a:pPr>
+              <a:defRPr>
+                <a:solidFill>
+                  <a:srgbClr val="000000"/>
+                </a:solidFill>
+                <a:latin typeface="+mj-lt"/>
+                <a:ea typeface="+mj-ea"/>
+                <a:cs typeface="+mj-cs"/>
+                <a:sym typeface="Arial"/>
+              </a:defRPr>
+            </a:pPr>
+          </a:p>
+        </p:txBody>
+      </p:sp>
+      <p:sp>
+        <p:nvSpPr>
+          <p:cNvPr id="680" name="vMEC (on k8s)"/>
+          <p:cNvSpPr txBox="1"/>
+          <p:nvPr/>
+        </p:nvSpPr>
+        <p:spPr>
+          <a:xfrm>
+            <a:off x="9589828" y="6472362"/>
+            <a:ext cx="1705207" cy="288822"/>
+          </a:xfrm>
+          <a:prstGeom prst="rect">
+            <a:avLst/>
+          </a:prstGeom>
+          <a:ln w="12700">
+            <a:miter lim="400000"/>
+          </a:ln>
+          <a:extLst>
+            <a:ext uri="{C572A759-6A51-4108-AA02-DFA0A04FC94B}">
+              <ma14:wrappingTextBoxFlag xmlns:ma14="http://schemas.microsoft.com/office/mac/drawingml/2011/main" val="1"/>
+            </a:ext>
+          </a:extLst>
+        </p:spPr>
+        <p:txBody>
+          <a:bodyPr wrap="none" lIns="45718" tIns="45718" rIns="45718" bIns="45718">
+            <a:spAutoFit/>
+          </a:bodyPr>
+          <a:lstStyle>
+            <a:lvl1pPr>
+              <a:defRPr>
+                <a:latin typeface="+mj-lt"/>
+                <a:ea typeface="+mj-ea"/>
+                <a:cs typeface="+mj-cs"/>
+                <a:sym typeface="Arial"/>
+              </a:defRPr>
+            </a:lvl1pPr>
+          </a:lstStyle>
+          <a:p>
+            <a:pPr/>
+            <a:r>
+              <a:t>namespace: everest</a:t>
+            </a:r>
+          </a:p>
+        </p:txBody>
+      </p:sp>
+      <p:grpSp>
+        <p:nvGrpSpPr>
+          <p:cNvPr id="683" name="K8s…"/>
+          <p:cNvGrpSpPr/>
+          <p:nvPr/>
+        </p:nvGrpSpPr>
+        <p:grpSpPr>
+          <a:xfrm>
+            <a:off x="9072480" y="5654823"/>
+            <a:ext cx="1070446" cy="785723"/>
+            <a:chOff x="0" y="0"/>
+            <a:chExt cx="1070445" cy="785721"/>
+          </a:xfrm>
+        </p:grpSpPr>
+        <p:sp>
+          <p:nvSpPr>
+            <p:cNvPr id="681" name="Oval"/>
+            <p:cNvSpPr/>
+            <p:nvPr/>
+          </p:nvSpPr>
+          <p:spPr>
+            <a:xfrm>
+              <a:off x="0" y="-1"/>
+              <a:ext cx="1070446" cy="785723"/>
+            </a:xfrm>
+            <a:prstGeom prst="ellipse">
+              <a:avLst/>
+            </a:prstGeom>
+            <a:solidFill>
+              <a:srgbClr val="FFFFFF"/>
+            </a:solidFill>
+            <a:ln w="25400" cap="flat">
+              <a:solidFill>
+                <a:schemeClr val="accent1"/>
+              </a:solidFill>
+              <a:prstDash val="solid"/>
+              <a:round/>
+            </a:ln>
+            <a:effectLst>
+              <a:outerShdw sx="100000" sy="100000" kx="0" ky="0" algn="b" rotWithShape="0" blurRad="38100" dist="23000" dir="5400000">
+                <a:srgbClr val="000000">
+                  <a:alpha val="35000"/>
+                </a:srgbClr>
+              </a:outerShdw>
+            </a:effectLst>
+          </p:spPr>
+          <p:txBody>
+            <a:bodyPr wrap="square" lIns="45718" tIns="45718" rIns="45718" bIns="45718" numCol="1" anchor="ctr">
+              <a:noAutofit/>
+            </a:bodyPr>
+            <a:lstStyle/>
+            <a:p>
+              <a:pPr algn="ctr">
+                <a:defRPr sz="900">
+                  <a:latin typeface="+mj-lt"/>
+                  <a:ea typeface="+mj-ea"/>
+                  <a:cs typeface="+mj-cs"/>
+                  <a:sym typeface="Arial"/>
+                </a:defRPr>
+              </a:pPr>
+            </a:p>
+          </p:txBody>
+        </p:sp>
+        <p:sp>
+          <p:nvSpPr>
+            <p:cNvPr id="682" name="Collector-0"/>
+            <p:cNvSpPr txBox="1"/>
+            <p:nvPr/>
+          </p:nvSpPr>
+          <p:spPr>
+            <a:xfrm>
+              <a:off x="156763" y="158871"/>
+              <a:ext cx="756919" cy="467979"/>
+            </a:xfrm>
+            <a:prstGeom prst="rect">
+              <a:avLst/>
+            </a:prstGeom>
+            <a:noFill/>
+            <a:ln w="12700" cap="flat">
+              <a:noFill/>
+              <a:miter lim="400000"/>
+            </a:ln>
+            <a:effectLst/>
+            <a:extLst>
+              <a:ext uri="{C572A759-6A51-4108-AA02-DFA0A04FC94B}">
+                <ma14:wrappingTextBoxFlag xmlns:ma14="http://schemas.microsoft.com/office/mac/drawingml/2011/main" val="1"/>
+              </a:ext>
+            </a:extLst>
+          </p:spPr>
+          <p:txBody>
+            <a:bodyPr wrap="square" lIns="45718" tIns="45718" rIns="45718" bIns="45718" numCol="1" anchor="ctr">
+              <a:noAutofit/>
+            </a:bodyPr>
+            <a:lstStyle>
+              <a:lvl1pPr algn="ctr">
+                <a:defRPr sz="700">
+                  <a:latin typeface="+mj-lt"/>
+                  <a:ea typeface="+mj-ea"/>
+                  <a:cs typeface="+mj-cs"/>
+                  <a:sym typeface="Arial"/>
+                </a:defRPr>
+              </a:lvl1pPr>
+            </a:lstStyle>
+            <a:p>
+              <a:pPr/>
+              <a:r>
+                <a:t>Collector-0</a:t>
+              </a:r>
+            </a:p>
+          </p:txBody>
+        </p:sp>
+      </p:grpSp>
+      <p:grpSp>
+        <p:nvGrpSpPr>
+          <p:cNvPr id="686" name="K8s…"/>
+          <p:cNvGrpSpPr/>
+          <p:nvPr/>
+        </p:nvGrpSpPr>
+        <p:grpSpPr>
+          <a:xfrm>
+            <a:off x="9048008" y="4679969"/>
+            <a:ext cx="1070446" cy="785723"/>
+            <a:chOff x="0" y="0"/>
+            <a:chExt cx="1070445" cy="785721"/>
+          </a:xfrm>
+        </p:grpSpPr>
+        <p:sp>
+          <p:nvSpPr>
+            <p:cNvPr id="684" name="Oval"/>
+            <p:cNvSpPr/>
+            <p:nvPr/>
+          </p:nvSpPr>
+          <p:spPr>
+            <a:xfrm>
+              <a:off x="0" y="-1"/>
+              <a:ext cx="1070446" cy="785723"/>
+            </a:xfrm>
+            <a:prstGeom prst="ellipse">
+              <a:avLst/>
+            </a:prstGeom>
+            <a:solidFill>
+              <a:srgbClr val="FFFFFF"/>
+            </a:solidFill>
+            <a:ln w="25400" cap="flat">
+              <a:solidFill>
+                <a:schemeClr val="accent1"/>
+              </a:solidFill>
+              <a:prstDash val="solid"/>
+              <a:round/>
+            </a:ln>
+            <a:effectLst>
+              <a:outerShdw sx="100000" sy="100000" kx="0" ky="0" algn="b" rotWithShape="0" blurRad="38100" dist="23000" dir="5400000">
+                <a:srgbClr val="000000">
+                  <a:alpha val="35000"/>
+                </a:srgbClr>
+              </a:outerShdw>
+            </a:effectLst>
+          </p:spPr>
+          <p:txBody>
+            <a:bodyPr wrap="square" lIns="45718" tIns="45718" rIns="45718" bIns="45718" numCol="1" anchor="ctr">
+              <a:noAutofit/>
+            </a:bodyPr>
+            <a:lstStyle/>
+            <a:p>
+              <a:pPr algn="ctr">
+                <a:defRPr sz="900">
+                  <a:latin typeface="+mj-lt"/>
+                  <a:ea typeface="+mj-ea"/>
+                  <a:cs typeface="+mj-cs"/>
+                  <a:sym typeface="Arial"/>
+                </a:defRPr>
+              </a:pPr>
+            </a:p>
+          </p:txBody>
+        </p:sp>
+        <p:sp>
+          <p:nvSpPr>
+            <p:cNvPr id="685" name="Collector-1"/>
+            <p:cNvSpPr txBox="1"/>
+            <p:nvPr/>
+          </p:nvSpPr>
+          <p:spPr>
+            <a:xfrm>
+              <a:off x="156763" y="158871"/>
+              <a:ext cx="756919" cy="467979"/>
+            </a:xfrm>
+            <a:prstGeom prst="rect">
+              <a:avLst/>
+            </a:prstGeom>
+            <a:noFill/>
+            <a:ln w="12700" cap="flat">
+              <a:noFill/>
+              <a:miter lim="400000"/>
+            </a:ln>
+            <a:effectLst/>
+            <a:extLst>
+              <a:ext uri="{C572A759-6A51-4108-AA02-DFA0A04FC94B}">
+                <ma14:wrappingTextBoxFlag xmlns:ma14="http://schemas.microsoft.com/office/mac/drawingml/2011/main" val="1"/>
+              </a:ext>
+            </a:extLst>
+          </p:spPr>
+          <p:txBody>
+            <a:bodyPr wrap="square" lIns="45718" tIns="45718" rIns="45718" bIns="45718" numCol="1" anchor="ctr">
+              <a:noAutofit/>
+            </a:bodyPr>
+            <a:lstStyle>
+              <a:lvl1pPr algn="ctr">
+                <a:defRPr sz="700">
+                  <a:latin typeface="+mj-lt"/>
+                  <a:ea typeface="+mj-ea"/>
+                  <a:cs typeface="+mj-cs"/>
+                  <a:sym typeface="Arial"/>
+                </a:defRPr>
+              </a:lvl1pPr>
+            </a:lstStyle>
+            <a:p>
+              <a:pPr/>
+              <a:r>
+                <a:t>Collector-1</a:t>
+              </a:r>
+            </a:p>
+          </p:txBody>
+        </p:sp>
+      </p:grpSp>
+      <p:sp>
+        <p:nvSpPr>
+          <p:cNvPr id="687" name="Kafka…"/>
+          <p:cNvSpPr/>
+          <p:nvPr/>
+        </p:nvSpPr>
+        <p:spPr>
+          <a:xfrm>
+            <a:off x="11132067" y="4783478"/>
+            <a:ext cx="941180" cy="1644368"/>
+          </a:xfrm>
+          <a:prstGeom prst="roundRect">
+            <a:avLst>
+              <a:gd name="adj" fmla="val 15089"/>
+            </a:avLst>
+          </a:prstGeom>
+          <a:gradFill>
+            <a:gsLst>
+              <a:gs pos="0">
+                <a:srgbClr val="6B8ADA"/>
+              </a:gs>
+              <a:gs pos="100000">
+                <a:schemeClr val="accent6">
+                  <a:hueOff val="172405"/>
+                  <a:satOff val="54054"/>
+                  <a:lumOff val="21186"/>
+                </a:schemeClr>
+              </a:gs>
+            </a:gsLst>
+            <a:lin ang="16200000"/>
+          </a:gradFill>
+          <a:ln w="25400">
+            <a:solidFill>
+              <a:schemeClr val="accent1"/>
+            </a:solidFill>
+          </a:ln>
+          <a:effectLst>
+            <a:outerShdw sx="100000" sy="100000" kx="0" ky="0" algn="b" rotWithShape="0" blurRad="38100" dist="20000" dir="5400000">
+              <a:srgbClr val="000000">
+                <a:alpha val="38000"/>
+              </a:srgbClr>
+            </a:outerShdw>
+          </a:effectLst>
+          <a:extLst>
+            <a:ext uri="{C572A759-6A51-4108-AA02-DFA0A04FC94B}">
+              <ma14:wrappingTextBoxFlag xmlns:ma14="http://schemas.microsoft.com/office/mac/drawingml/2011/main" val="1"/>
+            </a:ext>
+          </a:extLst>
+        </p:spPr>
+        <p:txBody>
+          <a:bodyPr lIns="45718" tIns="45718" rIns="45718" bIns="45718" anchor="ctr"/>
+          <a:lstStyle/>
+          <a:p>
+            <a:pPr algn="ctr">
+              <a:defRPr i="1" sz="1000"/>
+            </a:pPr>
+            <a:r>
+              <a:t>Kafka</a:t>
+            </a:r>
+          </a:p>
+          <a:p>
+            <a:pPr algn="ctr">
+              <a:defRPr i="1" sz="1000"/>
+            </a:pPr>
+            <a:r>
+              <a:t>(Service)</a:t>
+            </a:r>
+          </a:p>
+        </p:txBody>
+      </p:sp>
+      <p:sp>
+        <p:nvSpPr>
+          <p:cNvPr id="688" name="Google Shape;598;p42"/>
+          <p:cNvSpPr/>
+          <p:nvPr/>
+        </p:nvSpPr>
+        <p:spPr>
+          <a:xfrm flipV="1">
+            <a:off x="10163112" y="5606217"/>
+            <a:ext cx="911598" cy="501487"/>
+          </a:xfrm>
+          <a:prstGeom prst="line">
+            <a:avLst/>
+          </a:prstGeom>
+          <a:ln w="25400">
+            <a:solidFill>
+              <a:srgbClr val="3C1BC1"/>
+            </a:solidFill>
+            <a:tailEnd type="stealth"/>
+          </a:ln>
+          <a:effectLst>
+            <a:outerShdw sx="100000" sy="100000" kx="0" ky="0" algn="b" rotWithShape="0" blurRad="38100" dist="23000" dir="5400000">
+              <a:srgbClr val="000000">
+                <a:alpha val="35000"/>
+              </a:srgbClr>
+            </a:outerShdw>
+          </a:effectLst>
+        </p:spPr>
+        <p:txBody>
+          <a:bodyPr lIns="45718" tIns="45718" rIns="45718" bIns="45718"/>
+          <a:lstStyle/>
+          <a:p>
+            <a:pPr/>
+          </a:p>
+        </p:txBody>
+      </p:sp>
+      <p:sp>
+        <p:nvSpPr>
+          <p:cNvPr id="689" name="Google Shape;598;p42"/>
+          <p:cNvSpPr/>
+          <p:nvPr/>
+        </p:nvSpPr>
+        <p:spPr>
+          <a:xfrm>
+            <a:off x="10149910" y="5184783"/>
+            <a:ext cx="938001" cy="374098"/>
+          </a:xfrm>
+          <a:prstGeom prst="line">
+            <a:avLst/>
+          </a:prstGeom>
+          <a:ln w="25400">
+            <a:solidFill>
+              <a:srgbClr val="3C1BC1"/>
+            </a:solidFill>
+            <a:tailEnd type="stealth"/>
+          </a:ln>
+          <a:effectLst>
+            <a:outerShdw sx="100000" sy="100000" kx="0" ky="0" algn="b" rotWithShape="0" blurRad="38100" dist="23000" dir="5400000">
+              <a:srgbClr val="000000">
+                <a:alpha val="35000"/>
+              </a:srgbClr>
+            </a:outerShdw>
+          </a:effectLst>
+        </p:spPr>
+        <p:txBody>
+          <a:bodyPr lIns="45718" tIns="45718" rIns="45718" bIns="45718"/>
+          <a:lstStyle/>
+          <a:p>
+            <a:pPr/>
+          </a:p>
+        </p:txBody>
+      </p:sp>
+      <p:sp>
+        <p:nvSpPr>
+          <p:cNvPr id="690" name="Analytics…"/>
+          <p:cNvSpPr/>
+          <p:nvPr/>
+        </p:nvSpPr>
+        <p:spPr>
+          <a:xfrm>
+            <a:off x="11155333" y="2443527"/>
+            <a:ext cx="941180" cy="1644368"/>
+          </a:xfrm>
+          <a:prstGeom prst="roundRect">
+            <a:avLst>
+              <a:gd name="adj" fmla="val 15089"/>
+            </a:avLst>
+          </a:prstGeom>
+          <a:gradFill>
+            <a:gsLst>
+              <a:gs pos="0">
+                <a:srgbClr val="6B8ADA"/>
+              </a:gs>
+              <a:gs pos="100000">
+                <a:schemeClr val="accent6">
+                  <a:hueOff val="172405"/>
+                  <a:satOff val="54054"/>
+                  <a:lumOff val="21186"/>
+                </a:schemeClr>
+              </a:gs>
+            </a:gsLst>
+            <a:lin ang="16200000"/>
+          </a:gradFill>
+          <a:ln w="25400">
+            <a:solidFill>
+              <a:schemeClr val="accent1"/>
+            </a:solidFill>
+          </a:ln>
+          <a:effectLst>
+            <a:outerShdw sx="100000" sy="100000" kx="0" ky="0" algn="b" rotWithShape="0" blurRad="38100" dist="20000" dir="5400000">
+              <a:srgbClr val="000000">
+                <a:alpha val="38000"/>
+              </a:srgbClr>
+            </a:outerShdw>
+          </a:effectLst>
+          <a:extLst>
+            <a:ext uri="{C572A759-6A51-4108-AA02-DFA0A04FC94B}">
+              <ma14:wrappingTextBoxFlag xmlns:ma14="http://schemas.microsoft.com/office/mac/drawingml/2011/main" val="1"/>
+            </a:ext>
+          </a:extLst>
+        </p:spPr>
+        <p:txBody>
+          <a:bodyPr lIns="45718" tIns="45718" rIns="45718" bIns="45718" anchor="ctr"/>
+          <a:lstStyle/>
+          <a:p>
+            <a:pPr algn="ctr">
+              <a:defRPr i="1" sz="1000"/>
+            </a:pPr>
+            <a:r>
+              <a:t>Analytics</a:t>
+            </a:r>
+          </a:p>
+          <a:p>
+            <a:pPr algn="ctr">
+              <a:defRPr i="1" sz="1000"/>
+            </a:pPr>
+            <a:r>
+              <a:t>(Service)</a:t>
+            </a:r>
+          </a:p>
+        </p:txBody>
+      </p:sp>
+      <p:sp>
+        <p:nvSpPr>
+          <p:cNvPr id="691" name="Google Shape;598;p42"/>
+          <p:cNvSpPr/>
+          <p:nvPr/>
+        </p:nvSpPr>
+        <p:spPr>
+          <a:xfrm>
+            <a:off x="11705406" y="4068017"/>
+            <a:ext cx="1" cy="673179"/>
+          </a:xfrm>
+          <a:prstGeom prst="line">
+            <a:avLst/>
+          </a:prstGeom>
+          <a:ln w="25400">
+            <a:solidFill>
+              <a:srgbClr val="3C1BC1"/>
+            </a:solidFill>
+            <a:headEnd type="stealth"/>
+          </a:ln>
+          <a:effectLst>
+            <a:outerShdw sx="100000" sy="100000" kx="0" ky="0" algn="b" rotWithShape="0" blurRad="38100" dist="23000" dir="5400000">
+              <a:srgbClr val="000000">
+                <a:alpha val="35000"/>
+              </a:srgbClr>
+            </a:outerShdw>
+          </a:effectLst>
+        </p:spPr>
+        <p:txBody>
+          <a:bodyPr lIns="45718" tIns="45718" rIns="45718" bIns="45718"/>
+          <a:lstStyle/>
+          <a:p>
+            <a:pPr/>
+          </a:p>
+        </p:txBody>
+      </p:sp>
+      <p:grpSp>
+        <p:nvGrpSpPr>
+          <p:cNvPr id="694" name="K8s…"/>
+          <p:cNvGrpSpPr/>
+          <p:nvPr/>
+        </p:nvGrpSpPr>
+        <p:grpSpPr>
+          <a:xfrm>
+            <a:off x="9048008" y="2349456"/>
+            <a:ext cx="1070446" cy="785723"/>
+            <a:chOff x="0" y="0"/>
+            <a:chExt cx="1070445" cy="785721"/>
+          </a:xfrm>
+        </p:grpSpPr>
+        <p:sp>
+          <p:nvSpPr>
+            <p:cNvPr id="692" name="Oval"/>
+            <p:cNvSpPr/>
+            <p:nvPr/>
+          </p:nvSpPr>
+          <p:spPr>
+            <a:xfrm>
+              <a:off x="0" y="-1"/>
+              <a:ext cx="1070446" cy="785723"/>
+            </a:xfrm>
+            <a:prstGeom prst="ellipse">
+              <a:avLst/>
+            </a:prstGeom>
+            <a:solidFill>
+              <a:srgbClr val="FFFFFF"/>
+            </a:solidFill>
+            <a:ln w="25400" cap="flat">
+              <a:solidFill>
+                <a:schemeClr val="accent1"/>
+              </a:solidFill>
+              <a:prstDash val="solid"/>
+              <a:round/>
+            </a:ln>
+            <a:effectLst>
+              <a:outerShdw sx="100000" sy="100000" kx="0" ky="0" algn="b" rotWithShape="0" blurRad="38100" dist="23000" dir="5400000">
+                <a:srgbClr val="000000">
+                  <a:alpha val="35000"/>
+                </a:srgbClr>
+              </a:outerShdw>
+            </a:effectLst>
+          </p:spPr>
+          <p:txBody>
+            <a:bodyPr wrap="square" lIns="45718" tIns="45718" rIns="45718" bIns="45718" numCol="1" anchor="ctr">
+              <a:noAutofit/>
+            </a:bodyPr>
+            <a:lstStyle/>
+            <a:p>
+              <a:pPr algn="ctr">
+                <a:defRPr sz="900">
+                  <a:latin typeface="+mj-lt"/>
+                  <a:ea typeface="+mj-ea"/>
+                  <a:cs typeface="+mj-cs"/>
+                  <a:sym typeface="Arial"/>
+                </a:defRPr>
+              </a:pPr>
+            </a:p>
+          </p:txBody>
+        </p:sp>
+        <p:sp>
+          <p:nvSpPr>
+            <p:cNvPr id="693" name="Command-1"/>
+            <p:cNvSpPr txBox="1"/>
+            <p:nvPr/>
+          </p:nvSpPr>
+          <p:spPr>
+            <a:xfrm>
+              <a:off x="156763" y="158871"/>
+              <a:ext cx="756919" cy="467979"/>
+            </a:xfrm>
+            <a:prstGeom prst="rect">
+              <a:avLst/>
+            </a:prstGeom>
+            <a:noFill/>
+            <a:ln w="12700" cap="flat">
+              <a:noFill/>
+              <a:miter lim="400000"/>
+            </a:ln>
+            <a:effectLst/>
+            <a:extLst>
+              <a:ext uri="{C572A759-6A51-4108-AA02-DFA0A04FC94B}">
+                <ma14:wrappingTextBoxFlag xmlns:ma14="http://schemas.microsoft.com/office/mac/drawingml/2011/main" val="1"/>
+              </a:ext>
+            </a:extLst>
+          </p:spPr>
+          <p:txBody>
+            <a:bodyPr wrap="square" lIns="45718" tIns="45718" rIns="45718" bIns="45718" numCol="1" anchor="ctr">
+              <a:noAutofit/>
+            </a:bodyPr>
+            <a:lstStyle>
+              <a:lvl1pPr algn="ctr">
+                <a:defRPr sz="700">
+                  <a:latin typeface="+mj-lt"/>
+                  <a:ea typeface="+mj-ea"/>
+                  <a:cs typeface="+mj-cs"/>
+                  <a:sym typeface="Arial"/>
+                </a:defRPr>
+              </a:lvl1pPr>
+            </a:lstStyle>
+            <a:p>
+              <a:pPr/>
+              <a:r>
+                <a:t>Command-1</a:t>
+              </a:r>
+            </a:p>
+          </p:txBody>
+        </p:sp>
+      </p:grpSp>
+      <p:grpSp>
+        <p:nvGrpSpPr>
+          <p:cNvPr id="697" name="K8s…"/>
+          <p:cNvGrpSpPr/>
+          <p:nvPr/>
+        </p:nvGrpSpPr>
+        <p:grpSpPr>
+          <a:xfrm>
+            <a:off x="9072480" y="3296345"/>
+            <a:ext cx="1070446" cy="785723"/>
+            <a:chOff x="0" y="0"/>
+            <a:chExt cx="1070445" cy="785721"/>
+          </a:xfrm>
+        </p:grpSpPr>
+        <p:sp>
+          <p:nvSpPr>
+            <p:cNvPr id="695" name="Oval"/>
+            <p:cNvSpPr/>
+            <p:nvPr/>
+          </p:nvSpPr>
+          <p:spPr>
+            <a:xfrm>
+              <a:off x="0" y="-1"/>
+              <a:ext cx="1070446" cy="785723"/>
+            </a:xfrm>
+            <a:prstGeom prst="ellipse">
+              <a:avLst/>
+            </a:prstGeom>
+            <a:solidFill>
+              <a:srgbClr val="FFFFFF"/>
+            </a:solidFill>
+            <a:ln w="25400" cap="flat">
+              <a:solidFill>
+                <a:schemeClr val="accent1"/>
+              </a:solidFill>
+              <a:prstDash val="solid"/>
+              <a:round/>
+            </a:ln>
+            <a:effectLst>
+              <a:outerShdw sx="100000" sy="100000" kx="0" ky="0" algn="b" rotWithShape="0" blurRad="38100" dist="23000" dir="5400000">
+                <a:srgbClr val="000000">
+                  <a:alpha val="35000"/>
+                </a:srgbClr>
+              </a:outerShdw>
+            </a:effectLst>
+          </p:spPr>
+          <p:txBody>
+            <a:bodyPr wrap="square" lIns="45718" tIns="45718" rIns="45718" bIns="45718" numCol="1" anchor="ctr">
+              <a:noAutofit/>
+            </a:bodyPr>
+            <a:lstStyle/>
+            <a:p>
+              <a:pPr algn="ctr">
+                <a:defRPr sz="900">
+                  <a:latin typeface="+mj-lt"/>
+                  <a:ea typeface="+mj-ea"/>
+                  <a:cs typeface="+mj-cs"/>
+                  <a:sym typeface="Arial"/>
+                </a:defRPr>
+              </a:pPr>
+            </a:p>
+          </p:txBody>
+        </p:sp>
+        <p:sp>
+          <p:nvSpPr>
+            <p:cNvPr id="696" name="Command-0"/>
+            <p:cNvSpPr txBox="1"/>
+            <p:nvPr/>
+          </p:nvSpPr>
+          <p:spPr>
+            <a:xfrm>
+              <a:off x="156763" y="158871"/>
+              <a:ext cx="756919" cy="467979"/>
+            </a:xfrm>
+            <a:prstGeom prst="rect">
+              <a:avLst/>
+            </a:prstGeom>
+            <a:noFill/>
+            <a:ln w="12700" cap="flat">
+              <a:noFill/>
+              <a:miter lim="400000"/>
+            </a:ln>
+            <a:effectLst/>
+            <a:extLst>
+              <a:ext uri="{C572A759-6A51-4108-AA02-DFA0A04FC94B}">
+                <ma14:wrappingTextBoxFlag xmlns:ma14="http://schemas.microsoft.com/office/mac/drawingml/2011/main" val="1"/>
+              </a:ext>
+            </a:extLst>
+          </p:spPr>
+          <p:txBody>
+            <a:bodyPr wrap="square" lIns="45718" tIns="45718" rIns="45718" bIns="45718" numCol="1" anchor="ctr">
+              <a:noAutofit/>
+            </a:bodyPr>
+            <a:lstStyle>
+              <a:lvl1pPr algn="ctr">
+                <a:defRPr sz="700">
+                  <a:latin typeface="+mj-lt"/>
+                  <a:ea typeface="+mj-ea"/>
+                  <a:cs typeface="+mj-cs"/>
+                  <a:sym typeface="Arial"/>
+                </a:defRPr>
+              </a:lvl1pPr>
+            </a:lstStyle>
+            <a:p>
+              <a:pPr/>
+              <a:r>
+                <a:t>Command-0</a:t>
+              </a:r>
+            </a:p>
+          </p:txBody>
+        </p:sp>
+      </p:grpSp>
+      <p:sp>
+        <p:nvSpPr>
+          <p:cNvPr id="698" name="Google Shape;598;p42"/>
+          <p:cNvSpPr/>
+          <p:nvPr/>
+        </p:nvSpPr>
+        <p:spPr>
+          <a:xfrm>
+            <a:off x="10950010" y="2174741"/>
+            <a:ext cx="609199" cy="261233"/>
+          </a:xfrm>
+          <a:prstGeom prst="line">
+            <a:avLst/>
+          </a:prstGeom>
+          <a:ln w="25400">
+            <a:solidFill>
+              <a:srgbClr val="3C1BC1"/>
+            </a:solidFill>
+            <a:tailEnd type="stealth"/>
+          </a:ln>
+          <a:effectLst>
+            <a:outerShdw sx="100000" sy="100000" kx="0" ky="0" algn="b" rotWithShape="0" blurRad="38100" dist="23000" dir="5400000">
+              <a:srgbClr val="000000">
+                <a:alpha val="35000"/>
+              </a:srgbClr>
+            </a:outerShdw>
+          </a:effectLst>
+        </p:spPr>
+        <p:txBody>
+          <a:bodyPr lIns="45718" tIns="45718" rIns="45718" bIns="45718"/>
+          <a:lstStyle/>
+          <a:p>
+            <a:pPr/>
+          </a:p>
+        </p:txBody>
+      </p:sp>
+      <p:sp>
+        <p:nvSpPr>
+          <p:cNvPr id="699" name="Google Shape;598;p42"/>
+          <p:cNvSpPr/>
+          <p:nvPr/>
+        </p:nvSpPr>
+        <p:spPr>
+          <a:xfrm>
+            <a:off x="10178413" y="2732117"/>
+            <a:ext cx="966580" cy="1"/>
+          </a:xfrm>
+          <a:prstGeom prst="line">
+            <a:avLst/>
+          </a:prstGeom>
+          <a:ln w="25400">
+            <a:solidFill>
+              <a:srgbClr val="3C1BC1"/>
+            </a:solidFill>
+            <a:headEnd type="stealth"/>
+            <a:tailEnd type="stealth"/>
+          </a:ln>
+          <a:effectLst>
+            <a:outerShdw sx="100000" sy="100000" kx="0" ky="0" algn="b" rotWithShape="0" blurRad="38100" dist="23000" dir="5400000">
+              <a:srgbClr val="000000">
+                <a:alpha val="35000"/>
+              </a:srgbClr>
+            </a:outerShdw>
+          </a:effectLst>
+        </p:spPr>
+        <p:txBody>
+          <a:bodyPr lIns="45718" tIns="45718" rIns="45718" bIns="45718"/>
+          <a:lstStyle/>
+          <a:p>
+            <a:pPr/>
+          </a:p>
+        </p:txBody>
+      </p:sp>
+      <p:sp>
+        <p:nvSpPr>
+          <p:cNvPr id="700" name="Google Shape;598;p42"/>
+          <p:cNvSpPr/>
+          <p:nvPr/>
+        </p:nvSpPr>
+        <p:spPr>
+          <a:xfrm>
+            <a:off x="10185475" y="3689206"/>
+            <a:ext cx="966580" cy="1"/>
+          </a:xfrm>
+          <a:prstGeom prst="line">
+            <a:avLst/>
+          </a:prstGeom>
+          <a:ln w="25400">
+            <a:solidFill>
+              <a:srgbClr val="3C1BC1"/>
+            </a:solidFill>
+            <a:headEnd type="stealth"/>
+            <a:tailEnd type="stealth"/>
+          </a:ln>
+          <a:effectLst>
+            <a:outerShdw sx="100000" sy="100000" kx="0" ky="0" algn="b" rotWithShape="0" blurRad="38100" dist="23000" dir="5400000">
+              <a:srgbClr val="000000">
+                <a:alpha val="35000"/>
+              </a:srgbClr>
+            </a:outerShdw>
+          </a:effectLst>
+        </p:spPr>
+        <p:txBody>
+          <a:bodyPr lIns="45718" tIns="45718" rIns="45718" bIns="45718"/>
+          <a:lstStyle/>
+          <a:p>
+            <a:pPr/>
+          </a:p>
+        </p:txBody>
+      </p:sp>
+      <p:sp>
+        <p:nvSpPr>
+          <p:cNvPr id="701" name="Registry…"/>
+          <p:cNvSpPr/>
+          <p:nvPr/>
+        </p:nvSpPr>
+        <p:spPr>
+          <a:xfrm>
+            <a:off x="9971842" y="1732327"/>
+            <a:ext cx="941180" cy="596133"/>
+          </a:xfrm>
+          <a:prstGeom prst="roundRect">
+            <a:avLst>
+              <a:gd name="adj" fmla="val 23823"/>
+            </a:avLst>
+          </a:prstGeom>
+          <a:gradFill>
+            <a:gsLst>
+              <a:gs pos="0">
+                <a:srgbClr val="6B8ADA"/>
+              </a:gs>
+              <a:gs pos="100000">
+                <a:schemeClr val="accent6">
+                  <a:hueOff val="172405"/>
+                  <a:satOff val="54054"/>
+                  <a:lumOff val="21186"/>
+                </a:schemeClr>
+              </a:gs>
+            </a:gsLst>
+            <a:lin ang="16200000"/>
+          </a:gradFill>
+          <a:ln w="25400">
+            <a:solidFill>
+              <a:schemeClr val="accent1"/>
+            </a:solidFill>
+          </a:ln>
+          <a:effectLst>
+            <a:outerShdw sx="100000" sy="100000" kx="0" ky="0" algn="b" rotWithShape="0" blurRad="38100" dist="20000" dir="5400000">
+              <a:srgbClr val="000000">
+                <a:alpha val="38000"/>
+              </a:srgbClr>
+            </a:outerShdw>
+          </a:effectLst>
+          <a:extLst>
+            <a:ext uri="{C572A759-6A51-4108-AA02-DFA0A04FC94B}">
+              <ma14:wrappingTextBoxFlag xmlns:ma14="http://schemas.microsoft.com/office/mac/drawingml/2011/main" val="1"/>
+            </a:ext>
+          </a:extLst>
+        </p:spPr>
+        <p:txBody>
+          <a:bodyPr lIns="45718" tIns="45718" rIns="45718" bIns="45718" anchor="ctr"/>
+          <a:lstStyle/>
+          <a:p>
+            <a:pPr algn="ctr">
+              <a:defRPr i="1" sz="1000"/>
+            </a:pPr>
+            <a:r>
+              <a:t>Registry</a:t>
+            </a:r>
+          </a:p>
+          <a:p>
+            <a:pPr algn="ctr">
+              <a:defRPr i="1" sz="1000"/>
+            </a:pPr>
+            <a:r>
+              <a:t>(Service)</a:t>
+            </a:r>
+          </a:p>
+        </p:txBody>
+      </p:sp>
+      <p:grpSp>
+        <p:nvGrpSpPr>
+          <p:cNvPr id="704" name="K8s…"/>
+          <p:cNvGrpSpPr/>
+          <p:nvPr/>
+        </p:nvGrpSpPr>
+        <p:grpSpPr>
+          <a:xfrm>
+            <a:off x="10935363" y="1623457"/>
+            <a:ext cx="609199" cy="447161"/>
+            <a:chOff x="0" y="0"/>
+            <a:chExt cx="609197" cy="447160"/>
+          </a:xfrm>
+        </p:grpSpPr>
+        <p:sp>
+          <p:nvSpPr>
+            <p:cNvPr id="702" name="Oval"/>
+            <p:cNvSpPr/>
+            <p:nvPr/>
+          </p:nvSpPr>
+          <p:spPr>
+            <a:xfrm>
+              <a:off x="0" y="-1"/>
+              <a:ext cx="609198" cy="447162"/>
+            </a:xfrm>
+            <a:prstGeom prst="ellipse">
+              <a:avLst/>
+            </a:prstGeom>
+            <a:solidFill>
+              <a:srgbClr val="FFFFFF"/>
+            </a:solidFill>
+            <a:ln w="25400" cap="flat">
+              <a:solidFill>
+                <a:schemeClr val="accent1"/>
+              </a:solidFill>
+              <a:prstDash val="solid"/>
+              <a:round/>
+            </a:ln>
+            <a:effectLst>
+              <a:outerShdw sx="100000" sy="100000" kx="0" ky="0" algn="b" rotWithShape="0" blurRad="38100" dist="23000" dir="5400000">
+                <a:srgbClr val="000000">
+                  <a:alpha val="35000"/>
+                </a:srgbClr>
+              </a:outerShdw>
+            </a:effectLst>
+          </p:spPr>
+          <p:txBody>
+            <a:bodyPr wrap="square" lIns="45718" tIns="45718" rIns="45718" bIns="45718" numCol="1" anchor="ctr">
+              <a:noAutofit/>
+            </a:bodyPr>
+            <a:lstStyle/>
+            <a:p>
+              <a:pPr algn="ctr">
+                <a:defRPr sz="900">
+                  <a:latin typeface="+mj-lt"/>
+                  <a:ea typeface="+mj-ea"/>
+                  <a:cs typeface="+mj-cs"/>
+                  <a:sym typeface="Arial"/>
+                </a:defRPr>
+              </a:pPr>
+            </a:p>
+          </p:txBody>
+        </p:sp>
+        <p:sp>
+          <p:nvSpPr>
+            <p:cNvPr id="703" name="Registry"/>
+            <p:cNvSpPr txBox="1"/>
+            <p:nvPr/>
+          </p:nvSpPr>
+          <p:spPr>
+            <a:xfrm>
+              <a:off x="89215" y="134865"/>
+              <a:ext cx="430768" cy="177430"/>
+            </a:xfrm>
+            <a:prstGeom prst="rect">
+              <a:avLst/>
+            </a:prstGeom>
+            <a:noFill/>
+            <a:ln w="12700" cap="flat">
+              <a:noFill/>
+              <a:miter lim="400000"/>
+            </a:ln>
+            <a:effectLst/>
+            <a:extLst>
+              <a:ext uri="{C572A759-6A51-4108-AA02-DFA0A04FC94B}">
+                <ma14:wrappingTextBoxFlag xmlns:ma14="http://schemas.microsoft.com/office/mac/drawingml/2011/main" val="1"/>
+              </a:ext>
+            </a:extLst>
+          </p:spPr>
+          <p:txBody>
+            <a:bodyPr wrap="square" lIns="45718" tIns="45718" rIns="45718" bIns="45718" numCol="1" anchor="ctr">
+              <a:spAutoFit/>
+            </a:bodyPr>
+            <a:lstStyle>
+              <a:lvl1pPr algn="ctr">
+                <a:defRPr sz="700">
+                  <a:latin typeface="+mj-lt"/>
+                  <a:ea typeface="+mj-ea"/>
+                  <a:cs typeface="+mj-cs"/>
+                  <a:sym typeface="Arial"/>
+                </a:defRPr>
+              </a:lvl1pPr>
+            </a:lstStyle>
+            <a:p>
+              <a:pPr/>
+              <a:r>
+                <a:t>Registry</a:t>
+              </a:r>
+            </a:p>
+          </p:txBody>
+        </p:sp>
+      </p:grpSp>
     </p:spTree>
   </p:cSld>
   <p:clrMapOvr>

--- a/docs/Everest(intelligent_traffic_steering).pptx
+++ b/docs/Everest(intelligent_traffic_steering).pptx
@@ -23612,7 +23612,7 @@
       </p:grpSp>
       <p:sp>
         <p:nvSpPr>
-          <p:cNvPr id="705" name="Straight Arrow Connector 6"/>
+          <p:cNvPr id="707" name="Straight Arrow Connector 6"/>
           <p:cNvSpPr/>
           <p:nvPr/>
         </p:nvSpPr>
@@ -24760,7 +24760,7 @@
       </p:grpSp>
       <p:sp>
         <p:nvSpPr>
-          <p:cNvPr id="706" name="Straight Arrow Connector 6"/>
+          <p:cNvPr id="708" name="Straight Arrow Connector 6"/>
           <p:cNvSpPr/>
           <p:nvPr/>
         </p:nvSpPr>
@@ -25439,7 +25439,7 @@
       </p:grpSp>
       <p:sp>
         <p:nvSpPr>
-          <p:cNvPr id="707" name="Straight Arrow Connector 6"/>
+          <p:cNvPr id="709" name="Straight Arrow Connector 6"/>
           <p:cNvSpPr/>
           <p:nvPr/>
         </p:nvSpPr>
@@ -26118,7 +26118,7 @@
       </p:grpSp>
       <p:sp>
         <p:nvSpPr>
-          <p:cNvPr id="708" name="Straight Arrow Connector 6"/>
+          <p:cNvPr id="710" name="Straight Arrow Connector 6"/>
           <p:cNvSpPr/>
           <p:nvPr/>
         </p:nvSpPr>
@@ -26797,7 +26797,7 @@
       </p:grpSp>
       <p:sp>
         <p:nvSpPr>
-          <p:cNvPr id="709" name="Straight Arrow Connector 6"/>
+          <p:cNvPr id="711" name="Straight Arrow Connector 6"/>
           <p:cNvSpPr/>
           <p:nvPr/>
         </p:nvSpPr>
@@ -29454,6 +29454,146 @@
           </p:txBody>
         </p:sp>
       </p:grpSp>
+      <p:sp>
+        <p:nvSpPr>
+          <p:cNvPr id="705" name="Everest-sink…"/>
+          <p:cNvSpPr/>
+          <p:nvPr/>
+        </p:nvSpPr>
+        <p:spPr>
+          <a:xfrm>
+            <a:off x="9824504" y="2844616"/>
+            <a:ext cx="1166493" cy="421761"/>
+          </a:xfrm>
+          <a:prstGeom prst="roundRect">
+            <a:avLst>
+              <a:gd name="adj" fmla="val 39419"/>
+            </a:avLst>
+          </a:prstGeom>
+          <a:gradFill>
+            <a:gsLst>
+              <a:gs pos="0">
+                <a:srgbClr val="6B8ADA"/>
+              </a:gs>
+              <a:gs pos="100000">
+                <a:schemeClr val="accent6">
+                  <a:hueOff val="172405"/>
+                  <a:satOff val="54054"/>
+                  <a:lumOff val="21186"/>
+                </a:schemeClr>
+              </a:gs>
+            </a:gsLst>
+            <a:lin ang="16200000"/>
+          </a:gradFill>
+          <a:ln w="25400">
+            <a:solidFill>
+              <a:schemeClr val="accent1"/>
+            </a:solidFill>
+          </a:ln>
+          <a:effectLst>
+            <a:outerShdw sx="100000" sy="100000" kx="0" ky="0" algn="b" rotWithShape="0" blurRad="38100" dist="20000" dir="5400000">
+              <a:srgbClr val="000000">
+                <a:alpha val="38000"/>
+              </a:srgbClr>
+            </a:outerShdw>
+          </a:effectLst>
+          <a:extLst>
+            <a:ext uri="{C572A759-6A51-4108-AA02-DFA0A04FC94B}">
+              <ma14:wrappingTextBoxFlag xmlns:ma14="http://schemas.microsoft.com/office/mac/drawingml/2011/main" val="1"/>
+            </a:ext>
+          </a:extLst>
+        </p:spPr>
+        <p:txBody>
+          <a:bodyPr lIns="45718" tIns="45718" rIns="45718" bIns="45718" anchor="ctr"/>
+          <a:lstStyle/>
+          <a:p>
+            <a:pPr algn="ctr">
+              <a:defRPr i="1" sz="1000"/>
+            </a:pPr>
+            <a:r>
+              <a:t>Everest-sink</a:t>
+            </a:r>
+          </a:p>
+          <a:p>
+            <a:pPr algn="ctr">
+              <a:defRPr i="1" sz="1000"/>
+            </a:pPr>
+            <a:r>
+              <a:t>(job)</a:t>
+            </a:r>
+          </a:p>
+        </p:txBody>
+      </p:sp>
+      <p:sp>
+        <p:nvSpPr>
+          <p:cNvPr id="706" name="Everest-sink…"/>
+          <p:cNvSpPr/>
+          <p:nvPr/>
+        </p:nvSpPr>
+        <p:spPr>
+          <a:xfrm>
+            <a:off x="9859185" y="3828468"/>
+            <a:ext cx="1166493" cy="421761"/>
+          </a:xfrm>
+          <a:prstGeom prst="roundRect">
+            <a:avLst>
+              <a:gd name="adj" fmla="val 39419"/>
+            </a:avLst>
+          </a:prstGeom>
+          <a:gradFill>
+            <a:gsLst>
+              <a:gs pos="0">
+                <a:srgbClr val="6B8ADA"/>
+              </a:gs>
+              <a:gs pos="100000">
+                <a:schemeClr val="accent6">
+                  <a:hueOff val="172405"/>
+                  <a:satOff val="54054"/>
+                  <a:lumOff val="21186"/>
+                </a:schemeClr>
+              </a:gs>
+            </a:gsLst>
+            <a:lin ang="16200000"/>
+          </a:gradFill>
+          <a:ln w="25400">
+            <a:solidFill>
+              <a:schemeClr val="accent1"/>
+            </a:solidFill>
+          </a:ln>
+          <a:effectLst>
+            <a:outerShdw sx="100000" sy="100000" kx="0" ky="0" algn="b" rotWithShape="0" blurRad="38100" dist="20000" dir="5400000">
+              <a:srgbClr val="000000">
+                <a:alpha val="38000"/>
+              </a:srgbClr>
+            </a:outerShdw>
+          </a:effectLst>
+          <a:extLst>
+            <a:ext uri="{C572A759-6A51-4108-AA02-DFA0A04FC94B}">
+              <ma14:wrappingTextBoxFlag xmlns:ma14="http://schemas.microsoft.com/office/mac/drawingml/2011/main" val="1"/>
+            </a:ext>
+          </a:extLst>
+        </p:spPr>
+        <p:txBody>
+          <a:bodyPr lIns="45718" tIns="45718" rIns="45718" bIns="45718" anchor="ctr"/>
+          <a:lstStyle/>
+          <a:p>
+            <a:pPr algn="ctr">
+              <a:defRPr i="1" sz="1000"/>
+            </a:pPr>
+            <a:r>
+              <a:t>Everest-sink</a:t>
+            </a:r>
+          </a:p>
+          <a:p>
+            <a:pPr algn="ctr">
+              <a:defRPr i="1" sz="1000"/>
+            </a:pPr>
+            <a:r>
+              <a:t>(job)</a:t>
+            </a:r>
+          </a:p>
+        </p:txBody>
+      </p:sp>
     </p:spTree>
   </p:cSld>
   <p:clrMapOvr>

--- a/docs/Everest(intelligent_traffic_steering).pptx
+++ b/docs/Everest(intelligent_traffic_steering).pptx
@@ -20087,144 +20087,16 @@
           </a:p>
         </p:txBody>
       </p:sp>
-      <p:grpSp>
-        <p:nvGrpSpPr>
-          <p:cNvPr id="509" name="Google Shape;592;p42"/>
-          <p:cNvGrpSpPr/>
-          <p:nvPr/>
-        </p:nvGrpSpPr>
-        <p:grpSpPr>
-          <a:xfrm>
-            <a:off x="9400955" y="5411009"/>
-            <a:ext cx="894603" cy="1080904"/>
-            <a:chOff x="0" y="0"/>
-            <a:chExt cx="894601" cy="1080902"/>
-          </a:xfrm>
-        </p:grpSpPr>
-        <p:sp>
-          <p:nvSpPr>
-            <p:cNvPr id="507" name="Rounded Rectangle"/>
-            <p:cNvSpPr/>
-            <p:nvPr/>
-          </p:nvSpPr>
-          <p:spPr>
-            <a:xfrm>
-              <a:off x="0" y="-1"/>
-              <a:ext cx="894602" cy="1080904"/>
-            </a:xfrm>
-            <a:prstGeom prst="roundRect">
-              <a:avLst>
-                <a:gd name="adj" fmla="val 16667"/>
-              </a:avLst>
-            </a:prstGeom>
-            <a:solidFill>
-              <a:srgbClr val="4A86E8"/>
-            </a:solidFill>
-            <a:ln w="9525" cap="flat">
-              <a:solidFill>
-                <a:srgbClr val="FF0000"/>
-              </a:solidFill>
-              <a:prstDash val="solid"/>
-              <a:round/>
-            </a:ln>
-            <a:effectLst/>
-          </p:spPr>
-          <p:txBody>
-            <a:bodyPr wrap="square" lIns="45718" tIns="45718" rIns="45718" bIns="45718" numCol="1" anchor="ctr">
-              <a:noAutofit/>
-            </a:bodyPr>
-            <a:lstStyle/>
-            <a:p>
-              <a:pPr>
-                <a:defRPr sz="900">
-                  <a:solidFill>
-                    <a:srgbClr val="FF0000"/>
-                  </a:solidFill>
-                  <a:latin typeface="+mj-lt"/>
-                  <a:ea typeface="+mj-ea"/>
-                  <a:cs typeface="+mj-cs"/>
-                  <a:sym typeface="Arial"/>
-                </a:defRPr>
-              </a:pPr>
-            </a:p>
-          </p:txBody>
-        </p:sp>
-        <p:sp>
-          <p:nvSpPr>
-            <p:cNvPr id="508" name="Data Ingestion point"/>
-            <p:cNvSpPr txBox="1"/>
-            <p:nvPr/>
-          </p:nvSpPr>
-          <p:spPr>
-            <a:xfrm>
-              <a:off x="43671" y="323895"/>
-              <a:ext cx="807259" cy="433110"/>
-            </a:xfrm>
-            <a:prstGeom prst="rect">
-              <a:avLst/>
-            </a:prstGeom>
-            <a:noFill/>
-            <a:ln w="12700" cap="flat">
-              <a:noFill/>
-              <a:miter lim="400000"/>
-            </a:ln>
-            <a:effectLst/>
-            <a:extLst>
-              <a:ext uri="{C572A759-6A51-4108-AA02-DFA0A04FC94B}">
-                <ma14:wrappingTextBoxFlag xmlns:ma14="http://schemas.microsoft.com/office/mac/drawingml/2011/main" val="1"/>
-              </a:ext>
-            </a:extLst>
-          </p:spPr>
-          <p:txBody>
-            <a:bodyPr wrap="square" lIns="91423" tIns="91423" rIns="91423" bIns="91423" numCol="1" anchor="ctr">
-              <a:spAutoFit/>
-            </a:bodyPr>
-            <a:lstStyle/>
-            <a:p>
-              <a:pPr algn="ctr">
-                <a:defRPr sz="900">
-                  <a:solidFill>
-                    <a:srgbClr val="FF0000"/>
-                  </a:solidFill>
-                  <a:latin typeface="+mj-lt"/>
-                  <a:ea typeface="+mj-ea"/>
-                  <a:cs typeface="+mj-cs"/>
-                  <a:sym typeface="Arial"/>
-                </a:defRPr>
-              </a:pPr>
-              <a:r>
-                <a:t>Kafka</a:t>
-              </a:r>
-            </a:p>
-            <a:p>
-              <a:pPr algn="ctr">
-                <a:defRPr sz="900">
-                  <a:solidFill>
-                    <a:srgbClr val="FF0000"/>
-                  </a:solidFill>
-                  <a:latin typeface="+mj-lt"/>
-                  <a:ea typeface="+mj-ea"/>
-                  <a:cs typeface="+mj-cs"/>
-                  <a:sym typeface="Arial"/>
-                </a:defRPr>
-              </a:pPr>
-              <a:r>
-                <a:t>Service</a:t>
-              </a:r>
-            </a:p>
-          </p:txBody>
-        </p:sp>
-      </p:grpSp>
       <p:sp>
         <p:nvSpPr>
-          <p:cNvPr id="510" name="Google Shape;598;p42"/>
+          <p:cNvPr id="507" name="Google Shape;598;p42"/>
           <p:cNvSpPr/>
           <p:nvPr/>
         </p:nvSpPr>
         <p:spPr>
           <a:xfrm flipV="1">
-            <a:off x="8386988" y="5983960"/>
-            <a:ext cx="993996" cy="179478"/>
+            <a:off x="8386988" y="5340825"/>
+            <a:ext cx="1526904" cy="822613"/>
           </a:xfrm>
           <a:prstGeom prst="line">
             <a:avLst/>
@@ -20246,7 +20118,7 @@
       </p:sp>
       <p:sp>
         <p:nvSpPr>
-          <p:cNvPr id="511" name="Google Shape;599;p42"/>
+          <p:cNvPr id="508" name="Google Shape;599;p42"/>
           <p:cNvSpPr/>
           <p:nvPr/>
         </p:nvSpPr>
@@ -20284,7 +20156,7 @@
       </p:sp>
       <p:sp>
         <p:nvSpPr>
-          <p:cNvPr id="512" name="Google Shape;616;p42"/>
+          <p:cNvPr id="509" name="Google Shape;616;p42"/>
           <p:cNvSpPr txBox="1"/>
           <p:nvPr/>
         </p:nvSpPr>
@@ -20332,7 +20204,7 @@
       </p:sp>
       <p:sp>
         <p:nvSpPr>
-          <p:cNvPr id="513" name="vMEC (on k8s)"/>
+          <p:cNvPr id="510" name="vMEC (on k8s)"/>
           <p:cNvSpPr txBox="1"/>
           <p:nvPr/>
         </p:nvSpPr>
@@ -20377,7 +20249,7 @@
       </p:sp>
       <p:grpSp>
         <p:nvGrpSpPr>
-          <p:cNvPr id="516" name="Google Shape;592;p42"/>
+          <p:cNvPr id="513" name="Google Shape;592;p42"/>
           <p:cNvGrpSpPr/>
           <p:nvPr/>
         </p:nvGrpSpPr>
@@ -20391,7 +20263,7 @@
         </p:grpSpPr>
         <p:sp>
           <p:nvSpPr>
-            <p:cNvPr id="514" name="Rounded Rectangle"/>
+            <p:cNvPr id="511" name="Rounded Rectangle"/>
             <p:cNvSpPr/>
             <p:nvPr/>
           </p:nvSpPr>
@@ -20439,7 +20311,7 @@
         </p:sp>
         <p:sp>
           <p:nvSpPr>
-            <p:cNvPr id="515" name="Istio Pilot + Mixer"/>
+            <p:cNvPr id="512" name="Istio Pilot + Mixer"/>
             <p:cNvSpPr txBox="1"/>
             <p:nvPr/>
           </p:nvSpPr>
@@ -20491,13 +20363,13 @@
       </p:grpSp>
       <p:grpSp>
         <p:nvGrpSpPr>
-          <p:cNvPr id="519" name="Google Shape;592;p42"/>
+          <p:cNvPr id="516" name="Google Shape;592;p42"/>
           <p:cNvGrpSpPr/>
           <p:nvPr/>
         </p:nvGrpSpPr>
         <p:grpSpPr>
           <a:xfrm>
-            <a:off x="9159655" y="2810320"/>
+            <a:off x="8613555" y="2673320"/>
             <a:ext cx="894603" cy="1080903"/>
             <a:chOff x="0" y="0"/>
             <a:chExt cx="894601" cy="1080902"/>
@@ -20505,7 +20377,7 @@
         </p:grpSpPr>
         <p:sp>
           <p:nvSpPr>
-            <p:cNvPr id="517" name="Rounded Rectangle"/>
+            <p:cNvPr id="514" name="Rounded Rectangle"/>
             <p:cNvSpPr/>
             <p:nvPr/>
           </p:nvSpPr>
@@ -20553,7 +20425,7 @@
         </p:sp>
         <p:sp>
           <p:nvSpPr>
-            <p:cNvPr id="518" name="Command &amp; Control"/>
+            <p:cNvPr id="515" name="Command &amp; Control"/>
             <p:cNvSpPr txBox="1"/>
             <p:nvPr/>
           </p:nvSpPr>
@@ -20605,14 +20477,14 @@
       </p:grpSp>
       <p:sp>
         <p:nvSpPr>
-          <p:cNvPr id="520" name="Line"/>
+          <p:cNvPr id="517" name="Line"/>
           <p:cNvSpPr/>
           <p:nvPr/>
         </p:nvSpPr>
         <p:spPr>
           <a:xfrm flipH="1" flipV="1">
-            <a:off x="8168120" y="2477887"/>
-            <a:ext cx="961947" cy="730757"/>
+            <a:off x="8383603" y="2466550"/>
+            <a:ext cx="535203" cy="192655"/>
           </a:xfrm>
           <a:prstGeom prst="line">
             <a:avLst/>
@@ -20641,7 +20513,7 @@
       </p:sp>
       <p:sp>
         <p:nvSpPr>
-          <p:cNvPr id="521" name="Google Shape;619;p42"/>
+          <p:cNvPr id="518" name="Google Shape;619;p42"/>
           <p:cNvSpPr txBox="1"/>
           <p:nvPr/>
         </p:nvSpPr>
@@ -20689,28 +20561,28 @@
       </p:sp>
       <p:grpSp>
         <p:nvGrpSpPr>
-          <p:cNvPr id="524" name="Google Shape;592;p42"/>
+          <p:cNvPr id="521" name="Google Shape;592;p42"/>
           <p:cNvGrpSpPr/>
           <p:nvPr/>
         </p:nvGrpSpPr>
         <p:grpSpPr>
           <a:xfrm>
-            <a:off x="11067701" y="3645287"/>
-            <a:ext cx="894603" cy="1080903"/>
+            <a:off x="10859646" y="3454518"/>
+            <a:ext cx="1210382" cy="1462442"/>
             <a:chOff x="0" y="0"/>
-            <a:chExt cx="894601" cy="1080902"/>
+            <a:chExt cx="1210380" cy="1462441"/>
           </a:xfrm>
         </p:grpSpPr>
         <p:sp>
           <p:nvSpPr>
-            <p:cNvPr id="522" name="Rounded Rectangle"/>
+            <p:cNvPr id="519" name="Rounded Rectangle"/>
             <p:cNvSpPr/>
             <p:nvPr/>
           </p:nvSpPr>
           <p:spPr>
             <a:xfrm>
               <a:off x="0" y="-1"/>
-              <a:ext cx="894602" cy="1080904"/>
+              <a:ext cx="1210381" cy="1462443"/>
             </a:xfrm>
             <a:prstGeom prst="roundRect">
               <a:avLst>
@@ -20751,14 +20623,14 @@
         </p:sp>
         <p:sp>
           <p:nvSpPr>
-            <p:cNvPr id="523" name="Data Analytics"/>
+            <p:cNvPr id="520" name="Data Analytics"/>
             <p:cNvSpPr txBox="1"/>
             <p:nvPr/>
           </p:nvSpPr>
           <p:spPr>
             <a:xfrm>
-              <a:off x="43671" y="260395"/>
-              <a:ext cx="807259" cy="560110"/>
+              <a:off x="59086" y="352311"/>
+              <a:ext cx="1092206" cy="757818"/>
             </a:xfrm>
             <a:prstGeom prst="rect">
               <a:avLst/>
@@ -20776,8 +20648,8 @@
             </a:extLst>
           </p:spPr>
           <p:txBody>
-            <a:bodyPr wrap="square" lIns="91423" tIns="91423" rIns="91423" bIns="91423" numCol="1" anchor="ctr">
-              <a:spAutoFit/>
+            <a:bodyPr wrap="square" lIns="91423" tIns="91423" rIns="91423" bIns="91423" numCol="1" anchor="b">
+              <a:noAutofit/>
             </a:bodyPr>
             <a:lstStyle/>
             <a:p>
@@ -20809,7 +20681,7 @@
                 </a:defRPr>
               </a:pPr>
               <a:r>
-                <a:t>(Flink??)</a:t>
+                <a:t>(Flink)</a:t>
               </a:r>
             </a:p>
           </p:txBody>
@@ -20817,14 +20689,14 @@
       </p:grpSp>
       <p:sp>
         <p:nvSpPr>
-          <p:cNvPr id="525" name="Connection Line"/>
+          <p:cNvPr id="522" name="Connection Line"/>
           <p:cNvSpPr/>
           <p:nvPr/>
         </p:nvSpPr>
         <p:spPr>
           <a:xfrm>
-            <a:off x="10058975" y="3093175"/>
-            <a:ext cx="1204123" cy="547340"/>
+            <a:off x="10380040" y="3096306"/>
+            <a:ext cx="883058" cy="544209"/>
           </a:xfrm>
           <a:custGeom>
             <a:avLst/>
@@ -20890,14 +20762,14 @@
       </p:sp>
       <p:sp>
         <p:nvSpPr>
-          <p:cNvPr id="526" name="Connection Line"/>
+          <p:cNvPr id="523" name="Connection Line"/>
           <p:cNvSpPr/>
           <p:nvPr/>
         </p:nvSpPr>
         <p:spPr>
           <a:xfrm>
-            <a:off x="10321183" y="4746013"/>
-            <a:ext cx="1184765" cy="1305772"/>
+            <a:off x="10381413" y="4947659"/>
+            <a:ext cx="893129" cy="390603"/>
           </a:xfrm>
           <a:custGeom>
             <a:avLst/>
@@ -20963,7 +20835,7 @@
       </p:sp>
       <p:sp>
         <p:nvSpPr>
-          <p:cNvPr id="527" name="Google Shape;580;p42"/>
+          <p:cNvPr id="524" name="Google Shape;580;p42"/>
           <p:cNvSpPr txBox="1"/>
           <p:nvPr/>
         </p:nvSpPr>
@@ -21071,7 +20943,7 @@
       </p:sp>
       <p:grpSp>
         <p:nvGrpSpPr>
-          <p:cNvPr id="530" name="Istio Policy"/>
+          <p:cNvPr id="527" name="Istio Policy"/>
           <p:cNvGrpSpPr/>
           <p:nvPr/>
         </p:nvGrpSpPr>
@@ -21085,7 +20957,7 @@
         </p:grpSpPr>
         <p:sp>
           <p:nvSpPr>
-            <p:cNvPr id="528" name="Double Arrow"/>
+            <p:cNvPr id="525" name="Double Arrow"/>
             <p:cNvSpPr/>
             <p:nvPr/>
           </p:nvSpPr>
@@ -21137,7 +21009,7 @@
         </p:sp>
         <p:sp>
           <p:nvSpPr>
-            <p:cNvPr id="529" name="REST…"/>
+            <p:cNvPr id="526" name="REST…"/>
             <p:cNvSpPr txBox="1"/>
             <p:nvPr/>
           </p:nvSpPr>
@@ -21197,7 +21069,7 @@
       </p:grpSp>
       <p:sp>
         <p:nvSpPr>
-          <p:cNvPr id="531" name="Istio Ingress Gateway"/>
+          <p:cNvPr id="528" name="Istio Ingress Gateway"/>
           <p:cNvSpPr/>
           <p:nvPr/>
         </p:nvSpPr>
@@ -21251,7 +21123,7 @@
       </p:sp>
       <p:sp>
         <p:nvSpPr>
-          <p:cNvPr id="532" name="FS…"/>
+          <p:cNvPr id="529" name="FS…"/>
           <p:cNvSpPr/>
           <p:nvPr/>
         </p:nvSpPr>
@@ -21321,7 +21193,7 @@
       </p:sp>
       <p:sp>
         <p:nvSpPr>
-          <p:cNvPr id="533" name="Fibo…"/>
+          <p:cNvPr id="530" name="Fibo…"/>
           <p:cNvSpPr/>
           <p:nvPr/>
         </p:nvSpPr>
@@ -21391,7 +21263,7 @@
       </p:sp>
       <p:sp>
         <p:nvSpPr>
-          <p:cNvPr id="534" name="Guide…"/>
+          <p:cNvPr id="531" name="Guide…"/>
           <p:cNvSpPr/>
           <p:nvPr/>
         </p:nvSpPr>
@@ -21461,7 +21333,7 @@
       </p:sp>
       <p:sp>
         <p:nvSpPr>
-          <p:cNvPr id="535" name="Google Shape;598;p42"/>
+          <p:cNvPr id="532" name="Google Shape;598;p42"/>
           <p:cNvSpPr/>
           <p:nvPr/>
         </p:nvSpPr>
@@ -21497,7 +21369,7 @@
       </p:sp>
       <p:grpSp>
         <p:nvGrpSpPr>
-          <p:cNvPr id="538" name="Istio Policy"/>
+          <p:cNvPr id="535" name="Istio Policy"/>
           <p:cNvGrpSpPr/>
           <p:nvPr/>
         </p:nvGrpSpPr>
@@ -21511,7 +21383,7 @@
         </p:grpSpPr>
         <p:sp>
           <p:nvSpPr>
-            <p:cNvPr id="536" name="Double Arrow"/>
+            <p:cNvPr id="533" name="Double Arrow"/>
             <p:cNvSpPr/>
             <p:nvPr/>
           </p:nvSpPr>
@@ -21563,7 +21435,7 @@
         </p:sp>
         <p:sp>
           <p:nvSpPr>
-            <p:cNvPr id="537" name="GRPC…"/>
+            <p:cNvPr id="534" name="GRPC…"/>
             <p:cNvSpPr txBox="1"/>
             <p:nvPr/>
           </p:nvSpPr>
@@ -21623,7 +21495,7 @@
       </p:grpSp>
       <p:sp>
         <p:nvSpPr>
-          <p:cNvPr id="539" name="Google Shape;598;p42"/>
+          <p:cNvPr id="536" name="Google Shape;598;p42"/>
           <p:cNvSpPr/>
           <p:nvPr/>
         </p:nvSpPr>
@@ -21659,7 +21531,7 @@
       </p:sp>
       <p:sp>
         <p:nvSpPr>
-          <p:cNvPr id="540" name="Google Shape;598;p42"/>
+          <p:cNvPr id="537" name="Google Shape;598;p42"/>
           <p:cNvSpPr/>
           <p:nvPr/>
         </p:nvSpPr>
@@ -21695,7 +21567,7 @@
       </p:sp>
       <p:sp>
         <p:nvSpPr>
-          <p:cNvPr id="541" name="Google Shape;598;p42"/>
+          <p:cNvPr id="538" name="Google Shape;598;p42"/>
           <p:cNvSpPr/>
           <p:nvPr/>
         </p:nvSpPr>
@@ -21731,7 +21603,7 @@
       </p:sp>
       <p:sp>
         <p:nvSpPr>
-          <p:cNvPr id="542" name="Google Shape;598;p42"/>
+          <p:cNvPr id="539" name="Google Shape;598;p42"/>
           <p:cNvSpPr/>
           <p:nvPr/>
         </p:nvSpPr>
@@ -21767,7 +21639,7 @@
       </p:sp>
       <p:sp>
         <p:nvSpPr>
-          <p:cNvPr id="543" name="Google Shape;598;p42"/>
+          <p:cNvPr id="540" name="Google Shape;598;p42"/>
           <p:cNvSpPr/>
           <p:nvPr/>
         </p:nvSpPr>
@@ -21803,7 +21675,7 @@
       </p:sp>
       <p:sp>
         <p:nvSpPr>
-          <p:cNvPr id="544" name="Google Shape;598;p42"/>
+          <p:cNvPr id="541" name="Google Shape;598;p42"/>
           <p:cNvSpPr/>
           <p:nvPr/>
         </p:nvSpPr>
@@ -21839,7 +21711,7 @@
       </p:sp>
       <p:pic>
         <p:nvPicPr>
-          <p:cNvPr id="545" name="1*d2zLEjERsrs1Rzk_95QU9A.png" descr="1*d2zLEjERsrs1Rzk_95QU9A.png"/>
+          <p:cNvPr id="542" name="1*d2zLEjERsrs1Rzk_95QU9A.png" descr="1*d2zLEjERsrs1Rzk_95QU9A.png"/>
           <p:cNvPicPr>
             <a:picLocks noChangeAspect="1"/>
           </p:cNvPicPr>
@@ -21868,7 +21740,7 @@
       </p:pic>
       <p:pic>
         <p:nvPicPr>
-          <p:cNvPr id="546" name="1*d2zLEjERsrs1Rzk_95QU9A.png" descr="1*d2zLEjERsrs1Rzk_95QU9A.png"/>
+          <p:cNvPr id="543" name="1*d2zLEjERsrs1Rzk_95QU9A.png" descr="1*d2zLEjERsrs1Rzk_95QU9A.png"/>
           <p:cNvPicPr>
             <a:picLocks noChangeAspect="1"/>
           </p:cNvPicPr>
@@ -21897,7 +21769,7 @@
       </p:pic>
       <p:pic>
         <p:nvPicPr>
-          <p:cNvPr id="547" name="1*yqgSQu9GTNAZDyXqcYlL1Q.png" descr="1*yqgSQu9GTNAZDyXqcYlL1Q.png"/>
+          <p:cNvPr id="544" name="1*yqgSQu9GTNAZDyXqcYlL1Q.png" descr="1*yqgSQu9GTNAZDyXqcYlL1Q.png"/>
           <p:cNvPicPr>
             <a:picLocks noChangeAspect="1"/>
           </p:cNvPicPr>
@@ -21926,7 +21798,7 @@
       </p:pic>
       <p:sp>
         <p:nvSpPr>
-          <p:cNvPr id="548" name="REST"/>
+          <p:cNvPr id="545" name="REST"/>
           <p:cNvSpPr txBox="1"/>
           <p:nvPr/>
         </p:nvSpPr>
@@ -21966,7 +21838,7 @@
       </p:sp>
       <p:sp>
         <p:nvSpPr>
-          <p:cNvPr id="549" name="REST"/>
+          <p:cNvPr id="546" name="REST"/>
           <p:cNvSpPr txBox="1"/>
           <p:nvPr/>
         </p:nvSpPr>
@@ -22006,7 +21878,7 @@
       </p:sp>
       <p:sp>
         <p:nvSpPr>
-          <p:cNvPr id="550" name="REST"/>
+          <p:cNvPr id="547" name="REST"/>
           <p:cNvSpPr txBox="1"/>
           <p:nvPr/>
         </p:nvSpPr>
@@ -22046,7 +21918,7 @@
       </p:sp>
       <p:sp>
         <p:nvSpPr>
-          <p:cNvPr id="551" name="GRPC"/>
+          <p:cNvPr id="548" name="GRPC"/>
           <p:cNvSpPr txBox="1"/>
           <p:nvPr/>
         </p:nvSpPr>
@@ -22086,7 +21958,7 @@
       </p:sp>
       <p:sp>
         <p:nvSpPr>
-          <p:cNvPr id="552" name="GRPC"/>
+          <p:cNvPr id="549" name="GRPC"/>
           <p:cNvSpPr txBox="1"/>
           <p:nvPr/>
         </p:nvSpPr>
@@ -22126,7 +21998,7 @@
       </p:sp>
       <p:sp>
         <p:nvSpPr>
-          <p:cNvPr id="553" name="GRPC"/>
+          <p:cNvPr id="550" name="GRPC"/>
           <p:cNvSpPr txBox="1"/>
           <p:nvPr/>
         </p:nvSpPr>
@@ -22166,7 +22038,7 @@
       </p:sp>
       <p:pic>
         <p:nvPicPr>
-          <p:cNvPr id="554" name="cacti_graph_5_rra8_load.png" descr="cacti_graph_5_rra8_load.png"/>
+          <p:cNvPr id="551" name="cacti_graph_5_rra8_load.png" descr="cacti_graph_5_rra8_load.png"/>
           <p:cNvPicPr>
             <a:picLocks noChangeAspect="1"/>
           </p:cNvPicPr>
@@ -22195,7 +22067,7 @@
       </p:pic>
       <p:pic>
         <p:nvPicPr>
-          <p:cNvPr id="555" name="ram-usage-monitor.png" descr="ram-usage-monitor.png"/>
+          <p:cNvPr id="552" name="ram-usage-monitor.png" descr="ram-usage-monitor.png"/>
           <p:cNvPicPr>
             <a:picLocks noChangeAspect="1"/>
           </p:cNvPicPr>
@@ -22224,7 +22096,7 @@
       </p:pic>
       <p:grpSp>
         <p:nvGrpSpPr>
-          <p:cNvPr id="558" name="Google Shape;592;p42"/>
+          <p:cNvPr id="555" name="Google Shape;592;p42"/>
           <p:cNvGrpSpPr/>
           <p:nvPr/>
         </p:nvGrpSpPr>
@@ -22238,7 +22110,7 @@
         </p:grpSpPr>
         <p:sp>
           <p:nvSpPr>
-            <p:cNvPr id="556" name="Rounded Rectangle"/>
+            <p:cNvPr id="553" name="Rounded Rectangle"/>
             <p:cNvSpPr/>
             <p:nvPr/>
           </p:nvSpPr>
@@ -22286,7 +22158,7 @@
         </p:sp>
         <p:sp>
           <p:nvSpPr>
-            <p:cNvPr id="557" name="Data Ingestion point"/>
+            <p:cNvPr id="554" name="Data Ingestion point"/>
             <p:cNvSpPr txBox="1"/>
             <p:nvPr/>
           </p:nvSpPr>
@@ -22338,7 +22210,7 @@
       </p:grpSp>
       <p:pic>
         <p:nvPicPr>
-          <p:cNvPr id="559" name="bandwidth-expanded-2.png" descr="bandwidth-expanded-2.png"/>
+          <p:cNvPr id="556" name="bandwidth-expanded-2.png" descr="bandwidth-expanded-2.png"/>
           <p:cNvPicPr>
             <a:picLocks noChangeAspect="1"/>
           </p:cNvPicPr>
@@ -22367,7 +22239,7 @@
       </p:pic>
       <p:sp>
         <p:nvSpPr>
-          <p:cNvPr id="560" name="Google Shape;580;p42"/>
+          <p:cNvPr id="557" name="Google Shape;580;p42"/>
           <p:cNvSpPr txBox="1"/>
           <p:nvPr/>
         </p:nvSpPr>
@@ -22527,6 +22399,208 @@
           </a:p>
         </p:txBody>
       </p:sp>
+      <p:pic>
+        <p:nvPicPr>
+          <p:cNvPr id="558" name="1900180_cc11.jpg" descr="1900180_cc11.jpg"/>
+          <p:cNvPicPr>
+            <a:picLocks noChangeAspect="1"/>
+          </p:cNvPicPr>
+          <p:nvPr/>
+        </p:nvPicPr>
+        <p:blipFill>
+          <a:blip r:embed="rId7">
+            <a:extLst/>
+          </a:blip>
+          <a:stretch>
+            <a:fillRect/>
+          </a:stretch>
+        </p:blipFill>
+        <p:spPr>
+          <a:xfrm>
+            <a:off x="11076451" y="3645287"/>
+            <a:ext cx="894603" cy="503364"/>
+          </a:xfrm>
+          <a:prstGeom prst="rect">
+            <a:avLst/>
+          </a:prstGeom>
+          <a:ln w="12700">
+            <a:miter lim="400000"/>
+          </a:ln>
+        </p:spPr>
+      </p:pic>
+      <p:sp>
+        <p:nvSpPr>
+          <p:cNvPr id="559" name="Kafka"/>
+          <p:cNvSpPr/>
+          <p:nvPr/>
+        </p:nvSpPr>
+        <p:spPr>
+          <a:xfrm rot="16200000">
+            <a:off x="8780084" y="3996791"/>
+            <a:ext cx="2789666" cy="377896"/>
+          </a:xfrm>
+          <a:prstGeom prst="rect">
+            <a:avLst/>
+          </a:prstGeom>
+          <a:solidFill>
+            <a:srgbClr val="2A3990"/>
+          </a:solidFill>
+          <a:ln w="25400">
+            <a:solidFill>
+              <a:schemeClr val="accent1"/>
+            </a:solidFill>
+          </a:ln>
+          <a:effectLst>
+            <a:outerShdw sx="100000" sy="100000" kx="0" ky="0" algn="b" rotWithShape="0" blurRad="38100" dist="23000" dir="5400000">
+              <a:srgbClr val="000000">
+                <a:alpha val="35000"/>
+              </a:srgbClr>
+            </a:outerShdw>
+          </a:effectLst>
+          <a:extLst>
+            <a:ext uri="{C572A759-6A51-4108-AA02-DFA0A04FC94B}">
+              <ma14:wrappingTextBoxFlag xmlns:ma14="http://schemas.microsoft.com/office/mac/drawingml/2011/main" val="1"/>
+            </a:ext>
+          </a:extLst>
+        </p:spPr>
+        <p:txBody>
+          <a:bodyPr lIns="45718" tIns="45718" rIns="45718" bIns="45718" anchor="ctr"/>
+          <a:lstStyle>
+            <a:lvl1pPr>
+              <a:defRPr>
+                <a:solidFill>
+                  <a:srgbClr val="FF373F"/>
+                </a:solidFill>
+              </a:defRPr>
+            </a:lvl1pPr>
+          </a:lstStyle>
+          <a:p>
+            <a:pPr/>
+            <a:r>
+              <a:t>Kafka</a:t>
+            </a:r>
+          </a:p>
+        </p:txBody>
+      </p:sp>
+      <p:sp>
+        <p:nvSpPr>
+          <p:cNvPr id="560" name="Line"/>
+          <p:cNvSpPr/>
+          <p:nvPr/>
+        </p:nvSpPr>
+        <p:spPr>
+          <a:xfrm flipH="1" flipV="1">
+            <a:off x="9450403" y="3053022"/>
+            <a:ext cx="535204" cy="192654"/>
+          </a:xfrm>
+          <a:prstGeom prst="line">
+            <a:avLst/>
+          </a:prstGeom>
+          <a:ln w="25400">
+            <a:solidFill>
+              <a:schemeClr val="accent1"/>
+            </a:solidFill>
+            <a:tailEnd type="triangle"/>
+          </a:ln>
+          <a:effectLst>
+            <a:outerShdw sx="100000" sy="100000" kx="0" ky="0" algn="b" rotWithShape="0" blurRad="38100" dist="20000" dir="5400000">
+              <a:srgbClr val="000000">
+                <a:alpha val="38000"/>
+              </a:srgbClr>
+            </a:outerShdw>
+          </a:effectLst>
+        </p:spPr>
+        <p:txBody>
+          <a:bodyPr lIns="45718" tIns="45718" rIns="45718" bIns="45718"/>
+          <a:lstStyle/>
+          <a:p>
+            <a:pPr/>
+          </a:p>
+        </p:txBody>
+      </p:sp>
+      <p:sp>
+        <p:nvSpPr>
+          <p:cNvPr id="561" name="Google Shape;592;p42"/>
+          <p:cNvSpPr/>
+          <p:nvPr/>
+        </p:nvSpPr>
+        <p:spPr>
+          <a:xfrm>
+            <a:off x="10747587" y="1938701"/>
+            <a:ext cx="894603" cy="1080903"/>
+          </a:xfrm>
+          <a:prstGeom prst="roundRect">
+            <a:avLst>
+              <a:gd name="adj" fmla="val 16667"/>
+            </a:avLst>
+          </a:prstGeom>
+          <a:solidFill>
+            <a:srgbClr val="4A86E8"/>
+          </a:solidFill>
+          <a:ln>
+            <a:solidFill>
+              <a:srgbClr val="FF0000"/>
+            </a:solidFill>
+          </a:ln>
+          <a:extLst>
+            <a:ext uri="{C572A759-6A51-4108-AA02-DFA0A04FC94B}">
+              <ma14:wrappingTextBoxFlag xmlns:ma14="http://schemas.microsoft.com/office/mac/drawingml/2011/main" val="1"/>
+            </a:ext>
+          </a:extLst>
+        </p:spPr>
+        <p:txBody>
+          <a:bodyPr lIns="45718" tIns="45718" rIns="45718" bIns="45718" anchor="b"/>
+          <a:lstStyle>
+            <a:lvl1pPr algn="ctr">
+              <a:defRPr sz="900">
+                <a:solidFill>
+                  <a:srgbClr val="FF0000"/>
+                </a:solidFill>
+                <a:latin typeface="+mj-lt"/>
+                <a:ea typeface="+mj-ea"/>
+                <a:cs typeface="+mj-cs"/>
+                <a:sym typeface="Arial"/>
+              </a:defRPr>
+            </a:lvl1pPr>
+          </a:lstStyle>
+          <a:p>
+            <a:pPr/>
+            <a:r>
+              <a:t>Monitoring</a:t>
+            </a:r>
+          </a:p>
+        </p:txBody>
+      </p:sp>
+      <p:pic>
+        <p:nvPicPr>
+          <p:cNvPr id="562" name="Grafana-300x126.jpg" descr="Grafana-300x126.jpg"/>
+          <p:cNvPicPr>
+            <a:picLocks noChangeAspect="1"/>
+          </p:cNvPicPr>
+          <p:nvPr/>
+        </p:nvPicPr>
+        <p:blipFill>
+          <a:blip r:embed="rId8">
+            <a:extLst/>
+          </a:blip>
+          <a:srcRect l="0" t="0" r="0" b="0"/>
+          <a:stretch>
+            <a:fillRect/>
+          </a:stretch>
+        </p:blipFill>
+        <p:spPr>
+          <a:xfrm>
+            <a:off x="10815872" y="2037046"/>
+            <a:ext cx="758087" cy="318397"/>
+          </a:xfrm>
+          <a:prstGeom prst="rect">
+            <a:avLst/>
+          </a:prstGeom>
+          <a:ln w="12700">
+            <a:miter lim="400000"/>
+          </a:ln>
+        </p:spPr>
+      </p:pic>
     </p:spTree>
   </p:cSld>
   <p:clrMapOvr>
@@ -22555,7 +22629,7 @@
       </p:grpSpPr>
       <p:sp>
         <p:nvSpPr>
-          <p:cNvPr id="562" name="Google Shape;579;p42"/>
+          <p:cNvPr id="564" name="Google Shape;579;p42"/>
           <p:cNvSpPr txBox="1"/>
           <p:nvPr>
             <p:ph type="title"/>
@@ -22587,7 +22661,7 @@
       </p:sp>
       <p:sp>
         <p:nvSpPr>
-          <p:cNvPr id="563" name="Google Shape;580;p42"/>
+          <p:cNvPr id="565" name="Google Shape;580;p42"/>
           <p:cNvSpPr txBox="1"/>
           <p:nvPr>
             <p:ph type="body" sz="quarter" idx="4294967295"/>
@@ -22738,7 +22812,7 @@
       </p:sp>
       <p:sp>
         <p:nvSpPr>
-          <p:cNvPr id="564" name="Google Shape;599;p42"/>
+          <p:cNvPr id="566" name="Google Shape;599;p42"/>
           <p:cNvSpPr/>
           <p:nvPr/>
         </p:nvSpPr>
@@ -22776,7 +22850,7 @@
       </p:sp>
       <p:grpSp>
         <p:nvGrpSpPr>
-          <p:cNvPr id="567" name="K8s…"/>
+          <p:cNvPr id="569" name="K8s…"/>
           <p:cNvGrpSpPr/>
           <p:nvPr/>
         </p:nvGrpSpPr>
@@ -22790,7 +22864,7 @@
         </p:grpSpPr>
         <p:sp>
           <p:nvSpPr>
-            <p:cNvPr id="565" name="Oval"/>
+            <p:cNvPr id="567" name="Oval"/>
             <p:cNvSpPr/>
             <p:nvPr/>
           </p:nvSpPr>
@@ -22839,7 +22913,7 @@
         </p:sp>
         <p:sp>
           <p:nvSpPr>
-            <p:cNvPr id="566" name="FS-v1"/>
+            <p:cNvPr id="568" name="FS-v1"/>
             <p:cNvSpPr txBox="1"/>
             <p:nvPr/>
           </p:nvSpPr>
@@ -22888,7 +22962,7 @@
       </p:grpSp>
       <p:sp>
         <p:nvSpPr>
-          <p:cNvPr id="568" name="Google Shape;580;p42"/>
+          <p:cNvPr id="570" name="Google Shape;580;p42"/>
           <p:cNvSpPr txBox="1"/>
           <p:nvPr/>
         </p:nvSpPr>
@@ -22993,7 +23067,7 @@
       </p:sp>
       <p:grpSp>
         <p:nvGrpSpPr>
-          <p:cNvPr id="572" name="Can 1"/>
+          <p:cNvPr id="574" name="Can 1"/>
           <p:cNvGrpSpPr/>
           <p:nvPr/>
         </p:nvGrpSpPr>
@@ -23007,7 +23081,7 @@
         </p:grpSpPr>
         <p:sp>
           <p:nvSpPr>
-            <p:cNvPr id="569" name="Shape"/>
+            <p:cNvPr id="571" name="Shape"/>
             <p:cNvSpPr/>
             <p:nvPr/>
           </p:nvSpPr>
@@ -23101,7 +23175,7 @@
         </p:sp>
         <p:sp>
           <p:nvSpPr>
-            <p:cNvPr id="570" name="Oval"/>
+            <p:cNvPr id="572" name="Oval"/>
             <p:cNvSpPr/>
             <p:nvPr/>
           </p:nvSpPr>
@@ -23143,7 +23217,7 @@
         </p:sp>
         <p:sp>
           <p:nvSpPr>
-            <p:cNvPr id="571" name="Line"/>
+            <p:cNvPr id="573" name="Line"/>
             <p:cNvSpPr/>
             <p:nvPr/>
           </p:nvSpPr>
@@ -23245,7 +23319,7 @@
       </p:grpSp>
       <p:grpSp>
         <p:nvGrpSpPr>
-          <p:cNvPr id="575" name="Istio Policy"/>
+          <p:cNvPr id="577" name="Istio Policy"/>
           <p:cNvGrpSpPr/>
           <p:nvPr/>
         </p:nvGrpSpPr>
@@ -23259,7 +23333,7 @@
         </p:grpSpPr>
         <p:sp>
           <p:nvSpPr>
-            <p:cNvPr id="573" name="Double Arrow"/>
+            <p:cNvPr id="575" name="Double Arrow"/>
             <p:cNvSpPr/>
             <p:nvPr/>
           </p:nvSpPr>
@@ -23311,7 +23385,7 @@
         </p:sp>
         <p:sp>
           <p:nvSpPr>
-            <p:cNvPr id="574" name="Client"/>
+            <p:cNvPr id="576" name="Client"/>
             <p:cNvSpPr txBox="1"/>
             <p:nvPr/>
           </p:nvSpPr>
@@ -23360,7 +23434,7 @@
       </p:grpSp>
       <p:grpSp>
         <p:nvGrpSpPr>
-          <p:cNvPr id="579" name="Can 59"/>
+          <p:cNvPr id="581" name="Can 59"/>
           <p:cNvGrpSpPr/>
           <p:nvPr/>
         </p:nvGrpSpPr>
@@ -23374,7 +23448,7 @@
         </p:grpSpPr>
         <p:sp>
           <p:nvSpPr>
-            <p:cNvPr id="576" name="Shape"/>
+            <p:cNvPr id="578" name="Shape"/>
             <p:cNvSpPr/>
             <p:nvPr/>
           </p:nvSpPr>
@@ -23468,7 +23542,7 @@
         </p:sp>
         <p:sp>
           <p:nvSpPr>
-            <p:cNvPr id="577" name="Oval"/>
+            <p:cNvPr id="579" name="Oval"/>
             <p:cNvSpPr/>
             <p:nvPr/>
           </p:nvSpPr>
@@ -23510,7 +23584,7 @@
         </p:sp>
         <p:sp>
           <p:nvSpPr>
-            <p:cNvPr id="578" name="Line"/>
+            <p:cNvPr id="580" name="Line"/>
             <p:cNvSpPr/>
             <p:nvPr/>
           </p:nvSpPr>
@@ -23612,7 +23686,7 @@
       </p:grpSp>
       <p:sp>
         <p:nvSpPr>
-          <p:cNvPr id="707" name="Straight Arrow Connector 6"/>
+          <p:cNvPr id="710" name="Straight Arrow Connector 6"/>
           <p:cNvSpPr/>
           <p:nvPr/>
         </p:nvSpPr>
@@ -23675,7 +23749,7 @@
       </p:sp>
       <p:grpSp>
         <p:nvGrpSpPr>
-          <p:cNvPr id="583" name="Istio Policy"/>
+          <p:cNvPr id="585" name="Istio Policy"/>
           <p:cNvGrpSpPr/>
           <p:nvPr/>
         </p:nvGrpSpPr>
@@ -23689,7 +23763,7 @@
         </p:grpSpPr>
         <p:sp>
           <p:nvSpPr>
-            <p:cNvPr id="581" name="Double Arrow"/>
+            <p:cNvPr id="583" name="Double Arrow"/>
             <p:cNvSpPr/>
             <p:nvPr/>
           </p:nvSpPr>
@@ -23741,7 +23815,7 @@
         </p:sp>
         <p:sp>
           <p:nvSpPr>
-            <p:cNvPr id="582" name="Client"/>
+            <p:cNvPr id="584" name="Client"/>
             <p:cNvSpPr txBox="1"/>
             <p:nvPr/>
           </p:nvSpPr>
@@ -23790,7 +23864,7 @@
       </p:grpSp>
       <p:grpSp>
         <p:nvGrpSpPr>
-          <p:cNvPr id="586" name="Istio Policy"/>
+          <p:cNvPr id="588" name="Istio Policy"/>
           <p:cNvGrpSpPr/>
           <p:nvPr/>
         </p:nvGrpSpPr>
@@ -23804,7 +23878,7 @@
         </p:grpSpPr>
         <p:sp>
           <p:nvSpPr>
-            <p:cNvPr id="584" name="Double Arrow"/>
+            <p:cNvPr id="586" name="Double Arrow"/>
             <p:cNvSpPr/>
             <p:nvPr/>
           </p:nvSpPr>
@@ -23856,7 +23930,7 @@
         </p:sp>
         <p:sp>
           <p:nvSpPr>
-            <p:cNvPr id="585" name="Client"/>
+            <p:cNvPr id="587" name="Client"/>
             <p:cNvSpPr txBox="1"/>
             <p:nvPr/>
           </p:nvSpPr>
@@ -23905,7 +23979,7 @@
       </p:grpSp>
       <p:grpSp>
         <p:nvGrpSpPr>
-          <p:cNvPr id="589" name="Istio Policy"/>
+          <p:cNvPr id="591" name="Istio Policy"/>
           <p:cNvGrpSpPr/>
           <p:nvPr/>
         </p:nvGrpSpPr>
@@ -23919,7 +23993,7 @@
         </p:grpSpPr>
         <p:sp>
           <p:nvSpPr>
-            <p:cNvPr id="587" name="Double Arrow"/>
+            <p:cNvPr id="589" name="Double Arrow"/>
             <p:cNvSpPr/>
             <p:nvPr/>
           </p:nvSpPr>
@@ -23971,7 +24045,7 @@
         </p:sp>
         <p:sp>
           <p:nvSpPr>
-            <p:cNvPr id="588" name="Client"/>
+            <p:cNvPr id="590" name="Client"/>
             <p:cNvSpPr txBox="1"/>
             <p:nvPr/>
           </p:nvSpPr>
@@ -24020,7 +24094,7 @@
       </p:grpSp>
       <p:sp>
         <p:nvSpPr>
-          <p:cNvPr id="590" name="Istio Ingress Gateway"/>
+          <p:cNvPr id="592" name="Istio Ingress Gateway"/>
           <p:cNvSpPr/>
           <p:nvPr/>
         </p:nvSpPr>
@@ -24074,7 +24148,7 @@
       </p:sp>
       <p:sp>
         <p:nvSpPr>
-          <p:cNvPr id="591" name="FS…"/>
+          <p:cNvPr id="593" name="FS…"/>
           <p:cNvSpPr/>
           <p:nvPr/>
         </p:nvSpPr>
@@ -24144,7 +24218,7 @@
       </p:sp>
       <p:grpSp>
         <p:nvGrpSpPr>
-          <p:cNvPr id="594" name="K8s…"/>
+          <p:cNvPr id="596" name="K8s…"/>
           <p:cNvGrpSpPr/>
           <p:nvPr/>
         </p:nvGrpSpPr>
@@ -24158,7 +24232,7 @@
         </p:grpSpPr>
         <p:sp>
           <p:nvSpPr>
-            <p:cNvPr id="592" name="Oval"/>
+            <p:cNvPr id="594" name="Oval"/>
             <p:cNvSpPr/>
             <p:nvPr/>
           </p:nvSpPr>
@@ -24207,7 +24281,7 @@
         </p:sp>
         <p:sp>
           <p:nvSpPr>
-            <p:cNvPr id="593" name="FS-v2"/>
+            <p:cNvPr id="595" name="FS-v2"/>
             <p:cNvSpPr txBox="1"/>
             <p:nvPr/>
           </p:nvSpPr>
@@ -24256,7 +24330,7 @@
       </p:grpSp>
       <p:grpSp>
         <p:nvGrpSpPr>
-          <p:cNvPr id="598" name="Can 1"/>
+          <p:cNvPr id="600" name="Can 1"/>
           <p:cNvGrpSpPr/>
           <p:nvPr/>
         </p:nvGrpSpPr>
@@ -24270,7 +24344,7 @@
         </p:grpSpPr>
         <p:sp>
           <p:nvSpPr>
-            <p:cNvPr id="595" name="Shape"/>
+            <p:cNvPr id="597" name="Shape"/>
             <p:cNvSpPr/>
             <p:nvPr/>
           </p:nvSpPr>
@@ -24364,7 +24438,7 @@
         </p:sp>
         <p:sp>
           <p:nvSpPr>
-            <p:cNvPr id="596" name="Oval"/>
+            <p:cNvPr id="598" name="Oval"/>
             <p:cNvSpPr/>
             <p:nvPr/>
           </p:nvSpPr>
@@ -24406,7 +24480,7 @@
         </p:sp>
         <p:sp>
           <p:nvSpPr>
-            <p:cNvPr id="597" name="Line"/>
+            <p:cNvPr id="599" name="Line"/>
             <p:cNvSpPr/>
             <p:nvPr/>
           </p:nvSpPr>
@@ -24508,7 +24582,7 @@
       </p:grpSp>
       <p:grpSp>
         <p:nvGrpSpPr>
-          <p:cNvPr id="602" name="Can 59"/>
+          <p:cNvPr id="604" name="Can 59"/>
           <p:cNvGrpSpPr/>
           <p:nvPr/>
         </p:nvGrpSpPr>
@@ -24522,7 +24596,7 @@
         </p:grpSpPr>
         <p:sp>
           <p:nvSpPr>
-            <p:cNvPr id="599" name="Shape"/>
+            <p:cNvPr id="601" name="Shape"/>
             <p:cNvSpPr/>
             <p:nvPr/>
           </p:nvSpPr>
@@ -24616,7 +24690,7 @@
         </p:sp>
         <p:sp>
           <p:nvSpPr>
-            <p:cNvPr id="600" name="Oval"/>
+            <p:cNvPr id="602" name="Oval"/>
             <p:cNvSpPr/>
             <p:nvPr/>
           </p:nvSpPr>
@@ -24658,7 +24732,7 @@
         </p:sp>
         <p:sp>
           <p:nvSpPr>
-            <p:cNvPr id="601" name="Line"/>
+            <p:cNvPr id="603" name="Line"/>
             <p:cNvSpPr/>
             <p:nvPr/>
           </p:nvSpPr>
@@ -24760,7 +24834,7 @@
       </p:grpSp>
       <p:sp>
         <p:nvSpPr>
-          <p:cNvPr id="708" name="Straight Arrow Connector 6"/>
+          <p:cNvPr id="711" name="Straight Arrow Connector 6"/>
           <p:cNvSpPr/>
           <p:nvPr/>
         </p:nvSpPr>
@@ -24823,7 +24897,7 @@
       </p:sp>
       <p:grpSp>
         <p:nvGrpSpPr>
-          <p:cNvPr id="606" name="K8s…"/>
+          <p:cNvPr id="608" name="K8s…"/>
           <p:cNvGrpSpPr/>
           <p:nvPr/>
         </p:nvGrpSpPr>
@@ -24837,7 +24911,7 @@
         </p:grpSpPr>
         <p:sp>
           <p:nvSpPr>
-            <p:cNvPr id="604" name="Oval"/>
+            <p:cNvPr id="606" name="Oval"/>
             <p:cNvSpPr/>
             <p:nvPr/>
           </p:nvSpPr>
@@ -24886,7 +24960,7 @@
         </p:sp>
         <p:sp>
           <p:nvSpPr>
-            <p:cNvPr id="605" name="FS-v3"/>
+            <p:cNvPr id="607" name="FS-v3"/>
             <p:cNvSpPr txBox="1"/>
             <p:nvPr/>
           </p:nvSpPr>
@@ -24935,7 +25009,7 @@
       </p:grpSp>
       <p:grpSp>
         <p:nvGrpSpPr>
-          <p:cNvPr id="610" name="Can 1"/>
+          <p:cNvPr id="612" name="Can 1"/>
           <p:cNvGrpSpPr/>
           <p:nvPr/>
         </p:nvGrpSpPr>
@@ -24949,7 +25023,7 @@
         </p:grpSpPr>
         <p:sp>
           <p:nvSpPr>
-            <p:cNvPr id="607" name="Shape"/>
+            <p:cNvPr id="609" name="Shape"/>
             <p:cNvSpPr/>
             <p:nvPr/>
           </p:nvSpPr>
@@ -25043,7 +25117,7 @@
         </p:sp>
         <p:sp>
           <p:nvSpPr>
-            <p:cNvPr id="608" name="Oval"/>
+            <p:cNvPr id="610" name="Oval"/>
             <p:cNvSpPr/>
             <p:nvPr/>
           </p:nvSpPr>
@@ -25085,7 +25159,7 @@
         </p:sp>
         <p:sp>
           <p:nvSpPr>
-            <p:cNvPr id="609" name="Line"/>
+            <p:cNvPr id="611" name="Line"/>
             <p:cNvSpPr/>
             <p:nvPr/>
           </p:nvSpPr>
@@ -25187,7 +25261,7 @@
       </p:grpSp>
       <p:grpSp>
         <p:nvGrpSpPr>
-          <p:cNvPr id="614" name="Can 59"/>
+          <p:cNvPr id="616" name="Can 59"/>
           <p:cNvGrpSpPr/>
           <p:nvPr/>
         </p:nvGrpSpPr>
@@ -25201,7 +25275,7 @@
         </p:grpSpPr>
         <p:sp>
           <p:nvSpPr>
-            <p:cNvPr id="611" name="Shape"/>
+            <p:cNvPr id="613" name="Shape"/>
             <p:cNvSpPr/>
             <p:nvPr/>
           </p:nvSpPr>
@@ -25295,7 +25369,7 @@
         </p:sp>
         <p:sp>
           <p:nvSpPr>
-            <p:cNvPr id="612" name="Oval"/>
+            <p:cNvPr id="614" name="Oval"/>
             <p:cNvSpPr/>
             <p:nvPr/>
           </p:nvSpPr>
@@ -25337,7 +25411,7 @@
         </p:sp>
         <p:sp>
           <p:nvSpPr>
-            <p:cNvPr id="613" name="Line"/>
+            <p:cNvPr id="615" name="Line"/>
             <p:cNvSpPr/>
             <p:nvPr/>
           </p:nvSpPr>
@@ -25439,7 +25513,7 @@
       </p:grpSp>
       <p:sp>
         <p:nvSpPr>
-          <p:cNvPr id="709" name="Straight Arrow Connector 6"/>
+          <p:cNvPr id="712" name="Straight Arrow Connector 6"/>
           <p:cNvSpPr/>
           <p:nvPr/>
         </p:nvSpPr>
@@ -25502,7 +25576,7 @@
       </p:sp>
       <p:grpSp>
         <p:nvGrpSpPr>
-          <p:cNvPr id="618" name="K8s…"/>
+          <p:cNvPr id="620" name="K8s…"/>
           <p:cNvGrpSpPr/>
           <p:nvPr/>
         </p:nvGrpSpPr>
@@ -25516,7 +25590,7 @@
         </p:grpSpPr>
         <p:sp>
           <p:nvSpPr>
-            <p:cNvPr id="616" name="Oval"/>
+            <p:cNvPr id="618" name="Oval"/>
             <p:cNvSpPr/>
             <p:nvPr/>
           </p:nvSpPr>
@@ -25565,7 +25639,7 @@
         </p:sp>
         <p:sp>
           <p:nvSpPr>
-            <p:cNvPr id="617" name="FS-standalone-v2"/>
+            <p:cNvPr id="619" name="FS-standalone-v2"/>
             <p:cNvSpPr txBox="1"/>
             <p:nvPr/>
           </p:nvSpPr>
@@ -25614,7 +25688,7 @@
       </p:grpSp>
       <p:grpSp>
         <p:nvGrpSpPr>
-          <p:cNvPr id="622" name="Can 1"/>
+          <p:cNvPr id="624" name="Can 1"/>
           <p:cNvGrpSpPr/>
           <p:nvPr/>
         </p:nvGrpSpPr>
@@ -25628,7 +25702,7 @@
         </p:grpSpPr>
         <p:sp>
           <p:nvSpPr>
-            <p:cNvPr id="619" name="Shape"/>
+            <p:cNvPr id="621" name="Shape"/>
             <p:cNvSpPr/>
             <p:nvPr/>
           </p:nvSpPr>
@@ -25722,7 +25796,7 @@
         </p:sp>
         <p:sp>
           <p:nvSpPr>
-            <p:cNvPr id="620" name="Oval"/>
+            <p:cNvPr id="622" name="Oval"/>
             <p:cNvSpPr/>
             <p:nvPr/>
           </p:nvSpPr>
@@ -25764,7 +25838,7 @@
         </p:sp>
         <p:sp>
           <p:nvSpPr>
-            <p:cNvPr id="621" name="Line"/>
+            <p:cNvPr id="623" name="Line"/>
             <p:cNvSpPr/>
             <p:nvPr/>
           </p:nvSpPr>
@@ -25866,7 +25940,7 @@
       </p:grpSp>
       <p:grpSp>
         <p:nvGrpSpPr>
-          <p:cNvPr id="626" name="Can 59"/>
+          <p:cNvPr id="628" name="Can 59"/>
           <p:cNvGrpSpPr/>
           <p:nvPr/>
         </p:nvGrpSpPr>
@@ -25880,7 +25954,7 @@
         </p:grpSpPr>
         <p:sp>
           <p:nvSpPr>
-            <p:cNvPr id="623" name="Shape"/>
+            <p:cNvPr id="625" name="Shape"/>
             <p:cNvSpPr/>
             <p:nvPr/>
           </p:nvSpPr>
@@ -25974,7 +26048,7 @@
         </p:sp>
         <p:sp>
           <p:nvSpPr>
-            <p:cNvPr id="624" name="Oval"/>
+            <p:cNvPr id="626" name="Oval"/>
             <p:cNvSpPr/>
             <p:nvPr/>
           </p:nvSpPr>
@@ -26016,7 +26090,7 @@
         </p:sp>
         <p:sp>
           <p:nvSpPr>
-            <p:cNvPr id="625" name="Line"/>
+            <p:cNvPr id="627" name="Line"/>
             <p:cNvSpPr/>
             <p:nvPr/>
           </p:nvSpPr>
@@ -26118,7 +26192,7 @@
       </p:grpSp>
       <p:sp>
         <p:nvSpPr>
-          <p:cNvPr id="710" name="Straight Arrow Connector 6"/>
+          <p:cNvPr id="713" name="Straight Arrow Connector 6"/>
           <p:cNvSpPr/>
           <p:nvPr/>
         </p:nvSpPr>
@@ -26181,7 +26255,7 @@
       </p:sp>
       <p:grpSp>
         <p:nvGrpSpPr>
-          <p:cNvPr id="630" name="K8s…"/>
+          <p:cNvPr id="632" name="K8s…"/>
           <p:cNvGrpSpPr/>
           <p:nvPr/>
         </p:nvGrpSpPr>
@@ -26195,7 +26269,7 @@
         </p:grpSpPr>
         <p:sp>
           <p:nvSpPr>
-            <p:cNvPr id="628" name="Oval"/>
+            <p:cNvPr id="630" name="Oval"/>
             <p:cNvSpPr/>
             <p:nvPr/>
           </p:nvSpPr>
@@ -26244,7 +26318,7 @@
         </p:sp>
         <p:sp>
           <p:nvSpPr>
-            <p:cNvPr id="629" name="FS-standalone-v1"/>
+            <p:cNvPr id="631" name="FS-standalone-v1"/>
             <p:cNvSpPr txBox="1"/>
             <p:nvPr/>
           </p:nvSpPr>
@@ -26293,7 +26367,7 @@
       </p:grpSp>
       <p:grpSp>
         <p:nvGrpSpPr>
-          <p:cNvPr id="634" name="Can 1"/>
+          <p:cNvPr id="636" name="Can 1"/>
           <p:cNvGrpSpPr/>
           <p:nvPr/>
         </p:nvGrpSpPr>
@@ -26307,7 +26381,7 @@
         </p:grpSpPr>
         <p:sp>
           <p:nvSpPr>
-            <p:cNvPr id="631" name="Shape"/>
+            <p:cNvPr id="633" name="Shape"/>
             <p:cNvSpPr/>
             <p:nvPr/>
           </p:nvSpPr>
@@ -26401,7 +26475,7 @@
         </p:sp>
         <p:sp>
           <p:nvSpPr>
-            <p:cNvPr id="632" name="Oval"/>
+            <p:cNvPr id="634" name="Oval"/>
             <p:cNvSpPr/>
             <p:nvPr/>
           </p:nvSpPr>
@@ -26443,7 +26517,7 @@
         </p:sp>
         <p:sp>
           <p:nvSpPr>
-            <p:cNvPr id="633" name="Line"/>
+            <p:cNvPr id="635" name="Line"/>
             <p:cNvSpPr/>
             <p:nvPr/>
           </p:nvSpPr>
@@ -26545,7 +26619,7 @@
       </p:grpSp>
       <p:grpSp>
         <p:nvGrpSpPr>
-          <p:cNvPr id="638" name="Can 59"/>
+          <p:cNvPr id="640" name="Can 59"/>
           <p:cNvGrpSpPr/>
           <p:nvPr/>
         </p:nvGrpSpPr>
@@ -26559,7 +26633,7 @@
         </p:grpSpPr>
         <p:sp>
           <p:nvSpPr>
-            <p:cNvPr id="635" name="Shape"/>
+            <p:cNvPr id="637" name="Shape"/>
             <p:cNvSpPr/>
             <p:nvPr/>
           </p:nvSpPr>
@@ -26653,7 +26727,7 @@
         </p:sp>
         <p:sp>
           <p:nvSpPr>
-            <p:cNvPr id="636" name="Oval"/>
+            <p:cNvPr id="638" name="Oval"/>
             <p:cNvSpPr/>
             <p:nvPr/>
           </p:nvSpPr>
@@ -26695,7 +26769,7 @@
         </p:sp>
         <p:sp>
           <p:nvSpPr>
-            <p:cNvPr id="637" name="Line"/>
+            <p:cNvPr id="639" name="Line"/>
             <p:cNvSpPr/>
             <p:nvPr/>
           </p:nvSpPr>
@@ -26797,7 +26871,7 @@
       </p:grpSp>
       <p:sp>
         <p:nvSpPr>
-          <p:cNvPr id="711" name="Straight Arrow Connector 6"/>
+          <p:cNvPr id="714" name="Straight Arrow Connector 6"/>
           <p:cNvSpPr/>
           <p:nvPr/>
         </p:nvSpPr>
@@ -26860,7 +26934,7 @@
       </p:sp>
       <p:sp>
         <p:nvSpPr>
-          <p:cNvPr id="640" name="Google Shape;598;p42"/>
+          <p:cNvPr id="642" name="Google Shape;598;p42"/>
           <p:cNvSpPr/>
           <p:nvPr/>
         </p:nvSpPr>
@@ -26897,7 +26971,7 @@
       </p:sp>
       <p:sp>
         <p:nvSpPr>
-          <p:cNvPr id="641" name="Google Shape;598;p42"/>
+          <p:cNvPr id="643" name="Google Shape;598;p42"/>
           <p:cNvSpPr/>
           <p:nvPr/>
         </p:nvSpPr>
@@ -26934,7 +27008,7 @@
       </p:sp>
       <p:sp>
         <p:nvSpPr>
-          <p:cNvPr id="642" name="Google Shape;598;p42"/>
+          <p:cNvPr id="644" name="Google Shape;598;p42"/>
           <p:cNvSpPr/>
           <p:nvPr/>
         </p:nvSpPr>
@@ -26971,7 +27045,7 @@
       </p:sp>
       <p:sp>
         <p:nvSpPr>
-          <p:cNvPr id="643" name="Google Shape;598;p42"/>
+          <p:cNvPr id="645" name="Google Shape;598;p42"/>
           <p:cNvSpPr/>
           <p:nvPr/>
         </p:nvSpPr>
@@ -27008,7 +27082,7 @@
       </p:sp>
       <p:sp>
         <p:nvSpPr>
-          <p:cNvPr id="644" name="Google Shape;598;p42"/>
+          <p:cNvPr id="646" name="Google Shape;598;p42"/>
           <p:cNvSpPr/>
           <p:nvPr/>
         </p:nvSpPr>
@@ -27045,7 +27119,7 @@
       </p:sp>
       <p:sp>
         <p:nvSpPr>
-          <p:cNvPr id="645" name="Fibo…"/>
+          <p:cNvPr id="647" name="Fibo…"/>
           <p:cNvSpPr/>
           <p:nvPr/>
         </p:nvSpPr>
@@ -27115,7 +27189,7 @@
       </p:sp>
       <p:grpSp>
         <p:nvGrpSpPr>
-          <p:cNvPr id="648" name="K8s…"/>
+          <p:cNvPr id="650" name="K8s…"/>
           <p:cNvGrpSpPr/>
           <p:nvPr/>
         </p:nvGrpSpPr>
@@ -27129,7 +27203,7 @@
         </p:grpSpPr>
         <p:sp>
           <p:nvSpPr>
-            <p:cNvPr id="646" name="Oval"/>
+            <p:cNvPr id="648" name="Oval"/>
             <p:cNvSpPr/>
             <p:nvPr/>
           </p:nvSpPr>
@@ -27178,7 +27252,7 @@
         </p:sp>
         <p:sp>
           <p:nvSpPr>
-            <p:cNvPr id="647" name="Fibo-v1-0"/>
+            <p:cNvPr id="649" name="Fibo-v1-0"/>
             <p:cNvSpPr txBox="1"/>
             <p:nvPr/>
           </p:nvSpPr>
@@ -27227,7 +27301,7 @@
       </p:grpSp>
       <p:grpSp>
         <p:nvGrpSpPr>
-          <p:cNvPr id="651" name="K8s…"/>
+          <p:cNvPr id="653" name="K8s…"/>
           <p:cNvGrpSpPr/>
           <p:nvPr/>
         </p:nvGrpSpPr>
@@ -27241,7 +27315,7 @@
         </p:grpSpPr>
         <p:sp>
           <p:nvSpPr>
-            <p:cNvPr id="649" name="Oval"/>
+            <p:cNvPr id="651" name="Oval"/>
             <p:cNvSpPr/>
             <p:nvPr/>
           </p:nvSpPr>
@@ -27290,7 +27364,7 @@
         </p:sp>
         <p:sp>
           <p:nvSpPr>
-            <p:cNvPr id="650" name="Fibo-v1-1"/>
+            <p:cNvPr id="652" name="Fibo-v1-1"/>
             <p:cNvSpPr txBox="1"/>
             <p:nvPr/>
           </p:nvSpPr>
@@ -27339,7 +27413,7 @@
       </p:grpSp>
       <p:grpSp>
         <p:nvGrpSpPr>
-          <p:cNvPr id="654" name="K8s…"/>
+          <p:cNvPr id="656" name="K8s…"/>
           <p:cNvGrpSpPr/>
           <p:nvPr/>
         </p:nvGrpSpPr>
@@ -27353,7 +27427,7 @@
         </p:grpSpPr>
         <p:sp>
           <p:nvSpPr>
-            <p:cNvPr id="652" name="Oval"/>
+            <p:cNvPr id="654" name="Oval"/>
             <p:cNvSpPr/>
             <p:nvPr/>
           </p:nvSpPr>
@@ -27402,7 +27476,7 @@
         </p:sp>
         <p:sp>
           <p:nvSpPr>
-            <p:cNvPr id="653" name="Fibo-v2-0"/>
+            <p:cNvPr id="655" name="Fibo-v2-0"/>
             <p:cNvSpPr txBox="1"/>
             <p:nvPr/>
           </p:nvSpPr>
@@ -27451,7 +27525,7 @@
       </p:grpSp>
       <p:grpSp>
         <p:nvGrpSpPr>
-          <p:cNvPr id="657" name="K8s…"/>
+          <p:cNvPr id="659" name="K8s…"/>
           <p:cNvGrpSpPr/>
           <p:nvPr/>
         </p:nvGrpSpPr>
@@ -27465,7 +27539,7 @@
         </p:grpSpPr>
         <p:sp>
           <p:nvSpPr>
-            <p:cNvPr id="655" name="Oval"/>
+            <p:cNvPr id="657" name="Oval"/>
             <p:cNvSpPr/>
             <p:nvPr/>
           </p:nvSpPr>
@@ -27514,7 +27588,7 @@
         </p:sp>
         <p:sp>
           <p:nvSpPr>
-            <p:cNvPr id="656" name="Fibo-v2-1"/>
+            <p:cNvPr id="658" name="Fibo-v2-1"/>
             <p:cNvSpPr txBox="1"/>
             <p:nvPr/>
           </p:nvSpPr>
@@ -27563,7 +27637,7 @@
       </p:grpSp>
       <p:sp>
         <p:nvSpPr>
-          <p:cNvPr id="658" name="Google Shape;598;p42"/>
+          <p:cNvPr id="660" name="Google Shape;598;p42"/>
           <p:cNvSpPr/>
           <p:nvPr/>
         </p:nvSpPr>
@@ -27600,7 +27674,7 @@
       </p:sp>
       <p:sp>
         <p:nvSpPr>
-          <p:cNvPr id="659" name="Google Shape;598;p42"/>
+          <p:cNvPr id="661" name="Google Shape;598;p42"/>
           <p:cNvSpPr/>
           <p:nvPr/>
         </p:nvSpPr>
@@ -27637,7 +27711,7 @@
       </p:sp>
       <p:sp>
         <p:nvSpPr>
-          <p:cNvPr id="660" name="Google Shape;598;p42"/>
+          <p:cNvPr id="662" name="Google Shape;598;p42"/>
           <p:cNvSpPr/>
           <p:nvPr/>
         </p:nvSpPr>
@@ -27674,7 +27748,7 @@
       </p:sp>
       <p:sp>
         <p:nvSpPr>
-          <p:cNvPr id="661" name="Guide…"/>
+          <p:cNvPr id="663" name="Guide…"/>
           <p:cNvSpPr/>
           <p:nvPr/>
         </p:nvSpPr>
@@ -27744,7 +27818,7 @@
       </p:sp>
       <p:grpSp>
         <p:nvGrpSpPr>
-          <p:cNvPr id="664" name="K8s…"/>
+          <p:cNvPr id="666" name="K8s…"/>
           <p:cNvGrpSpPr/>
           <p:nvPr/>
         </p:nvGrpSpPr>
@@ -27758,7 +27832,7 @@
         </p:grpSpPr>
         <p:sp>
           <p:nvSpPr>
-            <p:cNvPr id="662" name="Oval"/>
+            <p:cNvPr id="664" name="Oval"/>
             <p:cNvSpPr/>
             <p:nvPr/>
           </p:nvSpPr>
@@ -27807,7 +27881,7 @@
         </p:sp>
         <p:sp>
           <p:nvSpPr>
-            <p:cNvPr id="663" name="Guide-v1-0"/>
+            <p:cNvPr id="665" name="Guide-v1-0"/>
             <p:cNvSpPr txBox="1"/>
             <p:nvPr/>
           </p:nvSpPr>
@@ -27856,7 +27930,7 @@
       </p:grpSp>
       <p:grpSp>
         <p:nvGrpSpPr>
-          <p:cNvPr id="667" name="K8s…"/>
+          <p:cNvPr id="669" name="K8s…"/>
           <p:cNvGrpSpPr/>
           <p:nvPr/>
         </p:nvGrpSpPr>
@@ -27870,7 +27944,7 @@
         </p:grpSpPr>
         <p:sp>
           <p:nvSpPr>
-            <p:cNvPr id="665" name="Oval"/>
+            <p:cNvPr id="667" name="Oval"/>
             <p:cNvSpPr/>
             <p:nvPr/>
           </p:nvSpPr>
@@ -27919,7 +27993,7 @@
         </p:sp>
         <p:sp>
           <p:nvSpPr>
-            <p:cNvPr id="666" name="Guide-v1-1"/>
+            <p:cNvPr id="668" name="Guide-v1-1"/>
             <p:cNvSpPr txBox="1"/>
             <p:nvPr/>
           </p:nvSpPr>
@@ -27968,7 +28042,7 @@
       </p:grpSp>
       <p:sp>
         <p:nvSpPr>
-          <p:cNvPr id="668" name="Google Shape;598;p42"/>
+          <p:cNvPr id="670" name="Google Shape;598;p42"/>
           <p:cNvSpPr/>
           <p:nvPr/>
         </p:nvSpPr>
@@ -28005,7 +28079,7 @@
       </p:sp>
       <p:sp>
         <p:nvSpPr>
-          <p:cNvPr id="669" name="Google Shape;598;p42"/>
+          <p:cNvPr id="671" name="Google Shape;598;p42"/>
           <p:cNvSpPr/>
           <p:nvPr/>
         </p:nvSpPr>
@@ -28042,7 +28116,7 @@
       </p:sp>
       <p:sp>
         <p:nvSpPr>
-          <p:cNvPr id="670" name="Google Shape;598;p42"/>
+          <p:cNvPr id="672" name="Google Shape;598;p42"/>
           <p:cNvSpPr/>
           <p:nvPr/>
         </p:nvSpPr>
@@ -28079,7 +28153,7 @@
       </p:sp>
       <p:sp>
         <p:nvSpPr>
-          <p:cNvPr id="671" name="Google Shape;598;p42"/>
+          <p:cNvPr id="673" name="Google Shape;598;p42"/>
           <p:cNvSpPr/>
           <p:nvPr/>
         </p:nvSpPr>
@@ -28116,7 +28190,7 @@
       </p:sp>
       <p:grpSp>
         <p:nvGrpSpPr>
-          <p:cNvPr id="674" name="K8s…"/>
+          <p:cNvPr id="676" name="K8s…"/>
           <p:cNvGrpSpPr/>
           <p:nvPr/>
         </p:nvGrpSpPr>
@@ -28130,7 +28204,7 @@
         </p:grpSpPr>
         <p:sp>
           <p:nvSpPr>
-            <p:cNvPr id="672" name="Oval"/>
+            <p:cNvPr id="674" name="Oval"/>
             <p:cNvSpPr/>
             <p:nvPr/>
           </p:nvSpPr>
@@ -28179,7 +28253,7 @@
         </p:sp>
         <p:sp>
           <p:nvSpPr>
-            <p:cNvPr id="673" name="Guide-v2-0"/>
+            <p:cNvPr id="675" name="Guide-v2-0"/>
             <p:cNvSpPr txBox="1"/>
             <p:nvPr/>
           </p:nvSpPr>
@@ -28228,7 +28302,7 @@
       </p:grpSp>
       <p:grpSp>
         <p:nvGrpSpPr>
-          <p:cNvPr id="677" name="K8s…"/>
+          <p:cNvPr id="679" name="K8s…"/>
           <p:cNvGrpSpPr/>
           <p:nvPr/>
         </p:nvGrpSpPr>
@@ -28242,7 +28316,7 @@
         </p:grpSpPr>
         <p:sp>
           <p:nvSpPr>
-            <p:cNvPr id="675" name="Oval"/>
+            <p:cNvPr id="677" name="Oval"/>
             <p:cNvSpPr/>
             <p:nvPr/>
           </p:nvSpPr>
@@ -28291,7 +28365,7 @@
         </p:sp>
         <p:sp>
           <p:nvSpPr>
-            <p:cNvPr id="676" name="Guide-v2-1"/>
+            <p:cNvPr id="678" name="Guide-v2-1"/>
             <p:cNvSpPr txBox="1"/>
             <p:nvPr/>
           </p:nvSpPr>
@@ -28340,7 +28414,7 @@
       </p:grpSp>
       <p:sp>
         <p:nvSpPr>
-          <p:cNvPr id="678" name="vMEC (on k8s)"/>
+          <p:cNvPr id="680" name="vMEC (on k8s)"/>
           <p:cNvSpPr txBox="1"/>
           <p:nvPr/>
         </p:nvSpPr>
@@ -28385,7 +28459,7 @@
       </p:sp>
       <p:sp>
         <p:nvSpPr>
-          <p:cNvPr id="679" name="Google Shape;599;p42"/>
+          <p:cNvPr id="681" name="Google Shape;599;p42"/>
           <p:cNvSpPr/>
           <p:nvPr/>
         </p:nvSpPr>
@@ -28423,7 +28497,7 @@
       </p:sp>
       <p:sp>
         <p:nvSpPr>
-          <p:cNvPr id="680" name="vMEC (on k8s)"/>
+          <p:cNvPr id="682" name="vMEC (on k8s)"/>
           <p:cNvSpPr txBox="1"/>
           <p:nvPr/>
         </p:nvSpPr>
@@ -28468,7 +28542,7 @@
       </p:sp>
       <p:grpSp>
         <p:nvGrpSpPr>
-          <p:cNvPr id="683" name="K8s…"/>
+          <p:cNvPr id="685" name="K8s…"/>
           <p:cNvGrpSpPr/>
           <p:nvPr/>
         </p:nvGrpSpPr>
@@ -28482,7 +28556,7 @@
         </p:grpSpPr>
         <p:sp>
           <p:nvSpPr>
-            <p:cNvPr id="681" name="Oval"/>
+            <p:cNvPr id="683" name="Oval"/>
             <p:cNvSpPr/>
             <p:nvPr/>
           </p:nvSpPr>
@@ -28531,7 +28605,7 @@
         </p:sp>
         <p:sp>
           <p:nvSpPr>
-            <p:cNvPr id="682" name="Collector-0"/>
+            <p:cNvPr id="684" name="Collector-0"/>
             <p:cNvSpPr txBox="1"/>
             <p:nvPr/>
           </p:nvSpPr>
@@ -28580,7 +28654,7 @@
       </p:grpSp>
       <p:grpSp>
         <p:nvGrpSpPr>
-          <p:cNvPr id="686" name="K8s…"/>
+          <p:cNvPr id="688" name="K8s…"/>
           <p:cNvGrpSpPr/>
           <p:nvPr/>
         </p:nvGrpSpPr>
@@ -28594,7 +28668,7 @@
         </p:grpSpPr>
         <p:sp>
           <p:nvSpPr>
-            <p:cNvPr id="684" name="Oval"/>
+            <p:cNvPr id="686" name="Oval"/>
             <p:cNvSpPr/>
             <p:nvPr/>
           </p:nvSpPr>
@@ -28643,7 +28717,7 @@
         </p:sp>
         <p:sp>
           <p:nvSpPr>
-            <p:cNvPr id="685" name="Collector-1"/>
+            <p:cNvPr id="687" name="Collector-1"/>
             <p:cNvSpPr txBox="1"/>
             <p:nvPr/>
           </p:nvSpPr>
@@ -28692,7 +28766,7 @@
       </p:grpSp>
       <p:sp>
         <p:nvSpPr>
-          <p:cNvPr id="687" name="Kafka…"/>
+          <p:cNvPr id="689" name="Kafka…"/>
           <p:cNvSpPr/>
           <p:nvPr/>
         </p:nvSpPr>
@@ -28762,7 +28836,7 @@
       </p:sp>
       <p:sp>
         <p:nvSpPr>
-          <p:cNvPr id="688" name="Google Shape;598;p42"/>
+          <p:cNvPr id="690" name="Google Shape;598;p42"/>
           <p:cNvSpPr/>
           <p:nvPr/>
         </p:nvSpPr>
@@ -28798,7 +28872,7 @@
       </p:sp>
       <p:sp>
         <p:nvSpPr>
-          <p:cNvPr id="689" name="Google Shape;598;p42"/>
+          <p:cNvPr id="691" name="Google Shape;598;p42"/>
           <p:cNvSpPr/>
           <p:nvPr/>
         </p:nvSpPr>
@@ -28834,7 +28908,7 @@
       </p:sp>
       <p:sp>
         <p:nvSpPr>
-          <p:cNvPr id="690" name="Analytics…"/>
+          <p:cNvPr id="692" name="Analytics…"/>
           <p:cNvSpPr/>
           <p:nvPr/>
         </p:nvSpPr>
@@ -28904,7 +28978,7 @@
       </p:sp>
       <p:sp>
         <p:nvSpPr>
-          <p:cNvPr id="691" name="Google Shape;598;p42"/>
+          <p:cNvPr id="693" name="Google Shape;598;p42"/>
           <p:cNvSpPr/>
           <p:nvPr/>
         </p:nvSpPr>
@@ -28940,7 +29014,7 @@
       </p:sp>
       <p:grpSp>
         <p:nvGrpSpPr>
-          <p:cNvPr id="694" name="K8s…"/>
+          <p:cNvPr id="696" name="K8s…"/>
           <p:cNvGrpSpPr/>
           <p:nvPr/>
         </p:nvGrpSpPr>
@@ -28954,7 +29028,7 @@
         </p:grpSpPr>
         <p:sp>
           <p:nvSpPr>
-            <p:cNvPr id="692" name="Oval"/>
+            <p:cNvPr id="694" name="Oval"/>
             <p:cNvSpPr/>
             <p:nvPr/>
           </p:nvSpPr>
@@ -29003,7 +29077,7 @@
         </p:sp>
         <p:sp>
           <p:nvSpPr>
-            <p:cNvPr id="693" name="Command-1"/>
+            <p:cNvPr id="695" name="Command-1"/>
             <p:cNvSpPr txBox="1"/>
             <p:nvPr/>
           </p:nvSpPr>
@@ -29052,7 +29126,7 @@
       </p:grpSp>
       <p:grpSp>
         <p:nvGrpSpPr>
-          <p:cNvPr id="697" name="K8s…"/>
+          <p:cNvPr id="699" name="K8s…"/>
           <p:cNvGrpSpPr/>
           <p:nvPr/>
         </p:nvGrpSpPr>
@@ -29066,7 +29140,7 @@
         </p:grpSpPr>
         <p:sp>
           <p:nvSpPr>
-            <p:cNvPr id="695" name="Oval"/>
+            <p:cNvPr id="697" name="Oval"/>
             <p:cNvSpPr/>
             <p:nvPr/>
           </p:nvSpPr>
@@ -29115,7 +29189,7 @@
         </p:sp>
         <p:sp>
           <p:nvSpPr>
-            <p:cNvPr id="696" name="Command-0"/>
+            <p:cNvPr id="698" name="Command-0"/>
             <p:cNvSpPr txBox="1"/>
             <p:nvPr/>
           </p:nvSpPr>
@@ -29164,14 +29238,14 @@
       </p:grpSp>
       <p:sp>
         <p:nvSpPr>
-          <p:cNvPr id="698" name="Google Shape;598;p42"/>
+          <p:cNvPr id="700" name="Google Shape;598;p42"/>
           <p:cNvSpPr/>
           <p:nvPr/>
         </p:nvSpPr>
         <p:spPr>
           <a:xfrm>
-            <a:off x="10950010" y="2174741"/>
-            <a:ext cx="609199" cy="261233"/>
+            <a:off x="11333199" y="2209963"/>
+            <a:ext cx="226010" cy="226011"/>
           </a:xfrm>
           <a:prstGeom prst="line">
             <a:avLst/>
@@ -29200,7 +29274,7 @@
       </p:sp>
       <p:sp>
         <p:nvSpPr>
-          <p:cNvPr id="699" name="Google Shape;598;p42"/>
+          <p:cNvPr id="701" name="Google Shape;598;p42"/>
           <p:cNvSpPr/>
           <p:nvPr/>
         </p:nvSpPr>
@@ -29237,7 +29311,7 @@
       </p:sp>
       <p:sp>
         <p:nvSpPr>
-          <p:cNvPr id="700" name="Google Shape;598;p42"/>
+          <p:cNvPr id="702" name="Google Shape;598;p42"/>
           <p:cNvSpPr/>
           <p:nvPr/>
         </p:nvSpPr>
@@ -29274,13 +29348,13 @@
       </p:sp>
       <p:sp>
         <p:nvSpPr>
-          <p:cNvPr id="701" name="Registry…"/>
+          <p:cNvPr id="703" name="Registry…"/>
           <p:cNvSpPr/>
           <p:nvPr/>
         </p:nvSpPr>
         <p:spPr>
           <a:xfrm>
-            <a:off x="9971842" y="1732327"/>
+            <a:off x="10403642" y="1624106"/>
             <a:ext cx="941180" cy="596133"/>
           </a:xfrm>
           <a:prstGeom prst="roundRect">
@@ -29344,13 +29418,13 @@
       </p:sp>
       <p:grpSp>
         <p:nvGrpSpPr>
-          <p:cNvPr id="704" name="K8s…"/>
+          <p:cNvPr id="706" name="K8s…"/>
           <p:cNvGrpSpPr/>
           <p:nvPr/>
         </p:nvGrpSpPr>
         <p:grpSpPr>
           <a:xfrm>
-            <a:off x="10935363" y="1623457"/>
+            <a:off x="11400807" y="1611406"/>
             <a:ext cx="609199" cy="447161"/>
             <a:chOff x="0" y="0"/>
             <a:chExt cx="609197" cy="447160"/>
@@ -29358,7 +29432,7 @@
         </p:grpSpPr>
         <p:sp>
           <p:nvSpPr>
-            <p:cNvPr id="702" name="Oval"/>
+            <p:cNvPr id="704" name="Oval"/>
             <p:cNvSpPr/>
             <p:nvPr/>
           </p:nvSpPr>
@@ -29407,7 +29481,7 @@
         </p:sp>
         <p:sp>
           <p:nvSpPr>
-            <p:cNvPr id="703" name="Registry"/>
+            <p:cNvPr id="705" name="Registry"/>
             <p:cNvSpPr txBox="1"/>
             <p:nvPr/>
           </p:nvSpPr>
@@ -29456,7 +29530,7 @@
       </p:grpSp>
       <p:sp>
         <p:nvSpPr>
-          <p:cNvPr id="705" name="Everest-sink…"/>
+          <p:cNvPr id="707" name="Everest-sink…"/>
           <p:cNvSpPr/>
           <p:nvPr/>
         </p:nvSpPr>
@@ -29526,7 +29600,7 @@
       </p:sp>
       <p:sp>
         <p:nvSpPr>
-          <p:cNvPr id="706" name="Everest-sink…"/>
+          <p:cNvPr id="708" name="Everest-sink…"/>
           <p:cNvSpPr/>
           <p:nvPr/>
         </p:nvSpPr>
@@ -29590,6 +29664,76 @@
             </a:pPr>
             <a:r>
               <a:t>(job)</a:t>
+            </a:r>
+          </a:p>
+        </p:txBody>
+      </p:sp>
+      <p:sp>
+        <p:nvSpPr>
+          <p:cNvPr id="709" name="Monitoring…"/>
+          <p:cNvSpPr/>
+          <p:nvPr/>
+        </p:nvSpPr>
+        <p:spPr>
+          <a:xfrm>
+            <a:off x="9208348" y="1624316"/>
+            <a:ext cx="941180" cy="596133"/>
+          </a:xfrm>
+          <a:prstGeom prst="roundRect">
+            <a:avLst>
+              <a:gd name="adj" fmla="val 23823"/>
+            </a:avLst>
+          </a:prstGeom>
+          <a:gradFill>
+            <a:gsLst>
+              <a:gs pos="0">
+                <a:srgbClr val="6B8ADA"/>
+              </a:gs>
+              <a:gs pos="100000">
+                <a:schemeClr val="accent6">
+                  <a:hueOff val="172405"/>
+                  <a:satOff val="54054"/>
+                  <a:lumOff val="21186"/>
+                </a:schemeClr>
+              </a:gs>
+            </a:gsLst>
+            <a:lin ang="16200000"/>
+          </a:gradFill>
+          <a:ln w="25400">
+            <a:solidFill>
+              <a:schemeClr val="accent1"/>
+            </a:solidFill>
+          </a:ln>
+          <a:effectLst>
+            <a:outerShdw sx="100000" sy="100000" kx="0" ky="0" algn="b" rotWithShape="0" blurRad="38100" dist="20000" dir="5400000">
+              <a:srgbClr val="000000">
+                <a:alpha val="38000"/>
+              </a:srgbClr>
+            </a:outerShdw>
+          </a:effectLst>
+          <a:extLst>
+            <a:ext uri="{C572A759-6A51-4108-AA02-DFA0A04FC94B}">
+              <ma14:wrappingTextBoxFlag xmlns:ma14="http://schemas.microsoft.com/office/mac/drawingml/2011/main" val="1"/>
+            </a:ext>
+          </a:extLst>
+        </p:spPr>
+        <p:txBody>
+          <a:bodyPr lIns="45718" tIns="45718" rIns="45718" bIns="45718" anchor="ctr"/>
+          <a:lstStyle/>
+          <a:p>
+            <a:pPr algn="ctr">
+              <a:defRPr i="1" sz="1000"/>
+            </a:pPr>
+            <a:r>
+              <a:t>Monitoring</a:t>
+            </a:r>
+          </a:p>
+          <a:p>
+            <a:pPr algn="ctr">
+              <a:defRPr i="1" sz="1000"/>
+            </a:pPr>
+            <a:r>
+              <a:t>(Service)</a:t>
             </a:r>
           </a:p>
         </p:txBody>
